--- a/slides/Lec-25.pptx
+++ b/slides/Lec-25.pptx
@@ -1,27 +1,27 @@
 
 <file path=ppt/presentation.xml><?xml version="1.0" encoding="utf-8"?>
-<p:presentation xmlns:a="http://schemas.openxmlformats.org/drawingml/2006/main" xmlns:r="http://schemas.openxmlformats.org/officeDocument/2006/relationships" xmlns:mc="http://schemas.openxmlformats.org/markup-compatibility/2006" xmlns:mv="urn:schemas-microsoft-com:mac:vml" xmlns:p="http://schemas.openxmlformats.org/presentationml/2006/main" xmlns:c="http://schemas.openxmlformats.org/drawingml/2006/chart" xmlns:dgm="http://schemas.openxmlformats.org/drawingml/2006/diagram" xmlns:o="urn:schemas-microsoft-com:office:office" xmlns:v="urn:schemas-microsoft-com:vml" xmlns:pvml="urn:schemas-microsoft-com:office:powerpoint" xmlns:com="http://schemas.openxmlformats.org/drawingml/2006/compatibility" xmlns:p14="http://schemas.microsoft.com/office/powerpoint/2010/main" xmlns:p15="http://schemas.microsoft.com/office/powerpoint/2012/main" xmlns:ahyp="http://schemas.microsoft.com/office/drawing/2018/hyperlinkcolor" autoCompressPictures="0" strictFirstAndLastChars="0" saveSubsetFonts="1">
+<p:presentation xmlns:a="http://schemas.openxmlformats.org/drawingml/2006/main" xmlns:r="http://schemas.openxmlformats.org/officeDocument/2006/relationships" xmlns:p="http://schemas.openxmlformats.org/presentationml/2006/main" strictFirstAndLastChars="0" saveSubsetFonts="1" autoCompressPictures="0">
   <p:sldMasterIdLst>
-    <p:sldMasterId id="2147483659" r:id="rId5"/>
+    <p:sldMasterId id="2147483659" r:id="rId1"/>
   </p:sldMasterIdLst>
   <p:notesMasterIdLst>
-    <p:notesMasterId r:id="rId6"/>
+    <p:notesMasterId r:id="rId11"/>
   </p:notesMasterIdLst>
   <p:sldIdLst>
-    <p:sldId id="256" r:id="rId7"/>
-    <p:sldId id="257" r:id="rId8"/>
-    <p:sldId id="258" r:id="rId9"/>
-    <p:sldId id="259" r:id="rId10"/>
-    <p:sldId id="260" r:id="rId11"/>
-    <p:sldId id="261" r:id="rId12"/>
-    <p:sldId id="262" r:id="rId13"/>
-    <p:sldId id="263" r:id="rId14"/>
-    <p:sldId id="264" r:id="rId15"/>
+    <p:sldId id="256" r:id="rId2"/>
+    <p:sldId id="257" r:id="rId3"/>
+    <p:sldId id="258" r:id="rId4"/>
+    <p:sldId id="259" r:id="rId5"/>
+    <p:sldId id="260" r:id="rId6"/>
+    <p:sldId id="261" r:id="rId7"/>
+    <p:sldId id="262" r:id="rId8"/>
+    <p:sldId id="263" r:id="rId9"/>
+    <p:sldId id="264" r:id="rId10"/>
   </p:sldIdLst>
-  <p:sldSz cy="5143500" cx="9144000"/>
+  <p:sldSz cx="9144000" cy="5143500" type="screen16x9"/>
   <p:notesSz cx="6858000" cy="9144000"/>
   <p:defaultTextStyle>
-    <a:defPPr lvl="0" marR="0" rtl="0" algn="l">
+    <a:defPPr marR="0" lvl="0" algn="l" rtl="0">
       <a:lnSpc>
         <a:spcPct val="100000"/>
       </a:lnSpc>
@@ -32,7 +32,7 @@
         <a:spcPts val="0"/>
       </a:spcAft>
     </a:defPPr>
-    <a:lvl1pPr lvl="0" marR="0" rtl="0" algn="l">
+    <a:lvl1pPr marR="0" lvl="0" algn="l" rtl="0">
       <a:lnSpc>
         <a:spcPct val="100000"/>
       </a:lnSpc>
@@ -46,7 +46,7 @@
         <a:srgbClr val="000000"/>
       </a:buClr>
       <a:buFont typeface="Arial"/>
-      <a:defRPr b="0" i="0" sz="1400" u="none" cap="none" strike="noStrike">
+      <a:defRPr sz="1400" b="0" i="0" u="none" strike="noStrike" cap="none">
         <a:solidFill>
           <a:srgbClr val="000000"/>
         </a:solidFill>
@@ -56,7 +56,7 @@
         <a:sym typeface="Arial"/>
       </a:defRPr>
     </a:lvl1pPr>
-    <a:lvl2pPr lvl="1" marR="0" rtl="0" algn="l">
+    <a:lvl2pPr marR="0" lvl="1" algn="l" rtl="0">
       <a:lnSpc>
         <a:spcPct val="100000"/>
       </a:lnSpc>
@@ -70,7 +70,7 @@
         <a:srgbClr val="000000"/>
       </a:buClr>
       <a:buFont typeface="Arial"/>
-      <a:defRPr b="0" i="0" sz="1400" u="none" cap="none" strike="noStrike">
+      <a:defRPr sz="1400" b="0" i="0" u="none" strike="noStrike" cap="none">
         <a:solidFill>
           <a:srgbClr val="000000"/>
         </a:solidFill>
@@ -80,7 +80,7 @@
         <a:sym typeface="Arial"/>
       </a:defRPr>
     </a:lvl2pPr>
-    <a:lvl3pPr lvl="2" marR="0" rtl="0" algn="l">
+    <a:lvl3pPr marR="0" lvl="2" algn="l" rtl="0">
       <a:lnSpc>
         <a:spcPct val="100000"/>
       </a:lnSpc>
@@ -94,7 +94,7 @@
         <a:srgbClr val="000000"/>
       </a:buClr>
       <a:buFont typeface="Arial"/>
-      <a:defRPr b="0" i="0" sz="1400" u="none" cap="none" strike="noStrike">
+      <a:defRPr sz="1400" b="0" i="0" u="none" strike="noStrike" cap="none">
         <a:solidFill>
           <a:srgbClr val="000000"/>
         </a:solidFill>
@@ -104,7 +104,7 @@
         <a:sym typeface="Arial"/>
       </a:defRPr>
     </a:lvl3pPr>
-    <a:lvl4pPr lvl="3" marR="0" rtl="0" algn="l">
+    <a:lvl4pPr marR="0" lvl="3" algn="l" rtl="0">
       <a:lnSpc>
         <a:spcPct val="100000"/>
       </a:lnSpc>
@@ -118,7 +118,7 @@
         <a:srgbClr val="000000"/>
       </a:buClr>
       <a:buFont typeface="Arial"/>
-      <a:defRPr b="0" i="0" sz="1400" u="none" cap="none" strike="noStrike">
+      <a:defRPr sz="1400" b="0" i="0" u="none" strike="noStrike" cap="none">
         <a:solidFill>
           <a:srgbClr val="000000"/>
         </a:solidFill>
@@ -128,7 +128,7 @@
         <a:sym typeface="Arial"/>
       </a:defRPr>
     </a:lvl4pPr>
-    <a:lvl5pPr lvl="4" marR="0" rtl="0" algn="l">
+    <a:lvl5pPr marR="0" lvl="4" algn="l" rtl="0">
       <a:lnSpc>
         <a:spcPct val="100000"/>
       </a:lnSpc>
@@ -142,7 +142,7 @@
         <a:srgbClr val="000000"/>
       </a:buClr>
       <a:buFont typeface="Arial"/>
-      <a:defRPr b="0" i="0" sz="1400" u="none" cap="none" strike="noStrike">
+      <a:defRPr sz="1400" b="0" i="0" u="none" strike="noStrike" cap="none">
         <a:solidFill>
           <a:srgbClr val="000000"/>
         </a:solidFill>
@@ -152,7 +152,7 @@
         <a:sym typeface="Arial"/>
       </a:defRPr>
     </a:lvl5pPr>
-    <a:lvl6pPr lvl="5" marR="0" rtl="0" algn="l">
+    <a:lvl6pPr marR="0" lvl="5" algn="l" rtl="0">
       <a:lnSpc>
         <a:spcPct val="100000"/>
       </a:lnSpc>
@@ -166,7 +166,7 @@
         <a:srgbClr val="000000"/>
       </a:buClr>
       <a:buFont typeface="Arial"/>
-      <a:defRPr b="0" i="0" sz="1400" u="none" cap="none" strike="noStrike">
+      <a:defRPr sz="1400" b="0" i="0" u="none" strike="noStrike" cap="none">
         <a:solidFill>
           <a:srgbClr val="000000"/>
         </a:solidFill>
@@ -176,7 +176,7 @@
         <a:sym typeface="Arial"/>
       </a:defRPr>
     </a:lvl6pPr>
-    <a:lvl7pPr lvl="6" marR="0" rtl="0" algn="l">
+    <a:lvl7pPr marR="0" lvl="6" algn="l" rtl="0">
       <a:lnSpc>
         <a:spcPct val="100000"/>
       </a:lnSpc>
@@ -190,7 +190,7 @@
         <a:srgbClr val="000000"/>
       </a:buClr>
       <a:buFont typeface="Arial"/>
-      <a:defRPr b="0" i="0" sz="1400" u="none" cap="none" strike="noStrike">
+      <a:defRPr sz="1400" b="0" i="0" u="none" strike="noStrike" cap="none">
         <a:solidFill>
           <a:srgbClr val="000000"/>
         </a:solidFill>
@@ -200,7 +200,7 @@
         <a:sym typeface="Arial"/>
       </a:defRPr>
     </a:lvl7pPr>
-    <a:lvl8pPr lvl="7" marR="0" rtl="0" algn="l">
+    <a:lvl8pPr marR="0" lvl="7" algn="l" rtl="0">
       <a:lnSpc>
         <a:spcPct val="100000"/>
       </a:lnSpc>
@@ -214,7 +214,7 @@
         <a:srgbClr val="000000"/>
       </a:buClr>
       <a:buFont typeface="Arial"/>
-      <a:defRPr b="0" i="0" sz="1400" u="none" cap="none" strike="noStrike">
+      <a:defRPr sz="1400" b="0" i="0" u="none" strike="noStrike" cap="none">
         <a:solidFill>
           <a:srgbClr val="000000"/>
         </a:solidFill>
@@ -224,7 +224,7 @@
         <a:sym typeface="Arial"/>
       </a:defRPr>
     </a:lvl8pPr>
-    <a:lvl9pPr lvl="8" marR="0" rtl="0" algn="l">
+    <a:lvl9pPr marR="0" lvl="8" algn="l" rtl="0">
       <a:lnSpc>
         <a:spcPct val="100000"/>
       </a:lnSpc>
@@ -238,7 +238,7 @@
         <a:srgbClr val="000000"/>
       </a:buClr>
       <a:buFont typeface="Arial"/>
-      <a:defRPr b="0" i="0" sz="1400" u="none" cap="none" strike="noStrike">
+      <a:defRPr sz="1400" b="0" i="0" u="none" strike="noStrike" cap="none">
         <a:solidFill>
           <a:srgbClr val="000000"/>
         </a:solidFill>
@@ -251,7 +251,7 @@
   </p:defaultTextStyle>
   <p:extLst>
     <p:ext uri="{EFAFB233-063F-42B5-8137-9DF3F51BA10A}">
-      <p15:sldGuideLst>
+      <p15:sldGuideLst xmlns:p15="http://schemas.microsoft.com/office/powerpoint/2012/main">
         <p15:guide id="1" orient="horz" pos="1620">
           <p15:clr>
             <a:srgbClr val="A4A3A4"/>
@@ -269,11 +269,16 @@
 </file>
 
 <file path=ppt/notesMasters/notesMaster1.xml><?xml version="1.0" encoding="utf-8"?>
-<p:notesMaster xmlns:a="http://schemas.openxmlformats.org/drawingml/2006/main" xmlns:r="http://schemas.openxmlformats.org/officeDocument/2006/relationships" xmlns:mc="http://schemas.openxmlformats.org/markup-compatibility/2006" xmlns:mv="urn:schemas-microsoft-com:mac:vml" xmlns:p="http://schemas.openxmlformats.org/presentationml/2006/main" xmlns:c="http://schemas.openxmlformats.org/drawingml/2006/chart" xmlns:dgm="http://schemas.openxmlformats.org/drawingml/2006/diagram" xmlns:o="urn:schemas-microsoft-com:office:office" xmlns:v="urn:schemas-microsoft-com:vml" xmlns:pvml="urn:schemas-microsoft-com:office:powerpoint" xmlns:com="http://schemas.openxmlformats.org/drawingml/2006/compatibility" xmlns:p14="http://schemas.microsoft.com/office/powerpoint/2010/main" xmlns:p15="http://schemas.microsoft.com/office/powerpoint/2012/main" xmlns:ahyp="http://schemas.microsoft.com/office/drawing/2018/hyperlinkcolor">
+<p:notesMaster xmlns:a="http://schemas.openxmlformats.org/drawingml/2006/main" xmlns:r="http://schemas.openxmlformats.org/officeDocument/2006/relationships" xmlns:p="http://schemas.openxmlformats.org/presentationml/2006/main">
   <p:cSld>
+    <p:bg>
+      <p:bgRef idx="1001">
+        <a:schemeClr val="bg1"/>
+      </p:bgRef>
+    </p:bg>
     <p:spTree>
       <p:nvGrpSpPr>
-        <p:cNvPr id="2" name="Shape 2"/>
+        <p:cNvPr id="1" name="Shape 2"/>
         <p:cNvGrpSpPr/>
         <p:nvPr/>
       </p:nvGrpSpPr>
@@ -288,9 +293,11 @@
       <p:sp>
         <p:nvSpPr>
           <p:cNvPr id="3" name="Google Shape;3;n"/>
-          <p:cNvSpPr/>
+          <p:cNvSpPr>
+            <a:spLocks noGrp="1" noRot="1" noChangeAspect="1"/>
+          </p:cNvSpPr>
           <p:nvPr>
-            <p:ph idx="2" type="sldImg"/>
+            <p:ph type="sldImg" idx="2"/>
           </p:nvPr>
         </p:nvSpPr>
         <p:spPr>
@@ -299,9 +306,13 @@
             <a:ext cx="6096075" cy="3429000"/>
           </a:xfrm>
           <a:custGeom>
-            <a:rect b="b" l="l" r="r" t="t"/>
+            <a:avLst/>
+            <a:gdLst/>
+            <a:ahLst/>
+            <a:cxnLst/>
+            <a:rect l="l" t="t" r="r" b="b"/>
             <a:pathLst>
-              <a:path extrusionOk="0" h="120000" w="120000">
+              <a:path w="120000" h="120000" extrusionOk="0">
                 <a:moveTo>
                   <a:pt x="0" y="0"/>
                 </a:moveTo>
@@ -319,23 +330,25 @@
             </a:pathLst>
           </a:custGeom>
           <a:noFill/>
-          <a:ln cap="flat" cmpd="sng" w="9525">
+          <a:ln w="9525" cap="flat" cmpd="sng">
             <a:solidFill>
               <a:srgbClr val="000000"/>
             </a:solidFill>
             <a:prstDash val="solid"/>
             <a:round/>
-            <a:headEnd len="sm" w="sm" type="none"/>
-            <a:tailEnd len="sm" w="sm" type="none"/>
+            <a:headEnd type="none" w="sm" len="sm"/>
+            <a:tailEnd type="none" w="sm" len="sm"/>
           </a:ln>
         </p:spPr>
       </p:sp>
       <p:sp>
         <p:nvSpPr>
           <p:cNvPr id="4" name="Google Shape;4;n"/>
-          <p:cNvSpPr txBox="1"/>
+          <p:cNvSpPr txBox="1">
+            <a:spLocks noGrp="1"/>
+          </p:cNvSpPr>
           <p:nvPr>
-            <p:ph idx="1" type="body"/>
+            <p:ph type="body" idx="1"/>
           </p:nvPr>
         </p:nvSpPr>
         <p:spPr>
@@ -352,11 +365,11 @@
           </a:ln>
         </p:spPr>
         <p:txBody>
-          <a:bodyPr anchorCtr="0" anchor="t" bIns="91425" lIns="91425" spcFirstLastPara="1" rIns="91425" wrap="square" tIns="91425">
+          <a:bodyPr spcFirstLastPara="1" wrap="square" lIns="91425" tIns="91425" rIns="91425" bIns="91425" anchor="t" anchorCtr="0">
             <a:noAutofit/>
           </a:bodyPr>
           <a:lstStyle>
-            <a:lvl1pPr indent="-298450" lvl="0" marL="457200">
+            <a:lvl1pPr marL="457200" lvl="0" indent="-298450">
               <a:spcBef>
                 <a:spcPts val="0"/>
               </a:spcBef>
@@ -367,7 +380,7 @@
               <a:buChar char="●"/>
               <a:defRPr sz="1100"/>
             </a:lvl1pPr>
-            <a:lvl2pPr indent="-298450" lvl="1" marL="914400">
+            <a:lvl2pPr marL="914400" lvl="1" indent="-298450">
               <a:spcBef>
                 <a:spcPts val="0"/>
               </a:spcBef>
@@ -378,7 +391,7 @@
               <a:buChar char="○"/>
               <a:defRPr sz="1100"/>
             </a:lvl2pPr>
-            <a:lvl3pPr indent="-298450" lvl="2" marL="1371600">
+            <a:lvl3pPr marL="1371600" lvl="2" indent="-298450">
               <a:spcBef>
                 <a:spcPts val="0"/>
               </a:spcBef>
@@ -389,7 +402,7 @@
               <a:buChar char="■"/>
               <a:defRPr sz="1100"/>
             </a:lvl3pPr>
-            <a:lvl4pPr indent="-298450" lvl="3" marL="1828800">
+            <a:lvl4pPr marL="1828800" lvl="3" indent="-298450">
               <a:spcBef>
                 <a:spcPts val="0"/>
               </a:spcBef>
@@ -400,7 +413,7 @@
               <a:buChar char="●"/>
               <a:defRPr sz="1100"/>
             </a:lvl4pPr>
-            <a:lvl5pPr indent="-298450" lvl="4" marL="2286000">
+            <a:lvl5pPr marL="2286000" lvl="4" indent="-298450">
               <a:spcBef>
                 <a:spcPts val="0"/>
               </a:spcBef>
@@ -411,7 +424,7 @@
               <a:buChar char="○"/>
               <a:defRPr sz="1100"/>
             </a:lvl5pPr>
-            <a:lvl6pPr indent="-298450" lvl="5" marL="2743200">
+            <a:lvl6pPr marL="2743200" lvl="5" indent="-298450">
               <a:spcBef>
                 <a:spcPts val="0"/>
               </a:spcBef>
@@ -422,7 +435,7 @@
               <a:buChar char="■"/>
               <a:defRPr sz="1100"/>
             </a:lvl6pPr>
-            <a:lvl7pPr indent="-298450" lvl="6" marL="3200400">
+            <a:lvl7pPr marL="3200400" lvl="6" indent="-298450">
               <a:spcBef>
                 <a:spcPts val="0"/>
               </a:spcBef>
@@ -433,7 +446,7 @@
               <a:buChar char="●"/>
               <a:defRPr sz="1100"/>
             </a:lvl7pPr>
-            <a:lvl8pPr indent="-298450" lvl="7" marL="3657600">
+            <a:lvl8pPr marL="3657600" lvl="7" indent="-298450">
               <a:spcBef>
                 <a:spcPts val="0"/>
               </a:spcBef>
@@ -444,7 +457,7 @@
               <a:buChar char="○"/>
               <a:defRPr sz="1100"/>
             </a:lvl8pPr>
-            <a:lvl9pPr indent="-298450" lvl="8" marL="4114800">
+            <a:lvl9pPr marL="4114800" lvl="8" indent="-298450">
               <a:spcBef>
                 <a:spcPts val="0"/>
               </a:spcBef>
@@ -456,14 +469,16 @@
               <a:defRPr sz="1100"/>
             </a:lvl9pPr>
           </a:lstStyle>
-          <a:p/>
+          <a:p>
+            <a:endParaRPr/>
+          </a:p>
         </p:txBody>
       </p:sp>
     </p:spTree>
   </p:cSld>
-  <p:clrMap accent1="accent1" accent2="accent2" accent3="accent3" accent4="accent4" accent5="accent5" accent6="accent6" bg1="lt1" bg2="dk2" tx1="dk1" tx2="lt2" folHlink="folHlink" hlink="hlink"/>
+  <p:clrMap bg1="lt1" tx1="dk1" bg2="dk2" tx2="lt2" accent1="accent1" accent2="accent2" accent3="accent3" accent4="accent4" accent5="accent5" accent6="accent6" hlink="hlink" folHlink="folHlink"/>
   <p:notesStyle>
-    <a:defPPr lvl="0" marR="0" rtl="0" algn="l">
+    <a:defPPr marR="0" lvl="0" algn="l" rtl="0">
       <a:lnSpc>
         <a:spcPct val="100000"/>
       </a:lnSpc>
@@ -474,7 +489,7 @@
         <a:spcPts val="0"/>
       </a:spcAft>
     </a:defPPr>
-    <a:lvl1pPr lvl="0" marR="0" rtl="0" algn="l">
+    <a:lvl1pPr marR="0" lvl="0" algn="l" rtl="0">
       <a:lnSpc>
         <a:spcPct val="100000"/>
       </a:lnSpc>
@@ -488,7 +503,7 @@
         <a:srgbClr val="000000"/>
       </a:buClr>
       <a:buFont typeface="Arial"/>
-      <a:defRPr b="0" i="0" sz="1400" u="none" cap="none" strike="noStrike">
+      <a:defRPr sz="1400" b="0" i="0" u="none" strike="noStrike" cap="none">
         <a:solidFill>
           <a:srgbClr val="000000"/>
         </a:solidFill>
@@ -498,7 +513,7 @@
         <a:sym typeface="Arial"/>
       </a:defRPr>
     </a:lvl1pPr>
-    <a:lvl2pPr lvl="1" marR="0" rtl="0" algn="l">
+    <a:lvl2pPr marR="0" lvl="1" algn="l" rtl="0">
       <a:lnSpc>
         <a:spcPct val="100000"/>
       </a:lnSpc>
@@ -512,7 +527,7 @@
         <a:srgbClr val="000000"/>
       </a:buClr>
       <a:buFont typeface="Arial"/>
-      <a:defRPr b="0" i="0" sz="1400" u="none" cap="none" strike="noStrike">
+      <a:defRPr sz="1400" b="0" i="0" u="none" strike="noStrike" cap="none">
         <a:solidFill>
           <a:srgbClr val="000000"/>
         </a:solidFill>
@@ -522,7 +537,7 @@
         <a:sym typeface="Arial"/>
       </a:defRPr>
     </a:lvl2pPr>
-    <a:lvl3pPr lvl="2" marR="0" rtl="0" algn="l">
+    <a:lvl3pPr marR="0" lvl="2" algn="l" rtl="0">
       <a:lnSpc>
         <a:spcPct val="100000"/>
       </a:lnSpc>
@@ -536,7 +551,7 @@
         <a:srgbClr val="000000"/>
       </a:buClr>
       <a:buFont typeface="Arial"/>
-      <a:defRPr b="0" i="0" sz="1400" u="none" cap="none" strike="noStrike">
+      <a:defRPr sz="1400" b="0" i="0" u="none" strike="noStrike" cap="none">
         <a:solidFill>
           <a:srgbClr val="000000"/>
         </a:solidFill>
@@ -546,7 +561,7 @@
         <a:sym typeface="Arial"/>
       </a:defRPr>
     </a:lvl3pPr>
-    <a:lvl4pPr lvl="3" marR="0" rtl="0" algn="l">
+    <a:lvl4pPr marR="0" lvl="3" algn="l" rtl="0">
       <a:lnSpc>
         <a:spcPct val="100000"/>
       </a:lnSpc>
@@ -560,7 +575,7 @@
         <a:srgbClr val="000000"/>
       </a:buClr>
       <a:buFont typeface="Arial"/>
-      <a:defRPr b="0" i="0" sz="1400" u="none" cap="none" strike="noStrike">
+      <a:defRPr sz="1400" b="0" i="0" u="none" strike="noStrike" cap="none">
         <a:solidFill>
           <a:srgbClr val="000000"/>
         </a:solidFill>
@@ -570,7 +585,7 @@
         <a:sym typeface="Arial"/>
       </a:defRPr>
     </a:lvl4pPr>
-    <a:lvl5pPr lvl="4" marR="0" rtl="0" algn="l">
+    <a:lvl5pPr marR="0" lvl="4" algn="l" rtl="0">
       <a:lnSpc>
         <a:spcPct val="100000"/>
       </a:lnSpc>
@@ -584,7 +599,7 @@
         <a:srgbClr val="000000"/>
       </a:buClr>
       <a:buFont typeface="Arial"/>
-      <a:defRPr b="0" i="0" sz="1400" u="none" cap="none" strike="noStrike">
+      <a:defRPr sz="1400" b="0" i="0" u="none" strike="noStrike" cap="none">
         <a:solidFill>
           <a:srgbClr val="000000"/>
         </a:solidFill>
@@ -594,7 +609,7 @@
         <a:sym typeface="Arial"/>
       </a:defRPr>
     </a:lvl5pPr>
-    <a:lvl6pPr lvl="5" marR="0" rtl="0" algn="l">
+    <a:lvl6pPr marR="0" lvl="5" algn="l" rtl="0">
       <a:lnSpc>
         <a:spcPct val="100000"/>
       </a:lnSpc>
@@ -608,7 +623,7 @@
         <a:srgbClr val="000000"/>
       </a:buClr>
       <a:buFont typeface="Arial"/>
-      <a:defRPr b="0" i="0" sz="1400" u="none" cap="none" strike="noStrike">
+      <a:defRPr sz="1400" b="0" i="0" u="none" strike="noStrike" cap="none">
         <a:solidFill>
           <a:srgbClr val="000000"/>
         </a:solidFill>
@@ -618,7 +633,7 @@
         <a:sym typeface="Arial"/>
       </a:defRPr>
     </a:lvl6pPr>
-    <a:lvl7pPr lvl="6" marR="0" rtl="0" algn="l">
+    <a:lvl7pPr marR="0" lvl="6" algn="l" rtl="0">
       <a:lnSpc>
         <a:spcPct val="100000"/>
       </a:lnSpc>
@@ -632,7 +647,7 @@
         <a:srgbClr val="000000"/>
       </a:buClr>
       <a:buFont typeface="Arial"/>
-      <a:defRPr b="0" i="0" sz="1400" u="none" cap="none" strike="noStrike">
+      <a:defRPr sz="1400" b="0" i="0" u="none" strike="noStrike" cap="none">
         <a:solidFill>
           <a:srgbClr val="000000"/>
         </a:solidFill>
@@ -642,7 +657,7 @@
         <a:sym typeface="Arial"/>
       </a:defRPr>
     </a:lvl7pPr>
-    <a:lvl8pPr lvl="7" marR="0" rtl="0" algn="l">
+    <a:lvl8pPr marR="0" lvl="7" algn="l" rtl="0">
       <a:lnSpc>
         <a:spcPct val="100000"/>
       </a:lnSpc>
@@ -656,7 +671,7 @@
         <a:srgbClr val="000000"/>
       </a:buClr>
       <a:buFont typeface="Arial"/>
-      <a:defRPr b="0" i="0" sz="1400" u="none" cap="none" strike="noStrike">
+      <a:defRPr sz="1400" b="0" i="0" u="none" strike="noStrike" cap="none">
         <a:solidFill>
           <a:srgbClr val="000000"/>
         </a:solidFill>
@@ -666,7 +681,7 @@
         <a:sym typeface="Arial"/>
       </a:defRPr>
     </a:lvl8pPr>
-    <a:lvl9pPr lvl="8" marR="0" rtl="0" algn="l">
+    <a:lvl9pPr marR="0" lvl="8" algn="l" rtl="0">
       <a:lnSpc>
         <a:spcPct val="100000"/>
       </a:lnSpc>
@@ -680,7 +695,7 @@
         <a:srgbClr val="000000"/>
       </a:buClr>
       <a:buFont typeface="Arial"/>
-      <a:defRPr b="0" i="0" sz="1400" u="none" cap="none" strike="noStrike">
+      <a:defRPr sz="1400" b="0" i="0" u="none" strike="noStrike" cap="none">
         <a:solidFill>
           <a:srgbClr val="000000"/>
         </a:solidFill>
@@ -695,11 +710,11 @@
 </file>
 
 <file path=ppt/notesSlides/notesSlide1.xml><?xml version="1.0" encoding="utf-8"?>
-<p:notes xmlns:a="http://schemas.openxmlformats.org/drawingml/2006/main" xmlns:r="http://schemas.openxmlformats.org/officeDocument/2006/relationships" xmlns:mc="http://schemas.openxmlformats.org/markup-compatibility/2006" xmlns:mv="urn:schemas-microsoft-com:mac:vml" xmlns:p="http://schemas.openxmlformats.org/presentationml/2006/main" xmlns:c="http://schemas.openxmlformats.org/drawingml/2006/chart" xmlns:dgm="http://schemas.openxmlformats.org/drawingml/2006/diagram" xmlns:o="urn:schemas-microsoft-com:office:office" xmlns:v="urn:schemas-microsoft-com:vml" xmlns:pvml="urn:schemas-microsoft-com:office:powerpoint" xmlns:com="http://schemas.openxmlformats.org/drawingml/2006/compatibility" xmlns:p14="http://schemas.microsoft.com/office/powerpoint/2010/main" xmlns:p15="http://schemas.microsoft.com/office/powerpoint/2012/main" xmlns:ahyp="http://schemas.microsoft.com/office/drawing/2018/hyperlinkcolor" showMasterPhAnim="0" showMasterSp="0">
+<p:notes xmlns:a="http://schemas.openxmlformats.org/drawingml/2006/main" xmlns:r="http://schemas.openxmlformats.org/officeDocument/2006/relationships" xmlns:p="http://schemas.openxmlformats.org/presentationml/2006/main" showMasterSp="0" showMasterPhAnim="0">
   <p:cSld>
     <p:spTree>
       <p:nvGrpSpPr>
-        <p:cNvPr id="50" name="Shape 50"/>
+        <p:cNvPr id="1" name="Shape 50"/>
         <p:cNvGrpSpPr/>
         <p:nvPr/>
       </p:nvGrpSpPr>
@@ -714,9 +729,11 @@
       <p:sp>
         <p:nvSpPr>
           <p:cNvPr id="51" name="Google Shape;51;g9aa832aee5_0_0:notes"/>
-          <p:cNvSpPr/>
+          <p:cNvSpPr>
+            <a:spLocks noGrp="1" noRot="1" noChangeAspect="1"/>
+          </p:cNvSpPr>
           <p:nvPr>
-            <p:ph idx="2" type="sldImg"/>
+            <p:ph type="sldImg" idx="2"/>
           </p:nvPr>
         </p:nvSpPr>
         <p:spPr>
@@ -725,9 +742,13 @@
             <a:ext cx="6096000" cy="3429000"/>
           </a:xfrm>
           <a:custGeom>
-            <a:rect b="b" l="l" r="r" t="t"/>
+            <a:avLst/>
+            <a:gdLst/>
+            <a:ahLst/>
+            <a:cxnLst/>
+            <a:rect l="l" t="t" r="r" b="b"/>
             <a:pathLst>
-              <a:path extrusionOk="0" h="120000" w="120000">
+              <a:path w="120000" h="120000" extrusionOk="0">
                 <a:moveTo>
                   <a:pt x="0" y="0"/>
                 </a:moveTo>
@@ -749,9 +770,11 @@
       <p:sp>
         <p:nvSpPr>
           <p:cNvPr id="52" name="Google Shape;52;g9aa832aee5_0_0:notes"/>
-          <p:cNvSpPr txBox="1"/>
+          <p:cNvSpPr txBox="1">
+            <a:spLocks noGrp="1"/>
+          </p:cNvSpPr>
           <p:nvPr>
-            <p:ph idx="1" type="body"/>
+            <p:ph type="body" idx="1"/>
           </p:nvPr>
         </p:nvSpPr>
         <p:spPr>
@@ -764,12 +787,12 @@
           </a:prstGeom>
         </p:spPr>
         <p:txBody>
-          <a:bodyPr anchorCtr="0" anchor="t" bIns="91425" lIns="91425" spcFirstLastPara="1" rIns="91425" wrap="square" tIns="91425">
+          <a:bodyPr spcFirstLastPara="1" wrap="square" lIns="91425" tIns="91425" rIns="91425" bIns="91425" anchor="t" anchorCtr="0">
             <a:noAutofit/>
           </a:bodyPr>
           <a:lstStyle/>
           <a:p>
-            <a:pPr indent="0" lvl="0" marL="0" rtl="0" algn="l">
+            <a:pPr marL="0" lvl="0" indent="0" algn="l" rtl="0">
               <a:spcBef>
                 <a:spcPts val="0"/>
               </a:spcBef>
@@ -778,9 +801,6 @@
               </a:spcAft>
               <a:buNone/>
             </a:pPr>
-            <a:r>
-              <a:t/>
-            </a:r>
             <a:endParaRPr/>
           </a:p>
         </p:txBody>
@@ -794,11 +814,11 @@
 </file>
 
 <file path=ppt/notesSlides/notesSlide2.xml><?xml version="1.0" encoding="utf-8"?>
-<p:notes xmlns:a="http://schemas.openxmlformats.org/drawingml/2006/main" xmlns:r="http://schemas.openxmlformats.org/officeDocument/2006/relationships" xmlns:mc="http://schemas.openxmlformats.org/markup-compatibility/2006" xmlns:mv="urn:schemas-microsoft-com:mac:vml" xmlns:p="http://schemas.openxmlformats.org/presentationml/2006/main" xmlns:c="http://schemas.openxmlformats.org/drawingml/2006/chart" xmlns:dgm="http://schemas.openxmlformats.org/drawingml/2006/diagram" xmlns:o="urn:schemas-microsoft-com:office:office" xmlns:v="urn:schemas-microsoft-com:vml" xmlns:pvml="urn:schemas-microsoft-com:office:powerpoint" xmlns:com="http://schemas.openxmlformats.org/drawingml/2006/compatibility" xmlns:p14="http://schemas.microsoft.com/office/powerpoint/2010/main" xmlns:p15="http://schemas.microsoft.com/office/powerpoint/2012/main" xmlns:ahyp="http://schemas.microsoft.com/office/drawing/2018/hyperlinkcolor" showMasterPhAnim="0" showMasterSp="0">
+<p:notes xmlns:a="http://schemas.openxmlformats.org/drawingml/2006/main" xmlns:r="http://schemas.openxmlformats.org/officeDocument/2006/relationships" xmlns:p="http://schemas.openxmlformats.org/presentationml/2006/main" showMasterSp="0" showMasterPhAnim="0">
   <p:cSld>
     <p:spTree>
       <p:nvGrpSpPr>
-        <p:cNvPr id="57" name="Shape 57"/>
+        <p:cNvPr id="1" name="Shape 57"/>
         <p:cNvGrpSpPr/>
         <p:nvPr/>
       </p:nvGrpSpPr>
@@ -813,9 +833,11 @@
       <p:sp>
         <p:nvSpPr>
           <p:cNvPr id="58" name="Google Shape;58;g9aa832aee5_0_6:notes"/>
-          <p:cNvSpPr/>
+          <p:cNvSpPr>
+            <a:spLocks noGrp="1" noRot="1" noChangeAspect="1"/>
+          </p:cNvSpPr>
           <p:nvPr>
-            <p:ph idx="2" type="sldImg"/>
+            <p:ph type="sldImg" idx="2"/>
           </p:nvPr>
         </p:nvSpPr>
         <p:spPr>
@@ -824,9 +846,13 @@
             <a:ext cx="6096000" cy="3429000"/>
           </a:xfrm>
           <a:custGeom>
-            <a:rect b="b" l="l" r="r" t="t"/>
+            <a:avLst/>
+            <a:gdLst/>
+            <a:ahLst/>
+            <a:cxnLst/>
+            <a:rect l="l" t="t" r="r" b="b"/>
             <a:pathLst>
-              <a:path extrusionOk="0" h="120000" w="120000">
+              <a:path w="120000" h="120000" extrusionOk="0">
                 <a:moveTo>
                   <a:pt x="0" y="0"/>
                 </a:moveTo>
@@ -848,9 +874,11 @@
       <p:sp>
         <p:nvSpPr>
           <p:cNvPr id="59" name="Google Shape;59;g9aa832aee5_0_6:notes"/>
-          <p:cNvSpPr txBox="1"/>
+          <p:cNvSpPr txBox="1">
+            <a:spLocks noGrp="1"/>
+          </p:cNvSpPr>
           <p:nvPr>
-            <p:ph idx="1" type="body"/>
+            <p:ph type="body" idx="1"/>
           </p:nvPr>
         </p:nvSpPr>
         <p:spPr>
@@ -863,12 +891,12 @@
           </a:prstGeom>
         </p:spPr>
         <p:txBody>
-          <a:bodyPr anchorCtr="0" anchor="t" bIns="91425" lIns="91425" spcFirstLastPara="1" rIns="91425" wrap="square" tIns="91425">
+          <a:bodyPr spcFirstLastPara="1" wrap="square" lIns="91425" tIns="91425" rIns="91425" bIns="91425" anchor="t" anchorCtr="0">
             <a:noAutofit/>
           </a:bodyPr>
           <a:lstStyle/>
           <a:p>
-            <a:pPr indent="0" lvl="0" marL="0" rtl="0" algn="l">
+            <a:pPr marL="0" lvl="0" indent="0" algn="l" rtl="0">
               <a:spcBef>
                 <a:spcPts val="0"/>
               </a:spcBef>
@@ -877,9 +905,6 @@
               </a:spcAft>
               <a:buNone/>
             </a:pPr>
-            <a:r>
-              <a:t/>
-            </a:r>
             <a:endParaRPr/>
           </a:p>
         </p:txBody>
@@ -893,11 +918,11 @@
 </file>
 
 <file path=ppt/notesSlides/notesSlide3.xml><?xml version="1.0" encoding="utf-8"?>
-<p:notes xmlns:a="http://schemas.openxmlformats.org/drawingml/2006/main" xmlns:r="http://schemas.openxmlformats.org/officeDocument/2006/relationships" xmlns:mc="http://schemas.openxmlformats.org/markup-compatibility/2006" xmlns:mv="urn:schemas-microsoft-com:mac:vml" xmlns:p="http://schemas.openxmlformats.org/presentationml/2006/main" xmlns:c="http://schemas.openxmlformats.org/drawingml/2006/chart" xmlns:dgm="http://schemas.openxmlformats.org/drawingml/2006/diagram" xmlns:o="urn:schemas-microsoft-com:office:office" xmlns:v="urn:schemas-microsoft-com:vml" xmlns:pvml="urn:schemas-microsoft-com:office:powerpoint" xmlns:com="http://schemas.openxmlformats.org/drawingml/2006/compatibility" xmlns:p14="http://schemas.microsoft.com/office/powerpoint/2010/main" xmlns:p15="http://schemas.microsoft.com/office/powerpoint/2012/main" xmlns:ahyp="http://schemas.microsoft.com/office/drawing/2018/hyperlinkcolor" showMasterPhAnim="0" showMasterSp="0">
+<p:notes xmlns:a="http://schemas.openxmlformats.org/drawingml/2006/main" xmlns:r="http://schemas.openxmlformats.org/officeDocument/2006/relationships" xmlns:p="http://schemas.openxmlformats.org/presentationml/2006/main" showMasterSp="0" showMasterPhAnim="0">
   <p:cSld>
     <p:spTree>
       <p:nvGrpSpPr>
-        <p:cNvPr id="64" name="Shape 64"/>
+        <p:cNvPr id="1" name="Shape 64"/>
         <p:cNvGrpSpPr/>
         <p:nvPr/>
       </p:nvGrpSpPr>
@@ -912,20 +937,26 @@
       <p:sp>
         <p:nvSpPr>
           <p:cNvPr id="65" name="Google Shape;65;g9aa832aee5_0_104:notes"/>
-          <p:cNvSpPr/>
+          <p:cNvSpPr>
+            <a:spLocks noGrp="1" noRot="1" noChangeAspect="1"/>
+          </p:cNvSpPr>
           <p:nvPr>
-            <p:ph idx="2" type="sldImg"/>
+            <p:ph type="sldImg" idx="2"/>
           </p:nvPr>
         </p:nvSpPr>
         <p:spPr>
           <a:xfrm>
-            <a:off x="381300" y="685800"/>
+            <a:off x="381000" y="685800"/>
             <a:ext cx="6096000" cy="3429000"/>
           </a:xfrm>
           <a:custGeom>
-            <a:rect b="b" l="l" r="r" t="t"/>
+            <a:avLst/>
+            <a:gdLst/>
+            <a:ahLst/>
+            <a:cxnLst/>
+            <a:rect l="l" t="t" r="r" b="b"/>
             <a:pathLst>
-              <a:path extrusionOk="0" h="120000" w="120000">
+              <a:path w="120000" h="120000" extrusionOk="0">
                 <a:moveTo>
                   <a:pt x="0" y="0"/>
                 </a:moveTo>
@@ -947,9 +978,11 @@
       <p:sp>
         <p:nvSpPr>
           <p:cNvPr id="66" name="Google Shape;66;g9aa832aee5_0_104:notes"/>
-          <p:cNvSpPr txBox="1"/>
+          <p:cNvSpPr txBox="1">
+            <a:spLocks noGrp="1"/>
+          </p:cNvSpPr>
           <p:nvPr>
-            <p:ph idx="1" type="body"/>
+            <p:ph type="body" idx="1"/>
           </p:nvPr>
         </p:nvSpPr>
         <p:spPr>
@@ -962,12 +995,12 @@
           </a:prstGeom>
         </p:spPr>
         <p:txBody>
-          <a:bodyPr anchorCtr="0" anchor="t" bIns="91425" lIns="91425" spcFirstLastPara="1" rIns="91425" wrap="square" tIns="91425">
+          <a:bodyPr spcFirstLastPara="1" wrap="square" lIns="91425" tIns="91425" rIns="91425" bIns="91425" anchor="t" anchorCtr="0">
             <a:noAutofit/>
           </a:bodyPr>
           <a:lstStyle/>
           <a:p>
-            <a:pPr indent="0" lvl="0" marL="0" rtl="0" algn="l">
+            <a:pPr marL="0" lvl="0" indent="0" algn="l" rtl="0">
               <a:spcBef>
                 <a:spcPts val="0"/>
               </a:spcBef>
@@ -976,9 +1009,6 @@
               </a:spcAft>
               <a:buNone/>
             </a:pPr>
-            <a:r>
-              <a:t/>
-            </a:r>
             <a:endParaRPr/>
           </a:p>
         </p:txBody>
@@ -992,11 +1022,11 @@
 </file>
 
 <file path=ppt/notesSlides/notesSlide4.xml><?xml version="1.0" encoding="utf-8"?>
-<p:notes xmlns:a="http://schemas.openxmlformats.org/drawingml/2006/main" xmlns:r="http://schemas.openxmlformats.org/officeDocument/2006/relationships" xmlns:mc="http://schemas.openxmlformats.org/markup-compatibility/2006" xmlns:mv="urn:schemas-microsoft-com:mac:vml" xmlns:p="http://schemas.openxmlformats.org/presentationml/2006/main" xmlns:c="http://schemas.openxmlformats.org/drawingml/2006/chart" xmlns:dgm="http://schemas.openxmlformats.org/drawingml/2006/diagram" xmlns:o="urn:schemas-microsoft-com:office:office" xmlns:v="urn:schemas-microsoft-com:vml" xmlns:pvml="urn:schemas-microsoft-com:office:powerpoint" xmlns:com="http://schemas.openxmlformats.org/drawingml/2006/compatibility" xmlns:p14="http://schemas.microsoft.com/office/powerpoint/2010/main" xmlns:p15="http://schemas.microsoft.com/office/powerpoint/2012/main" xmlns:ahyp="http://schemas.microsoft.com/office/drawing/2018/hyperlinkcolor" showMasterPhAnim="0" showMasterSp="0">
+<p:notes xmlns:a="http://schemas.openxmlformats.org/drawingml/2006/main" xmlns:r="http://schemas.openxmlformats.org/officeDocument/2006/relationships" xmlns:p="http://schemas.openxmlformats.org/presentationml/2006/main" showMasterSp="0" showMasterPhAnim="0">
   <p:cSld>
     <p:spTree>
       <p:nvGrpSpPr>
-        <p:cNvPr id="71" name="Shape 71"/>
+        <p:cNvPr id="1" name="Shape 71"/>
         <p:cNvGrpSpPr/>
         <p:nvPr/>
       </p:nvGrpSpPr>
@@ -1011,9 +1041,11 @@
       <p:sp>
         <p:nvSpPr>
           <p:cNvPr id="72" name="Google Shape;72;g9aa832aee5_0_115:notes"/>
-          <p:cNvSpPr/>
+          <p:cNvSpPr>
+            <a:spLocks noGrp="1" noRot="1" noChangeAspect="1"/>
+          </p:cNvSpPr>
           <p:nvPr>
-            <p:ph idx="2" type="sldImg"/>
+            <p:ph type="sldImg" idx="2"/>
           </p:nvPr>
         </p:nvSpPr>
         <p:spPr>
@@ -1022,9 +1054,13 @@
             <a:ext cx="6096000" cy="3429000"/>
           </a:xfrm>
           <a:custGeom>
-            <a:rect b="b" l="l" r="r" t="t"/>
+            <a:avLst/>
+            <a:gdLst/>
+            <a:ahLst/>
+            <a:cxnLst/>
+            <a:rect l="l" t="t" r="r" b="b"/>
             <a:pathLst>
-              <a:path extrusionOk="0" h="120000" w="120000">
+              <a:path w="120000" h="120000" extrusionOk="0">
                 <a:moveTo>
                   <a:pt x="0" y="0"/>
                 </a:moveTo>
@@ -1046,9 +1082,11 @@
       <p:sp>
         <p:nvSpPr>
           <p:cNvPr id="73" name="Google Shape;73;g9aa832aee5_0_115:notes"/>
-          <p:cNvSpPr txBox="1"/>
+          <p:cNvSpPr txBox="1">
+            <a:spLocks noGrp="1"/>
+          </p:cNvSpPr>
           <p:nvPr>
-            <p:ph idx="1" type="body"/>
+            <p:ph type="body" idx="1"/>
           </p:nvPr>
         </p:nvSpPr>
         <p:spPr>
@@ -1061,12 +1099,12 @@
           </a:prstGeom>
         </p:spPr>
         <p:txBody>
-          <a:bodyPr anchorCtr="0" anchor="t" bIns="91425" lIns="91425" spcFirstLastPara="1" rIns="91425" wrap="square" tIns="91425">
+          <a:bodyPr spcFirstLastPara="1" wrap="square" lIns="91425" tIns="91425" rIns="91425" bIns="91425" anchor="t" anchorCtr="0">
             <a:noAutofit/>
           </a:bodyPr>
           <a:lstStyle/>
           <a:p>
-            <a:pPr indent="0" lvl="0" marL="0" rtl="0" algn="l">
+            <a:pPr marL="0" lvl="0" indent="0" algn="l" rtl="0">
               <a:spcBef>
                 <a:spcPts val="0"/>
               </a:spcBef>
@@ -1075,9 +1113,6 @@
               </a:spcAft>
               <a:buNone/>
             </a:pPr>
-            <a:r>
-              <a:t/>
-            </a:r>
             <a:endParaRPr/>
           </a:p>
         </p:txBody>
@@ -1091,11 +1126,11 @@
 </file>
 
 <file path=ppt/notesSlides/notesSlide5.xml><?xml version="1.0" encoding="utf-8"?>
-<p:notes xmlns:a="http://schemas.openxmlformats.org/drawingml/2006/main" xmlns:r="http://schemas.openxmlformats.org/officeDocument/2006/relationships" xmlns:mc="http://schemas.openxmlformats.org/markup-compatibility/2006" xmlns:mv="urn:schemas-microsoft-com:mac:vml" xmlns:p="http://schemas.openxmlformats.org/presentationml/2006/main" xmlns:c="http://schemas.openxmlformats.org/drawingml/2006/chart" xmlns:dgm="http://schemas.openxmlformats.org/drawingml/2006/diagram" xmlns:o="urn:schemas-microsoft-com:office:office" xmlns:v="urn:schemas-microsoft-com:vml" xmlns:pvml="urn:schemas-microsoft-com:office:powerpoint" xmlns:com="http://schemas.openxmlformats.org/drawingml/2006/compatibility" xmlns:p14="http://schemas.microsoft.com/office/powerpoint/2010/main" xmlns:p15="http://schemas.microsoft.com/office/powerpoint/2012/main" xmlns:ahyp="http://schemas.microsoft.com/office/drawing/2018/hyperlinkcolor" showMasterPhAnim="0" showMasterSp="0">
+<p:notes xmlns:a="http://schemas.openxmlformats.org/drawingml/2006/main" xmlns:r="http://schemas.openxmlformats.org/officeDocument/2006/relationships" xmlns:p="http://schemas.openxmlformats.org/presentationml/2006/main" showMasterSp="0" showMasterPhAnim="0">
   <p:cSld>
     <p:spTree>
       <p:nvGrpSpPr>
-        <p:cNvPr id="78" name="Shape 78"/>
+        <p:cNvPr id="1" name="Shape 78"/>
         <p:cNvGrpSpPr/>
         <p:nvPr/>
       </p:nvGrpSpPr>
@@ -1110,9 +1145,11 @@
       <p:sp>
         <p:nvSpPr>
           <p:cNvPr id="79" name="Google Shape;79;g9df0f0c22a_0_17:notes"/>
-          <p:cNvSpPr/>
+          <p:cNvSpPr>
+            <a:spLocks noGrp="1" noRot="1" noChangeAspect="1"/>
+          </p:cNvSpPr>
           <p:nvPr>
-            <p:ph idx="2" type="sldImg"/>
+            <p:ph type="sldImg" idx="2"/>
           </p:nvPr>
         </p:nvSpPr>
         <p:spPr>
@@ -1121,9 +1158,13 @@
             <a:ext cx="6096000" cy="3429000"/>
           </a:xfrm>
           <a:custGeom>
-            <a:rect b="b" l="l" r="r" t="t"/>
+            <a:avLst/>
+            <a:gdLst/>
+            <a:ahLst/>
+            <a:cxnLst/>
+            <a:rect l="l" t="t" r="r" b="b"/>
             <a:pathLst>
-              <a:path extrusionOk="0" h="120000" w="120000">
+              <a:path w="120000" h="120000" extrusionOk="0">
                 <a:moveTo>
                   <a:pt x="0" y="0"/>
                 </a:moveTo>
@@ -1145,9 +1186,11 @@
       <p:sp>
         <p:nvSpPr>
           <p:cNvPr id="80" name="Google Shape;80;g9df0f0c22a_0_17:notes"/>
-          <p:cNvSpPr txBox="1"/>
+          <p:cNvSpPr txBox="1">
+            <a:spLocks noGrp="1"/>
+          </p:cNvSpPr>
           <p:nvPr>
-            <p:ph idx="1" type="body"/>
+            <p:ph type="body" idx="1"/>
           </p:nvPr>
         </p:nvSpPr>
         <p:spPr>
@@ -1160,12 +1203,12 @@
           </a:prstGeom>
         </p:spPr>
         <p:txBody>
-          <a:bodyPr anchorCtr="0" anchor="t" bIns="91425" lIns="91425" spcFirstLastPara="1" rIns="91425" wrap="square" tIns="91425">
+          <a:bodyPr spcFirstLastPara="1" wrap="square" lIns="91425" tIns="91425" rIns="91425" bIns="91425" anchor="t" anchorCtr="0">
             <a:noAutofit/>
           </a:bodyPr>
           <a:lstStyle/>
           <a:p>
-            <a:pPr indent="0" lvl="0" marL="0" rtl="0" algn="l">
+            <a:pPr marL="0" lvl="0" indent="0" algn="l" rtl="0">
               <a:spcBef>
                 <a:spcPts val="0"/>
               </a:spcBef>
@@ -1174,9 +1217,6 @@
               </a:spcAft>
               <a:buNone/>
             </a:pPr>
-            <a:r>
-              <a:t/>
-            </a:r>
             <a:endParaRPr/>
           </a:p>
         </p:txBody>
@@ -1190,11 +1230,11 @@
 </file>
 
 <file path=ppt/notesSlides/notesSlide6.xml><?xml version="1.0" encoding="utf-8"?>
-<p:notes xmlns:a="http://schemas.openxmlformats.org/drawingml/2006/main" xmlns:r="http://schemas.openxmlformats.org/officeDocument/2006/relationships" xmlns:mc="http://schemas.openxmlformats.org/markup-compatibility/2006" xmlns:mv="urn:schemas-microsoft-com:mac:vml" xmlns:p="http://schemas.openxmlformats.org/presentationml/2006/main" xmlns:c="http://schemas.openxmlformats.org/drawingml/2006/chart" xmlns:dgm="http://schemas.openxmlformats.org/drawingml/2006/diagram" xmlns:o="urn:schemas-microsoft-com:office:office" xmlns:v="urn:schemas-microsoft-com:vml" xmlns:pvml="urn:schemas-microsoft-com:office:powerpoint" xmlns:com="http://schemas.openxmlformats.org/drawingml/2006/compatibility" xmlns:p14="http://schemas.microsoft.com/office/powerpoint/2010/main" xmlns:p15="http://schemas.microsoft.com/office/powerpoint/2012/main" xmlns:ahyp="http://schemas.microsoft.com/office/drawing/2018/hyperlinkcolor" showMasterPhAnim="0" showMasterSp="0">
+<p:notes xmlns:a="http://schemas.openxmlformats.org/drawingml/2006/main" xmlns:r="http://schemas.openxmlformats.org/officeDocument/2006/relationships" xmlns:p="http://schemas.openxmlformats.org/presentationml/2006/main" showMasterSp="0" showMasterPhAnim="0">
   <p:cSld>
     <p:spTree>
       <p:nvGrpSpPr>
-        <p:cNvPr id="85" name="Shape 85"/>
+        <p:cNvPr id="1" name="Shape 85"/>
         <p:cNvGrpSpPr/>
         <p:nvPr/>
       </p:nvGrpSpPr>
@@ -1209,9 +1249,11 @@
       <p:sp>
         <p:nvSpPr>
           <p:cNvPr id="86" name="Google Shape;86;g9df0f0c22a_0_42:notes"/>
-          <p:cNvSpPr/>
+          <p:cNvSpPr>
+            <a:spLocks noGrp="1" noRot="1" noChangeAspect="1"/>
+          </p:cNvSpPr>
           <p:nvPr>
-            <p:ph idx="2" type="sldImg"/>
+            <p:ph type="sldImg" idx="2"/>
           </p:nvPr>
         </p:nvSpPr>
         <p:spPr>
@@ -1220,9 +1262,13 @@
             <a:ext cx="6096000" cy="3429000"/>
           </a:xfrm>
           <a:custGeom>
-            <a:rect b="b" l="l" r="r" t="t"/>
+            <a:avLst/>
+            <a:gdLst/>
+            <a:ahLst/>
+            <a:cxnLst/>
+            <a:rect l="l" t="t" r="r" b="b"/>
             <a:pathLst>
-              <a:path extrusionOk="0" h="120000" w="120000">
+              <a:path w="120000" h="120000" extrusionOk="0">
                 <a:moveTo>
                   <a:pt x="0" y="0"/>
                 </a:moveTo>
@@ -1244,9 +1290,11 @@
       <p:sp>
         <p:nvSpPr>
           <p:cNvPr id="87" name="Google Shape;87;g9df0f0c22a_0_42:notes"/>
-          <p:cNvSpPr txBox="1"/>
+          <p:cNvSpPr txBox="1">
+            <a:spLocks noGrp="1"/>
+          </p:cNvSpPr>
           <p:nvPr>
-            <p:ph idx="1" type="body"/>
+            <p:ph type="body" idx="1"/>
           </p:nvPr>
         </p:nvSpPr>
         <p:spPr>
@@ -1259,12 +1307,12 @@
           </a:prstGeom>
         </p:spPr>
         <p:txBody>
-          <a:bodyPr anchorCtr="0" anchor="t" bIns="91425" lIns="91425" spcFirstLastPara="1" rIns="91425" wrap="square" tIns="91425">
+          <a:bodyPr spcFirstLastPara="1" wrap="square" lIns="91425" tIns="91425" rIns="91425" bIns="91425" anchor="t" anchorCtr="0">
             <a:noAutofit/>
           </a:bodyPr>
           <a:lstStyle/>
           <a:p>
-            <a:pPr indent="0" lvl="0" marL="0" rtl="0" algn="l">
+            <a:pPr marL="0" lvl="0" indent="0" algn="l" rtl="0">
               <a:spcBef>
                 <a:spcPts val="0"/>
               </a:spcBef>
@@ -1273,9 +1321,6 @@
               </a:spcAft>
               <a:buNone/>
             </a:pPr>
-            <a:r>
-              <a:t/>
-            </a:r>
             <a:endParaRPr/>
           </a:p>
         </p:txBody>
@@ -1289,11 +1334,11 @@
 </file>
 
 <file path=ppt/notesSlides/notesSlide7.xml><?xml version="1.0" encoding="utf-8"?>
-<p:notes xmlns:a="http://schemas.openxmlformats.org/drawingml/2006/main" xmlns:r="http://schemas.openxmlformats.org/officeDocument/2006/relationships" xmlns:mc="http://schemas.openxmlformats.org/markup-compatibility/2006" xmlns:mv="urn:schemas-microsoft-com:mac:vml" xmlns:p="http://schemas.openxmlformats.org/presentationml/2006/main" xmlns:c="http://schemas.openxmlformats.org/drawingml/2006/chart" xmlns:dgm="http://schemas.openxmlformats.org/drawingml/2006/diagram" xmlns:o="urn:schemas-microsoft-com:office:office" xmlns:v="urn:schemas-microsoft-com:vml" xmlns:pvml="urn:schemas-microsoft-com:office:powerpoint" xmlns:com="http://schemas.openxmlformats.org/drawingml/2006/compatibility" xmlns:p14="http://schemas.microsoft.com/office/powerpoint/2010/main" xmlns:p15="http://schemas.microsoft.com/office/powerpoint/2012/main" xmlns:ahyp="http://schemas.microsoft.com/office/drawing/2018/hyperlinkcolor" showMasterPhAnim="0" showMasterSp="0">
+<p:notes xmlns:a="http://schemas.openxmlformats.org/drawingml/2006/main" xmlns:r="http://schemas.openxmlformats.org/officeDocument/2006/relationships" xmlns:p="http://schemas.openxmlformats.org/presentationml/2006/main" showMasterSp="0" showMasterPhAnim="0">
   <p:cSld>
     <p:spTree>
       <p:nvGrpSpPr>
-        <p:cNvPr id="92" name="Shape 92"/>
+        <p:cNvPr id="1" name="Shape 92"/>
         <p:cNvGrpSpPr/>
         <p:nvPr/>
       </p:nvGrpSpPr>
@@ -1308,9 +1353,11 @@
       <p:sp>
         <p:nvSpPr>
           <p:cNvPr id="93" name="Google Shape;93;g9df0f0c22a_0_31:notes"/>
-          <p:cNvSpPr/>
+          <p:cNvSpPr>
+            <a:spLocks noGrp="1" noRot="1" noChangeAspect="1"/>
+          </p:cNvSpPr>
           <p:nvPr>
-            <p:ph idx="2" type="sldImg"/>
+            <p:ph type="sldImg" idx="2"/>
           </p:nvPr>
         </p:nvSpPr>
         <p:spPr>
@@ -1319,9 +1366,13 @@
             <a:ext cx="6096000" cy="3429000"/>
           </a:xfrm>
           <a:custGeom>
-            <a:rect b="b" l="l" r="r" t="t"/>
+            <a:avLst/>
+            <a:gdLst/>
+            <a:ahLst/>
+            <a:cxnLst/>
+            <a:rect l="l" t="t" r="r" b="b"/>
             <a:pathLst>
-              <a:path extrusionOk="0" h="120000" w="120000">
+              <a:path w="120000" h="120000" extrusionOk="0">
                 <a:moveTo>
                   <a:pt x="0" y="0"/>
                 </a:moveTo>
@@ -1343,9 +1394,11 @@
       <p:sp>
         <p:nvSpPr>
           <p:cNvPr id="94" name="Google Shape;94;g9df0f0c22a_0_31:notes"/>
-          <p:cNvSpPr txBox="1"/>
+          <p:cNvSpPr txBox="1">
+            <a:spLocks noGrp="1"/>
+          </p:cNvSpPr>
           <p:nvPr>
-            <p:ph idx="1" type="body"/>
+            <p:ph type="body" idx="1"/>
           </p:nvPr>
         </p:nvSpPr>
         <p:spPr>
@@ -1358,12 +1411,12 @@
           </a:prstGeom>
         </p:spPr>
         <p:txBody>
-          <a:bodyPr anchorCtr="0" anchor="t" bIns="91425" lIns="91425" spcFirstLastPara="1" rIns="91425" wrap="square" tIns="91425">
+          <a:bodyPr spcFirstLastPara="1" wrap="square" lIns="91425" tIns="91425" rIns="91425" bIns="91425" anchor="t" anchorCtr="0">
             <a:noAutofit/>
           </a:bodyPr>
           <a:lstStyle/>
           <a:p>
-            <a:pPr indent="0" lvl="0" marL="0" rtl="0" algn="l">
+            <a:pPr marL="0" lvl="0" indent="0" algn="l" rtl="0">
               <a:spcBef>
                 <a:spcPts val="0"/>
               </a:spcBef>
@@ -1372,9 +1425,6 @@
               </a:spcAft>
               <a:buNone/>
             </a:pPr>
-            <a:r>
-              <a:t/>
-            </a:r>
             <a:endParaRPr/>
           </a:p>
         </p:txBody>
@@ -1388,11 +1438,11 @@
 </file>
 
 <file path=ppt/notesSlides/notesSlide8.xml><?xml version="1.0" encoding="utf-8"?>
-<p:notes xmlns:a="http://schemas.openxmlformats.org/drawingml/2006/main" xmlns:r="http://schemas.openxmlformats.org/officeDocument/2006/relationships" xmlns:mc="http://schemas.openxmlformats.org/markup-compatibility/2006" xmlns:mv="urn:schemas-microsoft-com:mac:vml" xmlns:p="http://schemas.openxmlformats.org/presentationml/2006/main" xmlns:c="http://schemas.openxmlformats.org/drawingml/2006/chart" xmlns:dgm="http://schemas.openxmlformats.org/drawingml/2006/diagram" xmlns:o="urn:schemas-microsoft-com:office:office" xmlns:v="urn:schemas-microsoft-com:vml" xmlns:pvml="urn:schemas-microsoft-com:office:powerpoint" xmlns:com="http://schemas.openxmlformats.org/drawingml/2006/compatibility" xmlns:p14="http://schemas.microsoft.com/office/powerpoint/2010/main" xmlns:p15="http://schemas.microsoft.com/office/powerpoint/2012/main" xmlns:ahyp="http://schemas.microsoft.com/office/drawing/2018/hyperlinkcolor" showMasterPhAnim="0" showMasterSp="0">
+<p:notes xmlns:a="http://schemas.openxmlformats.org/drawingml/2006/main" xmlns:r="http://schemas.openxmlformats.org/officeDocument/2006/relationships" xmlns:p="http://schemas.openxmlformats.org/presentationml/2006/main" showMasterSp="0" showMasterPhAnim="0">
   <p:cSld>
     <p:spTree>
       <p:nvGrpSpPr>
-        <p:cNvPr id="99" name="Shape 99"/>
+        <p:cNvPr id="1" name="Shape 99"/>
         <p:cNvGrpSpPr/>
         <p:nvPr/>
       </p:nvGrpSpPr>
@@ -1407,9 +1457,11 @@
       <p:sp>
         <p:nvSpPr>
           <p:cNvPr id="100" name="Google Shape;100;g9df0f0c22a_0_0:notes"/>
-          <p:cNvSpPr/>
+          <p:cNvSpPr>
+            <a:spLocks noGrp="1" noRot="1" noChangeAspect="1"/>
+          </p:cNvSpPr>
           <p:nvPr>
-            <p:ph idx="2" type="sldImg"/>
+            <p:ph type="sldImg" idx="2"/>
           </p:nvPr>
         </p:nvSpPr>
         <p:spPr>
@@ -1418,9 +1470,13 @@
             <a:ext cx="6096000" cy="3429000"/>
           </a:xfrm>
           <a:custGeom>
-            <a:rect b="b" l="l" r="r" t="t"/>
+            <a:avLst/>
+            <a:gdLst/>
+            <a:ahLst/>
+            <a:cxnLst/>
+            <a:rect l="l" t="t" r="r" b="b"/>
             <a:pathLst>
-              <a:path extrusionOk="0" h="120000" w="120000">
+              <a:path w="120000" h="120000" extrusionOk="0">
                 <a:moveTo>
                   <a:pt x="0" y="0"/>
                 </a:moveTo>
@@ -1442,9 +1498,11 @@
       <p:sp>
         <p:nvSpPr>
           <p:cNvPr id="101" name="Google Shape;101;g9df0f0c22a_0_0:notes"/>
-          <p:cNvSpPr txBox="1"/>
+          <p:cNvSpPr txBox="1">
+            <a:spLocks noGrp="1"/>
+          </p:cNvSpPr>
           <p:nvPr>
-            <p:ph idx="1" type="body"/>
+            <p:ph type="body" idx="1"/>
           </p:nvPr>
         </p:nvSpPr>
         <p:spPr>
@@ -1457,12 +1515,12 @@
           </a:prstGeom>
         </p:spPr>
         <p:txBody>
-          <a:bodyPr anchorCtr="0" anchor="t" bIns="91425" lIns="91425" spcFirstLastPara="1" rIns="91425" wrap="square" tIns="91425">
+          <a:bodyPr spcFirstLastPara="1" wrap="square" lIns="91425" tIns="91425" rIns="91425" bIns="91425" anchor="t" anchorCtr="0">
             <a:noAutofit/>
           </a:bodyPr>
           <a:lstStyle/>
           <a:p>
-            <a:pPr indent="0" lvl="0" marL="0" rtl="0" algn="l">
+            <a:pPr marL="0" lvl="0" indent="0" algn="l" rtl="0">
               <a:spcBef>
                 <a:spcPts val="0"/>
               </a:spcBef>
@@ -1471,9 +1529,6 @@
               </a:spcAft>
               <a:buNone/>
             </a:pPr>
-            <a:r>
-              <a:t/>
-            </a:r>
             <a:endParaRPr/>
           </a:p>
         </p:txBody>
@@ -1487,11 +1542,11 @@
 </file>
 
 <file path=ppt/notesSlides/notesSlide9.xml><?xml version="1.0" encoding="utf-8"?>
-<p:notes xmlns:a="http://schemas.openxmlformats.org/drawingml/2006/main" xmlns:r="http://schemas.openxmlformats.org/officeDocument/2006/relationships" xmlns:mc="http://schemas.openxmlformats.org/markup-compatibility/2006" xmlns:mv="urn:schemas-microsoft-com:mac:vml" xmlns:p="http://schemas.openxmlformats.org/presentationml/2006/main" xmlns:c="http://schemas.openxmlformats.org/drawingml/2006/chart" xmlns:dgm="http://schemas.openxmlformats.org/drawingml/2006/diagram" xmlns:o="urn:schemas-microsoft-com:office:office" xmlns:v="urn:schemas-microsoft-com:vml" xmlns:pvml="urn:schemas-microsoft-com:office:powerpoint" xmlns:com="http://schemas.openxmlformats.org/drawingml/2006/compatibility" xmlns:p14="http://schemas.microsoft.com/office/powerpoint/2010/main" xmlns:p15="http://schemas.microsoft.com/office/powerpoint/2012/main" xmlns:ahyp="http://schemas.microsoft.com/office/drawing/2018/hyperlinkcolor" showMasterPhAnim="0" showMasterSp="0">
+<p:notes xmlns:a="http://schemas.openxmlformats.org/drawingml/2006/main" xmlns:r="http://schemas.openxmlformats.org/officeDocument/2006/relationships" xmlns:p="http://schemas.openxmlformats.org/presentationml/2006/main" showMasterSp="0" showMasterPhAnim="0">
   <p:cSld>
     <p:spTree>
       <p:nvGrpSpPr>
-        <p:cNvPr id="106" name="Shape 106"/>
+        <p:cNvPr id="1" name="Shape 106"/>
         <p:cNvGrpSpPr/>
         <p:nvPr/>
       </p:nvGrpSpPr>
@@ -1506,9 +1561,11 @@
       <p:sp>
         <p:nvSpPr>
           <p:cNvPr id="107" name="Google Shape;107;g9aa832aee5_0_12:notes"/>
-          <p:cNvSpPr/>
+          <p:cNvSpPr>
+            <a:spLocks noGrp="1" noRot="1" noChangeAspect="1"/>
+          </p:cNvSpPr>
           <p:nvPr>
-            <p:ph idx="2" type="sldImg"/>
+            <p:ph type="sldImg" idx="2"/>
           </p:nvPr>
         </p:nvSpPr>
         <p:spPr>
@@ -1517,9 +1574,13 @@
             <a:ext cx="6096000" cy="3429000"/>
           </a:xfrm>
           <a:custGeom>
-            <a:rect b="b" l="l" r="r" t="t"/>
+            <a:avLst/>
+            <a:gdLst/>
+            <a:ahLst/>
+            <a:cxnLst/>
+            <a:rect l="l" t="t" r="r" b="b"/>
             <a:pathLst>
-              <a:path extrusionOk="0" h="120000" w="120000">
+              <a:path w="120000" h="120000" extrusionOk="0">
                 <a:moveTo>
                   <a:pt x="0" y="0"/>
                 </a:moveTo>
@@ -1541,9 +1602,11 @@
       <p:sp>
         <p:nvSpPr>
           <p:cNvPr id="108" name="Google Shape;108;g9aa832aee5_0_12:notes"/>
-          <p:cNvSpPr txBox="1"/>
+          <p:cNvSpPr txBox="1">
+            <a:spLocks noGrp="1"/>
+          </p:cNvSpPr>
           <p:nvPr>
-            <p:ph idx="1" type="body"/>
+            <p:ph type="body" idx="1"/>
           </p:nvPr>
         </p:nvSpPr>
         <p:spPr>
@@ -1556,12 +1619,12 @@
           </a:prstGeom>
         </p:spPr>
         <p:txBody>
-          <a:bodyPr anchorCtr="0" anchor="t" bIns="91425" lIns="91425" spcFirstLastPara="1" rIns="91425" wrap="square" tIns="91425">
+          <a:bodyPr spcFirstLastPara="1" wrap="square" lIns="91425" tIns="91425" rIns="91425" bIns="91425" anchor="t" anchorCtr="0">
             <a:noAutofit/>
           </a:bodyPr>
           <a:lstStyle/>
           <a:p>
-            <a:pPr indent="0" lvl="0" marL="0" rtl="0" algn="l">
+            <a:pPr marL="0" lvl="0" indent="0" algn="l" rtl="0">
               <a:spcBef>
                 <a:spcPts val="0"/>
               </a:spcBef>
@@ -1570,9 +1633,6 @@
               </a:spcAft>
               <a:buNone/>
             </a:pPr>
-            <a:r>
-              <a:t/>
-            </a:r>
             <a:endParaRPr/>
           </a:p>
         </p:txBody>
@@ -1586,11 +1646,11 @@
 </file>
 
 <file path=ppt/slideLayouts/slideLayout1.xml><?xml version="1.0" encoding="utf-8"?>
-<p:sldLayout xmlns:a="http://schemas.openxmlformats.org/drawingml/2006/main" xmlns:r="http://schemas.openxmlformats.org/officeDocument/2006/relationships" xmlns:mc="http://schemas.openxmlformats.org/markup-compatibility/2006" xmlns:mv="urn:schemas-microsoft-com:mac:vml" xmlns:p="http://schemas.openxmlformats.org/presentationml/2006/main" xmlns:c="http://schemas.openxmlformats.org/drawingml/2006/chart" xmlns:dgm="http://schemas.openxmlformats.org/drawingml/2006/diagram" xmlns:o="urn:schemas-microsoft-com:office:office" xmlns:v="urn:schemas-microsoft-com:vml" xmlns:pvml="urn:schemas-microsoft-com:office:powerpoint" xmlns:com="http://schemas.openxmlformats.org/drawingml/2006/compatibility" xmlns:p14="http://schemas.microsoft.com/office/powerpoint/2010/main" xmlns:p15="http://schemas.microsoft.com/office/powerpoint/2012/main" xmlns:ahyp="http://schemas.microsoft.com/office/drawing/2018/hyperlinkcolor" matchingName="Title slide" type="title">
+<p:sldLayout xmlns:a="http://schemas.openxmlformats.org/drawingml/2006/main" xmlns:r="http://schemas.openxmlformats.org/officeDocument/2006/relationships" xmlns:p="http://schemas.openxmlformats.org/presentationml/2006/main" matchingName="Title slide" type="title">
   <p:cSld name="TITLE">
     <p:spTree>
       <p:nvGrpSpPr>
-        <p:cNvPr id="9" name="Shape 9"/>
+        <p:cNvPr id="1" name="Shape 9"/>
         <p:cNvGrpSpPr/>
         <p:nvPr/>
       </p:nvGrpSpPr>
@@ -1605,7 +1665,9 @@
       <p:sp>
         <p:nvSpPr>
           <p:cNvPr id="10" name="Google Shape;10;p2"/>
-          <p:cNvSpPr txBox="1"/>
+          <p:cNvSpPr txBox="1">
+            <a:spLocks noGrp="1"/>
+          </p:cNvSpPr>
           <p:nvPr>
             <p:ph type="ctrTitle"/>
           </p:nvPr>
@@ -1620,7 +1682,7 @@
           </a:prstGeom>
         </p:spPr>
         <p:txBody>
-          <a:bodyPr anchorCtr="0" anchor="b" bIns="91425" lIns="91425" spcFirstLastPara="1" rIns="91425" wrap="square" tIns="91425">
+          <a:bodyPr spcFirstLastPara="1" wrap="square" lIns="91425" tIns="91425" rIns="91425" bIns="91425" anchor="b" anchorCtr="0">
             <a:noAutofit/>
           </a:bodyPr>
           <a:lstStyle>
@@ -1724,15 +1786,19 @@
               <a:defRPr sz="5200"/>
             </a:lvl9pPr>
           </a:lstStyle>
-          <a:p/>
+          <a:p>
+            <a:endParaRPr/>
+          </a:p>
         </p:txBody>
       </p:sp>
       <p:sp>
         <p:nvSpPr>
           <p:cNvPr id="11" name="Google Shape;11;p2"/>
-          <p:cNvSpPr txBox="1"/>
+          <p:cNvSpPr txBox="1">
+            <a:spLocks noGrp="1"/>
+          </p:cNvSpPr>
           <p:nvPr>
-            <p:ph idx="1" type="subTitle"/>
+            <p:ph type="subTitle" idx="1"/>
           </p:nvPr>
         </p:nvSpPr>
         <p:spPr>
@@ -1745,7 +1811,7 @@
           </a:prstGeom>
         </p:spPr>
         <p:txBody>
-          <a:bodyPr anchorCtr="0" anchor="t" bIns="91425" lIns="91425" spcFirstLastPara="1" rIns="91425" wrap="square" tIns="91425">
+          <a:bodyPr spcFirstLastPara="1" wrap="square" lIns="91425" tIns="91425" rIns="91425" bIns="91425" anchor="t" anchorCtr="0">
             <a:noAutofit/>
           </a:bodyPr>
           <a:lstStyle>
@@ -1876,15 +1942,19 @@
               <a:defRPr sz="2800"/>
             </a:lvl9pPr>
           </a:lstStyle>
-          <a:p/>
+          <a:p>
+            <a:endParaRPr/>
+          </a:p>
         </p:txBody>
       </p:sp>
       <p:sp>
         <p:nvSpPr>
           <p:cNvPr id="12" name="Google Shape;12;p2"/>
-          <p:cNvSpPr txBox="1"/>
+          <p:cNvSpPr txBox="1">
+            <a:spLocks noGrp="1"/>
+          </p:cNvSpPr>
           <p:nvPr>
-            <p:ph idx="12" type="sldNum"/>
+            <p:ph type="sldNum" idx="12"/>
           </p:nvPr>
         </p:nvSpPr>
         <p:spPr>
@@ -1897,7 +1967,7 @@
           </a:prstGeom>
         </p:spPr>
         <p:txBody>
-          <a:bodyPr anchorCtr="0" anchor="ctr" bIns="91425" lIns="91425" spcFirstLastPara="1" rIns="91425" wrap="square" tIns="91425">
+          <a:bodyPr spcFirstLastPara="1" wrap="square" lIns="91425" tIns="91425" rIns="91425" bIns="91425" anchor="ctr" anchorCtr="0">
             <a:noAutofit/>
           </a:bodyPr>
           <a:lstStyle>
@@ -1939,7 +2009,7 @@
             </a:lvl9pPr>
           </a:lstStyle>
           <a:p>
-            <a:pPr indent="0" lvl="0" marL="0" rtl="0" algn="r">
+            <a:pPr marL="0" lvl="0" indent="0" algn="r" rtl="0">
               <a:spcBef>
                 <a:spcPts val="0"/>
               </a:spcBef>
@@ -1965,11 +2035,11 @@
 </file>
 
 <file path=ppt/slideLayouts/slideLayout10.xml><?xml version="1.0" encoding="utf-8"?>
-<p:sldLayout xmlns:a="http://schemas.openxmlformats.org/drawingml/2006/main" xmlns:r="http://schemas.openxmlformats.org/officeDocument/2006/relationships" xmlns:mc="http://schemas.openxmlformats.org/markup-compatibility/2006" xmlns:mv="urn:schemas-microsoft-com:mac:vml" xmlns:p="http://schemas.openxmlformats.org/presentationml/2006/main" xmlns:c="http://schemas.openxmlformats.org/drawingml/2006/chart" xmlns:dgm="http://schemas.openxmlformats.org/drawingml/2006/diagram" xmlns:o="urn:schemas-microsoft-com:office:office" xmlns:v="urn:schemas-microsoft-com:vml" xmlns:pvml="urn:schemas-microsoft-com:office:powerpoint" xmlns:com="http://schemas.openxmlformats.org/drawingml/2006/compatibility" xmlns:p14="http://schemas.microsoft.com/office/powerpoint/2010/main" xmlns:p15="http://schemas.microsoft.com/office/powerpoint/2012/main" xmlns:ahyp="http://schemas.microsoft.com/office/drawing/2018/hyperlinkcolor" matchingName="Big number">
+<p:sldLayout xmlns:a="http://schemas.openxmlformats.org/drawingml/2006/main" xmlns:r="http://schemas.openxmlformats.org/officeDocument/2006/relationships" xmlns:p="http://schemas.openxmlformats.org/presentationml/2006/main" matchingName="Big number">
   <p:cSld name="BIG_NUMBER">
     <p:spTree>
       <p:nvGrpSpPr>
-        <p:cNvPr id="44" name="Shape 44"/>
+        <p:cNvPr id="1" name="Shape 44"/>
         <p:cNvGrpSpPr/>
         <p:nvPr/>
       </p:nvGrpSpPr>
@@ -1984,9 +2054,11 @@
       <p:sp>
         <p:nvSpPr>
           <p:cNvPr id="45" name="Google Shape;45;p11"/>
-          <p:cNvSpPr txBox="1"/>
+          <p:cNvSpPr txBox="1">
+            <a:spLocks noGrp="1"/>
+          </p:cNvSpPr>
           <p:nvPr>
-            <p:ph hasCustomPrompt="1" type="title"/>
+            <p:ph type="title" hasCustomPrompt="1"/>
           </p:nvPr>
         </p:nvSpPr>
         <p:spPr>
@@ -1999,7 +2071,7 @@
           </a:prstGeom>
         </p:spPr>
         <p:txBody>
-          <a:bodyPr anchorCtr="0" anchor="b" bIns="91425" lIns="91425" spcFirstLastPara="1" rIns="91425" wrap="square" tIns="91425">
+          <a:bodyPr spcFirstLastPara="1" wrap="square" lIns="91425" tIns="91425" rIns="91425" bIns="91425" anchor="b" anchorCtr="0">
             <a:noAutofit/>
           </a:bodyPr>
           <a:lstStyle>
@@ -2113,9 +2185,11 @@
       <p:sp>
         <p:nvSpPr>
           <p:cNvPr id="46" name="Google Shape;46;p11"/>
-          <p:cNvSpPr txBox="1"/>
+          <p:cNvSpPr txBox="1">
+            <a:spLocks noGrp="1"/>
+          </p:cNvSpPr>
           <p:nvPr>
-            <p:ph idx="1" type="body"/>
+            <p:ph type="body" idx="1"/>
           </p:nvPr>
         </p:nvSpPr>
         <p:spPr>
@@ -2128,11 +2202,11 @@
           </a:prstGeom>
         </p:spPr>
         <p:txBody>
-          <a:bodyPr anchorCtr="0" anchor="t" bIns="91425" lIns="91425" spcFirstLastPara="1" rIns="91425" wrap="square" tIns="91425">
+          <a:bodyPr spcFirstLastPara="1" wrap="square" lIns="91425" tIns="91425" rIns="91425" bIns="91425" anchor="t" anchorCtr="0">
             <a:noAutofit/>
           </a:bodyPr>
           <a:lstStyle>
-            <a:lvl1pPr indent="-342900" lvl="0" marL="457200" algn="ctr">
+            <a:lvl1pPr marL="457200" lvl="0" indent="-342900" algn="ctr">
               <a:spcBef>
                 <a:spcPts val="0"/>
               </a:spcBef>
@@ -2143,7 +2217,7 @@
               <a:buChar char="●"/>
               <a:defRPr/>
             </a:lvl1pPr>
-            <a:lvl2pPr indent="-317500" lvl="1" marL="914400" algn="ctr">
+            <a:lvl2pPr marL="914400" lvl="1" indent="-317500" algn="ctr">
               <a:spcBef>
                 <a:spcPts val="1600"/>
               </a:spcBef>
@@ -2154,7 +2228,7 @@
               <a:buChar char="○"/>
               <a:defRPr/>
             </a:lvl2pPr>
-            <a:lvl3pPr indent="-317500" lvl="2" marL="1371600" algn="ctr">
+            <a:lvl3pPr marL="1371600" lvl="2" indent="-317500" algn="ctr">
               <a:spcBef>
                 <a:spcPts val="1600"/>
               </a:spcBef>
@@ -2165,7 +2239,7 @@
               <a:buChar char="■"/>
               <a:defRPr/>
             </a:lvl3pPr>
-            <a:lvl4pPr indent="-317500" lvl="3" marL="1828800" algn="ctr">
+            <a:lvl4pPr marL="1828800" lvl="3" indent="-317500" algn="ctr">
               <a:spcBef>
                 <a:spcPts val="1600"/>
               </a:spcBef>
@@ -2176,7 +2250,7 @@
               <a:buChar char="●"/>
               <a:defRPr/>
             </a:lvl4pPr>
-            <a:lvl5pPr indent="-317500" lvl="4" marL="2286000" algn="ctr">
+            <a:lvl5pPr marL="2286000" lvl="4" indent="-317500" algn="ctr">
               <a:spcBef>
                 <a:spcPts val="1600"/>
               </a:spcBef>
@@ -2187,7 +2261,7 @@
               <a:buChar char="○"/>
               <a:defRPr/>
             </a:lvl5pPr>
-            <a:lvl6pPr indent="-317500" lvl="5" marL="2743200" algn="ctr">
+            <a:lvl6pPr marL="2743200" lvl="5" indent="-317500" algn="ctr">
               <a:spcBef>
                 <a:spcPts val="1600"/>
               </a:spcBef>
@@ -2198,7 +2272,7 @@
               <a:buChar char="■"/>
               <a:defRPr/>
             </a:lvl6pPr>
-            <a:lvl7pPr indent="-317500" lvl="6" marL="3200400" algn="ctr">
+            <a:lvl7pPr marL="3200400" lvl="6" indent="-317500" algn="ctr">
               <a:spcBef>
                 <a:spcPts val="1600"/>
               </a:spcBef>
@@ -2209,7 +2283,7 @@
               <a:buChar char="●"/>
               <a:defRPr/>
             </a:lvl7pPr>
-            <a:lvl8pPr indent="-317500" lvl="7" marL="3657600" algn="ctr">
+            <a:lvl8pPr marL="3657600" lvl="7" indent="-317500" algn="ctr">
               <a:spcBef>
                 <a:spcPts val="1600"/>
               </a:spcBef>
@@ -2220,7 +2294,7 @@
               <a:buChar char="○"/>
               <a:defRPr/>
             </a:lvl8pPr>
-            <a:lvl9pPr indent="-317500" lvl="8" marL="4114800" algn="ctr">
+            <a:lvl9pPr marL="4114800" lvl="8" indent="-317500" algn="ctr">
               <a:spcBef>
                 <a:spcPts val="1600"/>
               </a:spcBef>
@@ -2232,15 +2306,19 @@
               <a:defRPr/>
             </a:lvl9pPr>
           </a:lstStyle>
-          <a:p/>
+          <a:p>
+            <a:endParaRPr/>
+          </a:p>
         </p:txBody>
       </p:sp>
       <p:sp>
         <p:nvSpPr>
           <p:cNvPr id="47" name="Google Shape;47;p11"/>
-          <p:cNvSpPr txBox="1"/>
+          <p:cNvSpPr txBox="1">
+            <a:spLocks noGrp="1"/>
+          </p:cNvSpPr>
           <p:nvPr>
-            <p:ph idx="12" type="sldNum"/>
+            <p:ph type="sldNum" idx="12"/>
           </p:nvPr>
         </p:nvSpPr>
         <p:spPr>
@@ -2253,7 +2331,7 @@
           </a:prstGeom>
         </p:spPr>
         <p:txBody>
-          <a:bodyPr anchorCtr="0" anchor="ctr" bIns="91425" lIns="91425" spcFirstLastPara="1" rIns="91425" wrap="square" tIns="91425">
+          <a:bodyPr spcFirstLastPara="1" wrap="square" lIns="91425" tIns="91425" rIns="91425" bIns="91425" anchor="ctr" anchorCtr="0">
             <a:noAutofit/>
           </a:bodyPr>
           <a:lstStyle>
@@ -2295,7 +2373,7 @@
             </a:lvl9pPr>
           </a:lstStyle>
           <a:p>
-            <a:pPr indent="0" lvl="0" marL="0" rtl="0" algn="r">
+            <a:pPr marL="0" lvl="0" indent="0" algn="r" rtl="0">
               <a:spcBef>
                 <a:spcPts val="0"/>
               </a:spcBef>
@@ -2321,11 +2399,11 @@
 </file>
 
 <file path=ppt/slideLayouts/slideLayout11.xml><?xml version="1.0" encoding="utf-8"?>
-<p:sldLayout xmlns:a="http://schemas.openxmlformats.org/drawingml/2006/main" xmlns:r="http://schemas.openxmlformats.org/officeDocument/2006/relationships" xmlns:mc="http://schemas.openxmlformats.org/markup-compatibility/2006" xmlns:mv="urn:schemas-microsoft-com:mac:vml" xmlns:p="http://schemas.openxmlformats.org/presentationml/2006/main" xmlns:c="http://schemas.openxmlformats.org/drawingml/2006/chart" xmlns:dgm="http://schemas.openxmlformats.org/drawingml/2006/diagram" xmlns:o="urn:schemas-microsoft-com:office:office" xmlns:v="urn:schemas-microsoft-com:vml" xmlns:pvml="urn:schemas-microsoft-com:office:powerpoint" xmlns:com="http://schemas.openxmlformats.org/drawingml/2006/compatibility" xmlns:p14="http://schemas.microsoft.com/office/powerpoint/2010/main" xmlns:p15="http://schemas.microsoft.com/office/powerpoint/2012/main" xmlns:ahyp="http://schemas.microsoft.com/office/drawing/2018/hyperlinkcolor" matchingName="Blank" type="blank">
+<p:sldLayout xmlns:a="http://schemas.openxmlformats.org/drawingml/2006/main" xmlns:r="http://schemas.openxmlformats.org/officeDocument/2006/relationships" xmlns:p="http://schemas.openxmlformats.org/presentationml/2006/main" matchingName="Blank" type="blank">
   <p:cSld name="BLANK">
     <p:spTree>
       <p:nvGrpSpPr>
-        <p:cNvPr id="48" name="Shape 48"/>
+        <p:cNvPr id="1" name="Shape 48"/>
         <p:cNvGrpSpPr/>
         <p:nvPr/>
       </p:nvGrpSpPr>
@@ -2340,9 +2418,11 @@
       <p:sp>
         <p:nvSpPr>
           <p:cNvPr id="49" name="Google Shape;49;p12"/>
-          <p:cNvSpPr txBox="1"/>
+          <p:cNvSpPr txBox="1">
+            <a:spLocks noGrp="1"/>
+          </p:cNvSpPr>
           <p:nvPr>
-            <p:ph idx="12" type="sldNum"/>
+            <p:ph type="sldNum" idx="12"/>
           </p:nvPr>
         </p:nvSpPr>
         <p:spPr>
@@ -2355,7 +2435,7 @@
           </a:prstGeom>
         </p:spPr>
         <p:txBody>
-          <a:bodyPr anchorCtr="0" anchor="ctr" bIns="91425" lIns="91425" spcFirstLastPara="1" rIns="91425" wrap="square" tIns="91425">
+          <a:bodyPr spcFirstLastPara="1" wrap="square" lIns="91425" tIns="91425" rIns="91425" bIns="91425" anchor="ctr" anchorCtr="0">
             <a:noAutofit/>
           </a:bodyPr>
           <a:lstStyle>
@@ -2397,7 +2477,7 @@
             </a:lvl9pPr>
           </a:lstStyle>
           <a:p>
-            <a:pPr indent="0" lvl="0" marL="0" rtl="0" algn="r">
+            <a:pPr marL="0" lvl="0" indent="0" algn="r" rtl="0">
               <a:spcBef>
                 <a:spcPts val="0"/>
               </a:spcBef>
@@ -2423,11 +2503,11 @@
 </file>
 
 <file path=ppt/slideLayouts/slideLayout2.xml><?xml version="1.0" encoding="utf-8"?>
-<p:sldLayout xmlns:a="http://schemas.openxmlformats.org/drawingml/2006/main" xmlns:r="http://schemas.openxmlformats.org/officeDocument/2006/relationships" xmlns:mc="http://schemas.openxmlformats.org/markup-compatibility/2006" xmlns:mv="urn:schemas-microsoft-com:mac:vml" xmlns:p="http://schemas.openxmlformats.org/presentationml/2006/main" xmlns:c="http://schemas.openxmlformats.org/drawingml/2006/chart" xmlns:dgm="http://schemas.openxmlformats.org/drawingml/2006/diagram" xmlns:o="urn:schemas-microsoft-com:office:office" xmlns:v="urn:schemas-microsoft-com:vml" xmlns:pvml="urn:schemas-microsoft-com:office:powerpoint" xmlns:com="http://schemas.openxmlformats.org/drawingml/2006/compatibility" xmlns:p14="http://schemas.microsoft.com/office/powerpoint/2010/main" xmlns:p15="http://schemas.microsoft.com/office/powerpoint/2012/main" xmlns:ahyp="http://schemas.microsoft.com/office/drawing/2018/hyperlinkcolor" matchingName="Section header" type="secHead">
+<p:sldLayout xmlns:a="http://schemas.openxmlformats.org/drawingml/2006/main" xmlns:r="http://schemas.openxmlformats.org/officeDocument/2006/relationships" xmlns:p="http://schemas.openxmlformats.org/presentationml/2006/main" matchingName="Section header" type="secHead">
   <p:cSld name="SECTION_HEADER">
     <p:spTree>
       <p:nvGrpSpPr>
-        <p:cNvPr id="13" name="Shape 13"/>
+        <p:cNvPr id="1" name="Shape 13"/>
         <p:cNvGrpSpPr/>
         <p:nvPr/>
       </p:nvGrpSpPr>
@@ -2442,7 +2522,9 @@
       <p:sp>
         <p:nvSpPr>
           <p:cNvPr id="14" name="Google Shape;14;p3"/>
-          <p:cNvSpPr txBox="1"/>
+          <p:cNvSpPr txBox="1">
+            <a:spLocks noGrp="1"/>
+          </p:cNvSpPr>
           <p:nvPr>
             <p:ph type="title"/>
           </p:nvPr>
@@ -2457,7 +2539,7 @@
           </a:prstGeom>
         </p:spPr>
         <p:txBody>
-          <a:bodyPr anchorCtr="0" anchor="ctr" bIns="91425" lIns="91425" spcFirstLastPara="1" rIns="91425" wrap="square" tIns="91425">
+          <a:bodyPr spcFirstLastPara="1" wrap="square" lIns="91425" tIns="91425" rIns="91425" bIns="91425" anchor="ctr" anchorCtr="0">
             <a:noAutofit/>
           </a:bodyPr>
           <a:lstStyle>
@@ -2561,15 +2643,19 @@
               <a:defRPr sz="3600"/>
             </a:lvl9pPr>
           </a:lstStyle>
-          <a:p/>
+          <a:p>
+            <a:endParaRPr/>
+          </a:p>
         </p:txBody>
       </p:sp>
       <p:sp>
         <p:nvSpPr>
           <p:cNvPr id="15" name="Google Shape;15;p3"/>
-          <p:cNvSpPr txBox="1"/>
+          <p:cNvSpPr txBox="1">
+            <a:spLocks noGrp="1"/>
+          </p:cNvSpPr>
           <p:nvPr>
-            <p:ph idx="12" type="sldNum"/>
+            <p:ph type="sldNum" idx="12"/>
           </p:nvPr>
         </p:nvSpPr>
         <p:spPr>
@@ -2582,7 +2668,7 @@
           </a:prstGeom>
         </p:spPr>
         <p:txBody>
-          <a:bodyPr anchorCtr="0" anchor="ctr" bIns="91425" lIns="91425" spcFirstLastPara="1" rIns="91425" wrap="square" tIns="91425">
+          <a:bodyPr spcFirstLastPara="1" wrap="square" lIns="91425" tIns="91425" rIns="91425" bIns="91425" anchor="ctr" anchorCtr="0">
             <a:noAutofit/>
           </a:bodyPr>
           <a:lstStyle>
@@ -2624,7 +2710,7 @@
             </a:lvl9pPr>
           </a:lstStyle>
           <a:p>
-            <a:pPr indent="0" lvl="0" marL="0" rtl="0" algn="r">
+            <a:pPr marL="0" lvl="0" indent="0" algn="r" rtl="0">
               <a:spcBef>
                 <a:spcPts val="0"/>
               </a:spcBef>
@@ -2650,11 +2736,11 @@
 </file>
 
 <file path=ppt/slideLayouts/slideLayout3.xml><?xml version="1.0" encoding="utf-8"?>
-<p:sldLayout xmlns:a="http://schemas.openxmlformats.org/drawingml/2006/main" xmlns:r="http://schemas.openxmlformats.org/officeDocument/2006/relationships" xmlns:mc="http://schemas.openxmlformats.org/markup-compatibility/2006" xmlns:mv="urn:schemas-microsoft-com:mac:vml" xmlns:p="http://schemas.openxmlformats.org/presentationml/2006/main" xmlns:c="http://schemas.openxmlformats.org/drawingml/2006/chart" xmlns:dgm="http://schemas.openxmlformats.org/drawingml/2006/diagram" xmlns:o="urn:schemas-microsoft-com:office:office" xmlns:v="urn:schemas-microsoft-com:vml" xmlns:pvml="urn:schemas-microsoft-com:office:powerpoint" xmlns:com="http://schemas.openxmlformats.org/drawingml/2006/compatibility" xmlns:p14="http://schemas.microsoft.com/office/powerpoint/2010/main" xmlns:p15="http://schemas.microsoft.com/office/powerpoint/2012/main" xmlns:ahyp="http://schemas.microsoft.com/office/drawing/2018/hyperlinkcolor" matchingName="Title and body" type="tx">
+<p:sldLayout xmlns:a="http://schemas.openxmlformats.org/drawingml/2006/main" xmlns:r="http://schemas.openxmlformats.org/officeDocument/2006/relationships" xmlns:p="http://schemas.openxmlformats.org/presentationml/2006/main" matchingName="Title and body" type="tx">
   <p:cSld name="TITLE_AND_BODY">
     <p:spTree>
       <p:nvGrpSpPr>
-        <p:cNvPr id="16" name="Shape 16"/>
+        <p:cNvPr id="1" name="Shape 16"/>
         <p:cNvGrpSpPr/>
         <p:nvPr/>
       </p:nvGrpSpPr>
@@ -2669,7 +2755,9 @@
       <p:sp>
         <p:nvSpPr>
           <p:cNvPr id="17" name="Google Shape;17;p4"/>
-          <p:cNvSpPr txBox="1"/>
+          <p:cNvSpPr txBox="1">
+            <a:spLocks noGrp="1"/>
+          </p:cNvSpPr>
           <p:nvPr>
             <p:ph type="title"/>
           </p:nvPr>
@@ -2684,7 +2772,7 @@
           </a:prstGeom>
         </p:spPr>
         <p:txBody>
-          <a:bodyPr anchorCtr="0" anchor="t" bIns="91425" lIns="91425" spcFirstLastPara="1" rIns="91425" wrap="square" tIns="91425">
+          <a:bodyPr spcFirstLastPara="1" wrap="square" lIns="91425" tIns="91425" rIns="91425" bIns="91425" anchor="t" anchorCtr="0">
             <a:noAutofit/>
           </a:bodyPr>
           <a:lstStyle>
@@ -2788,15 +2876,19 @@
               <a:defRPr/>
             </a:lvl9pPr>
           </a:lstStyle>
-          <a:p/>
+          <a:p>
+            <a:endParaRPr/>
+          </a:p>
         </p:txBody>
       </p:sp>
       <p:sp>
         <p:nvSpPr>
           <p:cNvPr id="18" name="Google Shape;18;p4"/>
-          <p:cNvSpPr txBox="1"/>
+          <p:cNvSpPr txBox="1">
+            <a:spLocks noGrp="1"/>
+          </p:cNvSpPr>
           <p:nvPr>
-            <p:ph idx="1" type="body"/>
+            <p:ph type="body" idx="1"/>
           </p:nvPr>
         </p:nvSpPr>
         <p:spPr>
@@ -2809,11 +2901,11 @@
           </a:prstGeom>
         </p:spPr>
         <p:txBody>
-          <a:bodyPr anchorCtr="0" anchor="t" bIns="91425" lIns="91425" spcFirstLastPara="1" rIns="91425" wrap="square" tIns="91425">
+          <a:bodyPr spcFirstLastPara="1" wrap="square" lIns="91425" tIns="91425" rIns="91425" bIns="91425" anchor="t" anchorCtr="0">
             <a:noAutofit/>
           </a:bodyPr>
           <a:lstStyle>
-            <a:lvl1pPr indent="-342900" lvl="0" marL="457200">
+            <a:lvl1pPr marL="457200" lvl="0" indent="-342900">
               <a:spcBef>
                 <a:spcPts val="0"/>
               </a:spcBef>
@@ -2824,7 +2916,7 @@
               <a:buChar char="●"/>
               <a:defRPr/>
             </a:lvl1pPr>
-            <a:lvl2pPr indent="-317500" lvl="1" marL="914400">
+            <a:lvl2pPr marL="914400" lvl="1" indent="-317500">
               <a:spcBef>
                 <a:spcPts val="1600"/>
               </a:spcBef>
@@ -2835,7 +2927,7 @@
               <a:buChar char="○"/>
               <a:defRPr/>
             </a:lvl2pPr>
-            <a:lvl3pPr indent="-317500" lvl="2" marL="1371600">
+            <a:lvl3pPr marL="1371600" lvl="2" indent="-317500">
               <a:spcBef>
                 <a:spcPts val="1600"/>
               </a:spcBef>
@@ -2846,7 +2938,7 @@
               <a:buChar char="■"/>
               <a:defRPr/>
             </a:lvl3pPr>
-            <a:lvl4pPr indent="-317500" lvl="3" marL="1828800">
+            <a:lvl4pPr marL="1828800" lvl="3" indent="-317500">
               <a:spcBef>
                 <a:spcPts val="1600"/>
               </a:spcBef>
@@ -2857,7 +2949,7 @@
               <a:buChar char="●"/>
               <a:defRPr/>
             </a:lvl4pPr>
-            <a:lvl5pPr indent="-317500" lvl="4" marL="2286000">
+            <a:lvl5pPr marL="2286000" lvl="4" indent="-317500">
               <a:spcBef>
                 <a:spcPts val="1600"/>
               </a:spcBef>
@@ -2868,7 +2960,7 @@
               <a:buChar char="○"/>
               <a:defRPr/>
             </a:lvl5pPr>
-            <a:lvl6pPr indent="-317500" lvl="5" marL="2743200">
+            <a:lvl6pPr marL="2743200" lvl="5" indent="-317500">
               <a:spcBef>
                 <a:spcPts val="1600"/>
               </a:spcBef>
@@ -2879,7 +2971,7 @@
               <a:buChar char="■"/>
               <a:defRPr/>
             </a:lvl6pPr>
-            <a:lvl7pPr indent="-317500" lvl="6" marL="3200400">
+            <a:lvl7pPr marL="3200400" lvl="6" indent="-317500">
               <a:spcBef>
                 <a:spcPts val="1600"/>
               </a:spcBef>
@@ -2890,7 +2982,7 @@
               <a:buChar char="●"/>
               <a:defRPr/>
             </a:lvl7pPr>
-            <a:lvl8pPr indent="-317500" lvl="7" marL="3657600">
+            <a:lvl8pPr marL="3657600" lvl="7" indent="-317500">
               <a:spcBef>
                 <a:spcPts val="1600"/>
               </a:spcBef>
@@ -2901,7 +2993,7 @@
               <a:buChar char="○"/>
               <a:defRPr/>
             </a:lvl8pPr>
-            <a:lvl9pPr indent="-317500" lvl="8" marL="4114800">
+            <a:lvl9pPr marL="4114800" lvl="8" indent="-317500">
               <a:spcBef>
                 <a:spcPts val="1600"/>
               </a:spcBef>
@@ -2913,15 +3005,19 @@
               <a:defRPr/>
             </a:lvl9pPr>
           </a:lstStyle>
-          <a:p/>
+          <a:p>
+            <a:endParaRPr/>
+          </a:p>
         </p:txBody>
       </p:sp>
       <p:sp>
         <p:nvSpPr>
           <p:cNvPr id="19" name="Google Shape;19;p4"/>
-          <p:cNvSpPr txBox="1"/>
+          <p:cNvSpPr txBox="1">
+            <a:spLocks noGrp="1"/>
+          </p:cNvSpPr>
           <p:nvPr>
-            <p:ph idx="12" type="sldNum"/>
+            <p:ph type="sldNum" idx="12"/>
           </p:nvPr>
         </p:nvSpPr>
         <p:spPr>
@@ -2934,7 +3030,7 @@
           </a:prstGeom>
         </p:spPr>
         <p:txBody>
-          <a:bodyPr anchorCtr="0" anchor="ctr" bIns="91425" lIns="91425" spcFirstLastPara="1" rIns="91425" wrap="square" tIns="91425">
+          <a:bodyPr spcFirstLastPara="1" wrap="square" lIns="91425" tIns="91425" rIns="91425" bIns="91425" anchor="ctr" anchorCtr="0">
             <a:noAutofit/>
           </a:bodyPr>
           <a:lstStyle>
@@ -2976,7 +3072,7 @@
             </a:lvl9pPr>
           </a:lstStyle>
           <a:p>
-            <a:pPr indent="0" lvl="0" marL="0" rtl="0" algn="r">
+            <a:pPr marL="0" lvl="0" indent="0" algn="r" rtl="0">
               <a:spcBef>
                 <a:spcPts val="0"/>
               </a:spcBef>
@@ -3002,11 +3098,11 @@
 </file>
 
 <file path=ppt/slideLayouts/slideLayout4.xml><?xml version="1.0" encoding="utf-8"?>
-<p:sldLayout xmlns:a="http://schemas.openxmlformats.org/drawingml/2006/main" xmlns:r="http://schemas.openxmlformats.org/officeDocument/2006/relationships" xmlns:mc="http://schemas.openxmlformats.org/markup-compatibility/2006" xmlns:mv="urn:schemas-microsoft-com:mac:vml" xmlns:p="http://schemas.openxmlformats.org/presentationml/2006/main" xmlns:c="http://schemas.openxmlformats.org/drawingml/2006/chart" xmlns:dgm="http://schemas.openxmlformats.org/drawingml/2006/diagram" xmlns:o="urn:schemas-microsoft-com:office:office" xmlns:v="urn:schemas-microsoft-com:vml" xmlns:pvml="urn:schemas-microsoft-com:office:powerpoint" xmlns:com="http://schemas.openxmlformats.org/drawingml/2006/compatibility" xmlns:p14="http://schemas.microsoft.com/office/powerpoint/2010/main" xmlns:p15="http://schemas.microsoft.com/office/powerpoint/2012/main" xmlns:ahyp="http://schemas.microsoft.com/office/drawing/2018/hyperlinkcolor" matchingName="Title and two columns" type="twoColTx">
+<p:sldLayout xmlns:a="http://schemas.openxmlformats.org/drawingml/2006/main" xmlns:r="http://schemas.openxmlformats.org/officeDocument/2006/relationships" xmlns:p="http://schemas.openxmlformats.org/presentationml/2006/main" matchingName="Title and two columns" type="twoColTx">
   <p:cSld name="TITLE_AND_TWO_COLUMNS">
     <p:spTree>
       <p:nvGrpSpPr>
-        <p:cNvPr id="20" name="Shape 20"/>
+        <p:cNvPr id="1" name="Shape 20"/>
         <p:cNvGrpSpPr/>
         <p:nvPr/>
       </p:nvGrpSpPr>
@@ -3021,7 +3117,9 @@
       <p:sp>
         <p:nvSpPr>
           <p:cNvPr id="21" name="Google Shape;21;p5"/>
-          <p:cNvSpPr txBox="1"/>
+          <p:cNvSpPr txBox="1">
+            <a:spLocks noGrp="1"/>
+          </p:cNvSpPr>
           <p:nvPr>
             <p:ph type="title"/>
           </p:nvPr>
@@ -3036,7 +3134,7 @@
           </a:prstGeom>
         </p:spPr>
         <p:txBody>
-          <a:bodyPr anchorCtr="0" anchor="t" bIns="91425" lIns="91425" spcFirstLastPara="1" rIns="91425" wrap="square" tIns="91425">
+          <a:bodyPr spcFirstLastPara="1" wrap="square" lIns="91425" tIns="91425" rIns="91425" bIns="91425" anchor="t" anchorCtr="0">
             <a:noAutofit/>
           </a:bodyPr>
           <a:lstStyle>
@@ -3140,15 +3238,19 @@
               <a:defRPr/>
             </a:lvl9pPr>
           </a:lstStyle>
-          <a:p/>
+          <a:p>
+            <a:endParaRPr/>
+          </a:p>
         </p:txBody>
       </p:sp>
       <p:sp>
         <p:nvSpPr>
           <p:cNvPr id="22" name="Google Shape;22;p5"/>
-          <p:cNvSpPr txBox="1"/>
+          <p:cNvSpPr txBox="1">
+            <a:spLocks noGrp="1"/>
+          </p:cNvSpPr>
           <p:nvPr>
-            <p:ph idx="1" type="body"/>
+            <p:ph type="body" idx="1"/>
           </p:nvPr>
         </p:nvSpPr>
         <p:spPr>
@@ -3161,11 +3263,11 @@
           </a:prstGeom>
         </p:spPr>
         <p:txBody>
-          <a:bodyPr anchorCtr="0" anchor="t" bIns="91425" lIns="91425" spcFirstLastPara="1" rIns="91425" wrap="square" tIns="91425">
+          <a:bodyPr spcFirstLastPara="1" wrap="square" lIns="91425" tIns="91425" rIns="91425" bIns="91425" anchor="t" anchorCtr="0">
             <a:noAutofit/>
           </a:bodyPr>
           <a:lstStyle>
-            <a:lvl1pPr indent="-317500" lvl="0" marL="457200">
+            <a:lvl1pPr marL="457200" lvl="0" indent="-317500">
               <a:spcBef>
                 <a:spcPts val="0"/>
               </a:spcBef>
@@ -3176,7 +3278,7 @@
               <a:buChar char="●"/>
               <a:defRPr sz="1400"/>
             </a:lvl1pPr>
-            <a:lvl2pPr indent="-304800" lvl="1" marL="914400">
+            <a:lvl2pPr marL="914400" lvl="1" indent="-304800">
               <a:spcBef>
                 <a:spcPts val="1600"/>
               </a:spcBef>
@@ -3187,7 +3289,7 @@
               <a:buChar char="○"/>
               <a:defRPr sz="1200"/>
             </a:lvl2pPr>
-            <a:lvl3pPr indent="-304800" lvl="2" marL="1371600">
+            <a:lvl3pPr marL="1371600" lvl="2" indent="-304800">
               <a:spcBef>
                 <a:spcPts val="1600"/>
               </a:spcBef>
@@ -3198,7 +3300,7 @@
               <a:buChar char="■"/>
               <a:defRPr sz="1200"/>
             </a:lvl3pPr>
-            <a:lvl4pPr indent="-304800" lvl="3" marL="1828800">
+            <a:lvl4pPr marL="1828800" lvl="3" indent="-304800">
               <a:spcBef>
                 <a:spcPts val="1600"/>
               </a:spcBef>
@@ -3209,7 +3311,7 @@
               <a:buChar char="●"/>
               <a:defRPr sz="1200"/>
             </a:lvl4pPr>
-            <a:lvl5pPr indent="-304800" lvl="4" marL="2286000">
+            <a:lvl5pPr marL="2286000" lvl="4" indent="-304800">
               <a:spcBef>
                 <a:spcPts val="1600"/>
               </a:spcBef>
@@ -3220,7 +3322,7 @@
               <a:buChar char="○"/>
               <a:defRPr sz="1200"/>
             </a:lvl5pPr>
-            <a:lvl6pPr indent="-304800" lvl="5" marL="2743200">
+            <a:lvl6pPr marL="2743200" lvl="5" indent="-304800">
               <a:spcBef>
                 <a:spcPts val="1600"/>
               </a:spcBef>
@@ -3231,7 +3333,7 @@
               <a:buChar char="■"/>
               <a:defRPr sz="1200"/>
             </a:lvl6pPr>
-            <a:lvl7pPr indent="-304800" lvl="6" marL="3200400">
+            <a:lvl7pPr marL="3200400" lvl="6" indent="-304800">
               <a:spcBef>
                 <a:spcPts val="1600"/>
               </a:spcBef>
@@ -3242,7 +3344,7 @@
               <a:buChar char="●"/>
               <a:defRPr sz="1200"/>
             </a:lvl7pPr>
-            <a:lvl8pPr indent="-304800" lvl="7" marL="3657600">
+            <a:lvl8pPr marL="3657600" lvl="7" indent="-304800">
               <a:spcBef>
                 <a:spcPts val="1600"/>
               </a:spcBef>
@@ -3253,7 +3355,7 @@
               <a:buChar char="○"/>
               <a:defRPr sz="1200"/>
             </a:lvl8pPr>
-            <a:lvl9pPr indent="-304800" lvl="8" marL="4114800">
+            <a:lvl9pPr marL="4114800" lvl="8" indent="-304800">
               <a:spcBef>
                 <a:spcPts val="1600"/>
               </a:spcBef>
@@ -3265,15 +3367,19 @@
               <a:defRPr sz="1200"/>
             </a:lvl9pPr>
           </a:lstStyle>
-          <a:p/>
+          <a:p>
+            <a:endParaRPr/>
+          </a:p>
         </p:txBody>
       </p:sp>
       <p:sp>
         <p:nvSpPr>
           <p:cNvPr id="23" name="Google Shape;23;p5"/>
-          <p:cNvSpPr txBox="1"/>
+          <p:cNvSpPr txBox="1">
+            <a:spLocks noGrp="1"/>
+          </p:cNvSpPr>
           <p:nvPr>
-            <p:ph idx="2" type="body"/>
+            <p:ph type="body" idx="2"/>
           </p:nvPr>
         </p:nvSpPr>
         <p:spPr>
@@ -3286,11 +3392,11 @@
           </a:prstGeom>
         </p:spPr>
         <p:txBody>
-          <a:bodyPr anchorCtr="0" anchor="t" bIns="91425" lIns="91425" spcFirstLastPara="1" rIns="91425" wrap="square" tIns="91425">
+          <a:bodyPr spcFirstLastPara="1" wrap="square" lIns="91425" tIns="91425" rIns="91425" bIns="91425" anchor="t" anchorCtr="0">
             <a:noAutofit/>
           </a:bodyPr>
           <a:lstStyle>
-            <a:lvl1pPr indent="-317500" lvl="0" marL="457200">
+            <a:lvl1pPr marL="457200" lvl="0" indent="-317500">
               <a:spcBef>
                 <a:spcPts val="0"/>
               </a:spcBef>
@@ -3301,7 +3407,7 @@
               <a:buChar char="●"/>
               <a:defRPr sz="1400"/>
             </a:lvl1pPr>
-            <a:lvl2pPr indent="-304800" lvl="1" marL="914400">
+            <a:lvl2pPr marL="914400" lvl="1" indent="-304800">
               <a:spcBef>
                 <a:spcPts val="1600"/>
               </a:spcBef>
@@ -3312,7 +3418,7 @@
               <a:buChar char="○"/>
               <a:defRPr sz="1200"/>
             </a:lvl2pPr>
-            <a:lvl3pPr indent="-304800" lvl="2" marL="1371600">
+            <a:lvl3pPr marL="1371600" lvl="2" indent="-304800">
               <a:spcBef>
                 <a:spcPts val="1600"/>
               </a:spcBef>
@@ -3323,7 +3429,7 @@
               <a:buChar char="■"/>
               <a:defRPr sz="1200"/>
             </a:lvl3pPr>
-            <a:lvl4pPr indent="-304800" lvl="3" marL="1828800">
+            <a:lvl4pPr marL="1828800" lvl="3" indent="-304800">
               <a:spcBef>
                 <a:spcPts val="1600"/>
               </a:spcBef>
@@ -3334,7 +3440,7 @@
               <a:buChar char="●"/>
               <a:defRPr sz="1200"/>
             </a:lvl4pPr>
-            <a:lvl5pPr indent="-304800" lvl="4" marL="2286000">
+            <a:lvl5pPr marL="2286000" lvl="4" indent="-304800">
               <a:spcBef>
                 <a:spcPts val="1600"/>
               </a:spcBef>
@@ -3345,7 +3451,7 @@
               <a:buChar char="○"/>
               <a:defRPr sz="1200"/>
             </a:lvl5pPr>
-            <a:lvl6pPr indent="-304800" lvl="5" marL="2743200">
+            <a:lvl6pPr marL="2743200" lvl="5" indent="-304800">
               <a:spcBef>
                 <a:spcPts val="1600"/>
               </a:spcBef>
@@ -3356,7 +3462,7 @@
               <a:buChar char="■"/>
               <a:defRPr sz="1200"/>
             </a:lvl6pPr>
-            <a:lvl7pPr indent="-304800" lvl="6" marL="3200400">
+            <a:lvl7pPr marL="3200400" lvl="6" indent="-304800">
               <a:spcBef>
                 <a:spcPts val="1600"/>
               </a:spcBef>
@@ -3367,7 +3473,7 @@
               <a:buChar char="●"/>
               <a:defRPr sz="1200"/>
             </a:lvl7pPr>
-            <a:lvl8pPr indent="-304800" lvl="7" marL="3657600">
+            <a:lvl8pPr marL="3657600" lvl="7" indent="-304800">
               <a:spcBef>
                 <a:spcPts val="1600"/>
               </a:spcBef>
@@ -3378,7 +3484,7 @@
               <a:buChar char="○"/>
               <a:defRPr sz="1200"/>
             </a:lvl8pPr>
-            <a:lvl9pPr indent="-304800" lvl="8" marL="4114800">
+            <a:lvl9pPr marL="4114800" lvl="8" indent="-304800">
               <a:spcBef>
                 <a:spcPts val="1600"/>
               </a:spcBef>
@@ -3390,15 +3496,19 @@
               <a:defRPr sz="1200"/>
             </a:lvl9pPr>
           </a:lstStyle>
-          <a:p/>
+          <a:p>
+            <a:endParaRPr/>
+          </a:p>
         </p:txBody>
       </p:sp>
       <p:sp>
         <p:nvSpPr>
           <p:cNvPr id="24" name="Google Shape;24;p5"/>
-          <p:cNvSpPr txBox="1"/>
+          <p:cNvSpPr txBox="1">
+            <a:spLocks noGrp="1"/>
+          </p:cNvSpPr>
           <p:nvPr>
-            <p:ph idx="12" type="sldNum"/>
+            <p:ph type="sldNum" idx="12"/>
           </p:nvPr>
         </p:nvSpPr>
         <p:spPr>
@@ -3411,7 +3521,7 @@
           </a:prstGeom>
         </p:spPr>
         <p:txBody>
-          <a:bodyPr anchorCtr="0" anchor="ctr" bIns="91425" lIns="91425" spcFirstLastPara="1" rIns="91425" wrap="square" tIns="91425">
+          <a:bodyPr spcFirstLastPara="1" wrap="square" lIns="91425" tIns="91425" rIns="91425" bIns="91425" anchor="ctr" anchorCtr="0">
             <a:noAutofit/>
           </a:bodyPr>
           <a:lstStyle>
@@ -3453,7 +3563,7 @@
             </a:lvl9pPr>
           </a:lstStyle>
           <a:p>
-            <a:pPr indent="0" lvl="0" marL="0" rtl="0" algn="r">
+            <a:pPr marL="0" lvl="0" indent="0" algn="r" rtl="0">
               <a:spcBef>
                 <a:spcPts val="0"/>
               </a:spcBef>
@@ -3479,11 +3589,11 @@
 </file>
 
 <file path=ppt/slideLayouts/slideLayout5.xml><?xml version="1.0" encoding="utf-8"?>
-<p:sldLayout xmlns:a="http://schemas.openxmlformats.org/drawingml/2006/main" xmlns:r="http://schemas.openxmlformats.org/officeDocument/2006/relationships" xmlns:mc="http://schemas.openxmlformats.org/markup-compatibility/2006" xmlns:mv="urn:schemas-microsoft-com:mac:vml" xmlns:p="http://schemas.openxmlformats.org/presentationml/2006/main" xmlns:c="http://schemas.openxmlformats.org/drawingml/2006/chart" xmlns:dgm="http://schemas.openxmlformats.org/drawingml/2006/diagram" xmlns:o="urn:schemas-microsoft-com:office:office" xmlns:v="urn:schemas-microsoft-com:vml" xmlns:pvml="urn:schemas-microsoft-com:office:powerpoint" xmlns:com="http://schemas.openxmlformats.org/drawingml/2006/compatibility" xmlns:p14="http://schemas.microsoft.com/office/powerpoint/2010/main" xmlns:p15="http://schemas.microsoft.com/office/powerpoint/2012/main" xmlns:ahyp="http://schemas.microsoft.com/office/drawing/2018/hyperlinkcolor" matchingName="Title only" type="titleOnly">
+<p:sldLayout xmlns:a="http://schemas.openxmlformats.org/drawingml/2006/main" xmlns:r="http://schemas.openxmlformats.org/officeDocument/2006/relationships" xmlns:p="http://schemas.openxmlformats.org/presentationml/2006/main" matchingName="Title only" type="titleOnly">
   <p:cSld name="TITLE_ONLY">
     <p:spTree>
       <p:nvGrpSpPr>
-        <p:cNvPr id="25" name="Shape 25"/>
+        <p:cNvPr id="1" name="Shape 25"/>
         <p:cNvGrpSpPr/>
         <p:nvPr/>
       </p:nvGrpSpPr>
@@ -3498,7 +3608,9 @@
       <p:sp>
         <p:nvSpPr>
           <p:cNvPr id="26" name="Google Shape;26;p6"/>
-          <p:cNvSpPr txBox="1"/>
+          <p:cNvSpPr txBox="1">
+            <a:spLocks noGrp="1"/>
+          </p:cNvSpPr>
           <p:nvPr>
             <p:ph type="title"/>
           </p:nvPr>
@@ -3513,7 +3625,7 @@
           </a:prstGeom>
         </p:spPr>
         <p:txBody>
-          <a:bodyPr anchorCtr="0" anchor="t" bIns="91425" lIns="91425" spcFirstLastPara="1" rIns="91425" wrap="square" tIns="91425">
+          <a:bodyPr spcFirstLastPara="1" wrap="square" lIns="91425" tIns="91425" rIns="91425" bIns="91425" anchor="t" anchorCtr="0">
             <a:noAutofit/>
           </a:bodyPr>
           <a:lstStyle>
@@ -3617,15 +3729,19 @@
               <a:defRPr/>
             </a:lvl9pPr>
           </a:lstStyle>
-          <a:p/>
+          <a:p>
+            <a:endParaRPr/>
+          </a:p>
         </p:txBody>
       </p:sp>
       <p:sp>
         <p:nvSpPr>
           <p:cNvPr id="27" name="Google Shape;27;p6"/>
-          <p:cNvSpPr txBox="1"/>
+          <p:cNvSpPr txBox="1">
+            <a:spLocks noGrp="1"/>
+          </p:cNvSpPr>
           <p:nvPr>
-            <p:ph idx="12" type="sldNum"/>
+            <p:ph type="sldNum" idx="12"/>
           </p:nvPr>
         </p:nvSpPr>
         <p:spPr>
@@ -3638,7 +3754,7 @@
           </a:prstGeom>
         </p:spPr>
         <p:txBody>
-          <a:bodyPr anchorCtr="0" anchor="ctr" bIns="91425" lIns="91425" spcFirstLastPara="1" rIns="91425" wrap="square" tIns="91425">
+          <a:bodyPr spcFirstLastPara="1" wrap="square" lIns="91425" tIns="91425" rIns="91425" bIns="91425" anchor="ctr" anchorCtr="0">
             <a:noAutofit/>
           </a:bodyPr>
           <a:lstStyle>
@@ -3680,7 +3796,7 @@
             </a:lvl9pPr>
           </a:lstStyle>
           <a:p>
-            <a:pPr indent="0" lvl="0" marL="0" rtl="0" algn="r">
+            <a:pPr marL="0" lvl="0" indent="0" algn="r" rtl="0">
               <a:spcBef>
                 <a:spcPts val="0"/>
               </a:spcBef>
@@ -3706,11 +3822,11 @@
 </file>
 
 <file path=ppt/slideLayouts/slideLayout6.xml><?xml version="1.0" encoding="utf-8"?>
-<p:sldLayout xmlns:a="http://schemas.openxmlformats.org/drawingml/2006/main" xmlns:r="http://schemas.openxmlformats.org/officeDocument/2006/relationships" xmlns:mc="http://schemas.openxmlformats.org/markup-compatibility/2006" xmlns:mv="urn:schemas-microsoft-com:mac:vml" xmlns:p="http://schemas.openxmlformats.org/presentationml/2006/main" xmlns:c="http://schemas.openxmlformats.org/drawingml/2006/chart" xmlns:dgm="http://schemas.openxmlformats.org/drawingml/2006/diagram" xmlns:o="urn:schemas-microsoft-com:office:office" xmlns:v="urn:schemas-microsoft-com:vml" xmlns:pvml="urn:schemas-microsoft-com:office:powerpoint" xmlns:com="http://schemas.openxmlformats.org/drawingml/2006/compatibility" xmlns:p14="http://schemas.microsoft.com/office/powerpoint/2010/main" xmlns:p15="http://schemas.microsoft.com/office/powerpoint/2012/main" xmlns:ahyp="http://schemas.microsoft.com/office/drawing/2018/hyperlinkcolor" matchingName="One column text">
+<p:sldLayout xmlns:a="http://schemas.openxmlformats.org/drawingml/2006/main" xmlns:r="http://schemas.openxmlformats.org/officeDocument/2006/relationships" xmlns:p="http://schemas.openxmlformats.org/presentationml/2006/main" matchingName="One column text">
   <p:cSld name="ONE_COLUMN_TEXT">
     <p:spTree>
       <p:nvGrpSpPr>
-        <p:cNvPr id="28" name="Shape 28"/>
+        <p:cNvPr id="1" name="Shape 28"/>
         <p:cNvGrpSpPr/>
         <p:nvPr/>
       </p:nvGrpSpPr>
@@ -3725,7 +3841,9 @@
       <p:sp>
         <p:nvSpPr>
           <p:cNvPr id="29" name="Google Shape;29;p7"/>
-          <p:cNvSpPr txBox="1"/>
+          <p:cNvSpPr txBox="1">
+            <a:spLocks noGrp="1"/>
+          </p:cNvSpPr>
           <p:nvPr>
             <p:ph type="title"/>
           </p:nvPr>
@@ -3740,7 +3858,7 @@
           </a:prstGeom>
         </p:spPr>
         <p:txBody>
-          <a:bodyPr anchorCtr="0" anchor="b" bIns="91425" lIns="91425" spcFirstLastPara="1" rIns="91425" wrap="square" tIns="91425">
+          <a:bodyPr spcFirstLastPara="1" wrap="square" lIns="91425" tIns="91425" rIns="91425" bIns="91425" anchor="b" anchorCtr="0">
             <a:noAutofit/>
           </a:bodyPr>
           <a:lstStyle>
@@ -3844,15 +3962,19 @@
               <a:defRPr sz="2400"/>
             </a:lvl9pPr>
           </a:lstStyle>
-          <a:p/>
+          <a:p>
+            <a:endParaRPr/>
+          </a:p>
         </p:txBody>
       </p:sp>
       <p:sp>
         <p:nvSpPr>
           <p:cNvPr id="30" name="Google Shape;30;p7"/>
-          <p:cNvSpPr txBox="1"/>
+          <p:cNvSpPr txBox="1">
+            <a:spLocks noGrp="1"/>
+          </p:cNvSpPr>
           <p:nvPr>
-            <p:ph idx="1" type="body"/>
+            <p:ph type="body" idx="1"/>
           </p:nvPr>
         </p:nvSpPr>
         <p:spPr>
@@ -3865,11 +3987,11 @@
           </a:prstGeom>
         </p:spPr>
         <p:txBody>
-          <a:bodyPr anchorCtr="0" anchor="t" bIns="91425" lIns="91425" spcFirstLastPara="1" rIns="91425" wrap="square" tIns="91425">
+          <a:bodyPr spcFirstLastPara="1" wrap="square" lIns="91425" tIns="91425" rIns="91425" bIns="91425" anchor="t" anchorCtr="0">
             <a:noAutofit/>
           </a:bodyPr>
           <a:lstStyle>
-            <a:lvl1pPr indent="-304800" lvl="0" marL="457200">
+            <a:lvl1pPr marL="457200" lvl="0" indent="-304800">
               <a:spcBef>
                 <a:spcPts val="0"/>
               </a:spcBef>
@@ -3880,7 +4002,7 @@
               <a:buChar char="●"/>
               <a:defRPr sz="1200"/>
             </a:lvl1pPr>
-            <a:lvl2pPr indent="-304800" lvl="1" marL="914400">
+            <a:lvl2pPr marL="914400" lvl="1" indent="-304800">
               <a:spcBef>
                 <a:spcPts val="1600"/>
               </a:spcBef>
@@ -3891,7 +4013,7 @@
               <a:buChar char="○"/>
               <a:defRPr sz="1200"/>
             </a:lvl2pPr>
-            <a:lvl3pPr indent="-304800" lvl="2" marL="1371600">
+            <a:lvl3pPr marL="1371600" lvl="2" indent="-304800">
               <a:spcBef>
                 <a:spcPts val="1600"/>
               </a:spcBef>
@@ -3902,7 +4024,7 @@
               <a:buChar char="■"/>
               <a:defRPr sz="1200"/>
             </a:lvl3pPr>
-            <a:lvl4pPr indent="-304800" lvl="3" marL="1828800">
+            <a:lvl4pPr marL="1828800" lvl="3" indent="-304800">
               <a:spcBef>
                 <a:spcPts val="1600"/>
               </a:spcBef>
@@ -3913,7 +4035,7 @@
               <a:buChar char="●"/>
               <a:defRPr sz="1200"/>
             </a:lvl4pPr>
-            <a:lvl5pPr indent="-304800" lvl="4" marL="2286000">
+            <a:lvl5pPr marL="2286000" lvl="4" indent="-304800">
               <a:spcBef>
                 <a:spcPts val="1600"/>
               </a:spcBef>
@@ -3924,7 +4046,7 @@
               <a:buChar char="○"/>
               <a:defRPr sz="1200"/>
             </a:lvl5pPr>
-            <a:lvl6pPr indent="-304800" lvl="5" marL="2743200">
+            <a:lvl6pPr marL="2743200" lvl="5" indent="-304800">
               <a:spcBef>
                 <a:spcPts val="1600"/>
               </a:spcBef>
@@ -3935,7 +4057,7 @@
               <a:buChar char="■"/>
               <a:defRPr sz="1200"/>
             </a:lvl6pPr>
-            <a:lvl7pPr indent="-304800" lvl="6" marL="3200400">
+            <a:lvl7pPr marL="3200400" lvl="6" indent="-304800">
               <a:spcBef>
                 <a:spcPts val="1600"/>
               </a:spcBef>
@@ -3946,7 +4068,7 @@
               <a:buChar char="●"/>
               <a:defRPr sz="1200"/>
             </a:lvl7pPr>
-            <a:lvl8pPr indent="-304800" lvl="7" marL="3657600">
+            <a:lvl8pPr marL="3657600" lvl="7" indent="-304800">
               <a:spcBef>
                 <a:spcPts val="1600"/>
               </a:spcBef>
@@ -3957,7 +4079,7 @@
               <a:buChar char="○"/>
               <a:defRPr sz="1200"/>
             </a:lvl8pPr>
-            <a:lvl9pPr indent="-304800" lvl="8" marL="4114800">
+            <a:lvl9pPr marL="4114800" lvl="8" indent="-304800">
               <a:spcBef>
                 <a:spcPts val="1600"/>
               </a:spcBef>
@@ -3969,15 +4091,19 @@
               <a:defRPr sz="1200"/>
             </a:lvl9pPr>
           </a:lstStyle>
-          <a:p/>
+          <a:p>
+            <a:endParaRPr/>
+          </a:p>
         </p:txBody>
       </p:sp>
       <p:sp>
         <p:nvSpPr>
           <p:cNvPr id="31" name="Google Shape;31;p7"/>
-          <p:cNvSpPr txBox="1"/>
+          <p:cNvSpPr txBox="1">
+            <a:spLocks noGrp="1"/>
+          </p:cNvSpPr>
           <p:nvPr>
-            <p:ph idx="12" type="sldNum"/>
+            <p:ph type="sldNum" idx="12"/>
           </p:nvPr>
         </p:nvSpPr>
         <p:spPr>
@@ -3990,7 +4116,7 @@
           </a:prstGeom>
         </p:spPr>
         <p:txBody>
-          <a:bodyPr anchorCtr="0" anchor="ctr" bIns="91425" lIns="91425" spcFirstLastPara="1" rIns="91425" wrap="square" tIns="91425">
+          <a:bodyPr spcFirstLastPara="1" wrap="square" lIns="91425" tIns="91425" rIns="91425" bIns="91425" anchor="ctr" anchorCtr="0">
             <a:noAutofit/>
           </a:bodyPr>
           <a:lstStyle>
@@ -4032,7 +4158,7 @@
             </a:lvl9pPr>
           </a:lstStyle>
           <a:p>
-            <a:pPr indent="0" lvl="0" marL="0" rtl="0" algn="r">
+            <a:pPr marL="0" lvl="0" indent="0" algn="r" rtl="0">
               <a:spcBef>
                 <a:spcPts val="0"/>
               </a:spcBef>
@@ -4058,11 +4184,11 @@
 </file>
 
 <file path=ppt/slideLayouts/slideLayout7.xml><?xml version="1.0" encoding="utf-8"?>
-<p:sldLayout xmlns:a="http://schemas.openxmlformats.org/drawingml/2006/main" xmlns:r="http://schemas.openxmlformats.org/officeDocument/2006/relationships" xmlns:mc="http://schemas.openxmlformats.org/markup-compatibility/2006" xmlns:mv="urn:schemas-microsoft-com:mac:vml" xmlns:p="http://schemas.openxmlformats.org/presentationml/2006/main" xmlns:c="http://schemas.openxmlformats.org/drawingml/2006/chart" xmlns:dgm="http://schemas.openxmlformats.org/drawingml/2006/diagram" xmlns:o="urn:schemas-microsoft-com:office:office" xmlns:v="urn:schemas-microsoft-com:vml" xmlns:pvml="urn:schemas-microsoft-com:office:powerpoint" xmlns:com="http://schemas.openxmlformats.org/drawingml/2006/compatibility" xmlns:p14="http://schemas.microsoft.com/office/powerpoint/2010/main" xmlns:p15="http://schemas.microsoft.com/office/powerpoint/2012/main" xmlns:ahyp="http://schemas.microsoft.com/office/drawing/2018/hyperlinkcolor" matchingName="Main point">
+<p:sldLayout xmlns:a="http://schemas.openxmlformats.org/drawingml/2006/main" xmlns:r="http://schemas.openxmlformats.org/officeDocument/2006/relationships" xmlns:p="http://schemas.openxmlformats.org/presentationml/2006/main" matchingName="Main point">
   <p:cSld name="MAIN_POINT">
     <p:spTree>
       <p:nvGrpSpPr>
-        <p:cNvPr id="32" name="Shape 32"/>
+        <p:cNvPr id="1" name="Shape 32"/>
         <p:cNvGrpSpPr/>
         <p:nvPr/>
       </p:nvGrpSpPr>
@@ -4077,7 +4203,9 @@
       <p:sp>
         <p:nvSpPr>
           <p:cNvPr id="33" name="Google Shape;33;p8"/>
-          <p:cNvSpPr txBox="1"/>
+          <p:cNvSpPr txBox="1">
+            <a:spLocks noGrp="1"/>
+          </p:cNvSpPr>
           <p:nvPr>
             <p:ph type="title"/>
           </p:nvPr>
@@ -4092,7 +4220,7 @@
           </a:prstGeom>
         </p:spPr>
         <p:txBody>
-          <a:bodyPr anchorCtr="0" anchor="ctr" bIns="91425" lIns="91425" spcFirstLastPara="1" rIns="91425" wrap="square" tIns="91425">
+          <a:bodyPr spcFirstLastPara="1" wrap="square" lIns="91425" tIns="91425" rIns="91425" bIns="91425" anchor="ctr" anchorCtr="0">
             <a:noAutofit/>
           </a:bodyPr>
           <a:lstStyle>
@@ -4196,15 +4324,19 @@
               <a:defRPr sz="4800"/>
             </a:lvl9pPr>
           </a:lstStyle>
-          <a:p/>
+          <a:p>
+            <a:endParaRPr/>
+          </a:p>
         </p:txBody>
       </p:sp>
       <p:sp>
         <p:nvSpPr>
           <p:cNvPr id="34" name="Google Shape;34;p8"/>
-          <p:cNvSpPr txBox="1"/>
+          <p:cNvSpPr txBox="1">
+            <a:spLocks noGrp="1"/>
+          </p:cNvSpPr>
           <p:nvPr>
-            <p:ph idx="12" type="sldNum"/>
+            <p:ph type="sldNum" idx="12"/>
           </p:nvPr>
         </p:nvSpPr>
         <p:spPr>
@@ -4217,7 +4349,7 @@
           </a:prstGeom>
         </p:spPr>
         <p:txBody>
-          <a:bodyPr anchorCtr="0" anchor="ctr" bIns="91425" lIns="91425" spcFirstLastPara="1" rIns="91425" wrap="square" tIns="91425">
+          <a:bodyPr spcFirstLastPara="1" wrap="square" lIns="91425" tIns="91425" rIns="91425" bIns="91425" anchor="ctr" anchorCtr="0">
             <a:noAutofit/>
           </a:bodyPr>
           <a:lstStyle>
@@ -4259,7 +4391,7 @@
             </a:lvl9pPr>
           </a:lstStyle>
           <a:p>
-            <a:pPr indent="0" lvl="0" marL="0" rtl="0" algn="r">
+            <a:pPr marL="0" lvl="0" indent="0" algn="r" rtl="0">
               <a:spcBef>
                 <a:spcPts val="0"/>
               </a:spcBef>
@@ -4285,11 +4417,11 @@
 </file>
 
 <file path=ppt/slideLayouts/slideLayout8.xml><?xml version="1.0" encoding="utf-8"?>
-<p:sldLayout xmlns:a="http://schemas.openxmlformats.org/drawingml/2006/main" xmlns:r="http://schemas.openxmlformats.org/officeDocument/2006/relationships" xmlns:mc="http://schemas.openxmlformats.org/markup-compatibility/2006" xmlns:mv="urn:schemas-microsoft-com:mac:vml" xmlns:p="http://schemas.openxmlformats.org/presentationml/2006/main" xmlns:c="http://schemas.openxmlformats.org/drawingml/2006/chart" xmlns:dgm="http://schemas.openxmlformats.org/drawingml/2006/diagram" xmlns:o="urn:schemas-microsoft-com:office:office" xmlns:v="urn:schemas-microsoft-com:vml" xmlns:pvml="urn:schemas-microsoft-com:office:powerpoint" xmlns:com="http://schemas.openxmlformats.org/drawingml/2006/compatibility" xmlns:p14="http://schemas.microsoft.com/office/powerpoint/2010/main" xmlns:p15="http://schemas.microsoft.com/office/powerpoint/2012/main" xmlns:ahyp="http://schemas.microsoft.com/office/drawing/2018/hyperlinkcolor" matchingName="Section title and description">
+<p:sldLayout xmlns:a="http://schemas.openxmlformats.org/drawingml/2006/main" xmlns:r="http://schemas.openxmlformats.org/officeDocument/2006/relationships" xmlns:p="http://schemas.openxmlformats.org/presentationml/2006/main" matchingName="Section title and description">
   <p:cSld name="SECTION_TITLE_AND_DESCRIPTION">
     <p:spTree>
       <p:nvGrpSpPr>
-        <p:cNvPr id="35" name="Shape 35"/>
+        <p:cNvPr id="1" name="Shape 35"/>
         <p:cNvGrpSpPr/>
         <p:nvPr/>
       </p:nvGrpSpPr>
@@ -4323,12 +4455,12 @@
           </a:ln>
         </p:spPr>
         <p:txBody>
-          <a:bodyPr anchorCtr="0" anchor="ctr" bIns="91425" lIns="91425" spcFirstLastPara="1" rIns="91425" wrap="square" tIns="91425">
+          <a:bodyPr spcFirstLastPara="1" wrap="square" lIns="91425" tIns="91425" rIns="91425" bIns="91425" anchor="ctr" anchorCtr="0">
             <a:noAutofit/>
           </a:bodyPr>
           <a:lstStyle/>
           <a:p>
-            <a:pPr indent="0" lvl="0" marL="0" rtl="0" algn="l">
+            <a:pPr marL="0" lvl="0" indent="0" algn="l" rtl="0">
               <a:spcBef>
                 <a:spcPts val="0"/>
               </a:spcBef>
@@ -4337,9 +4469,6 @@
               </a:spcAft>
               <a:buNone/>
             </a:pPr>
-            <a:r>
-              <a:t/>
-            </a:r>
             <a:endParaRPr/>
           </a:p>
         </p:txBody>
@@ -4347,7 +4476,9 @@
       <p:sp>
         <p:nvSpPr>
           <p:cNvPr id="37" name="Google Shape;37;p9"/>
-          <p:cNvSpPr txBox="1"/>
+          <p:cNvSpPr txBox="1">
+            <a:spLocks noGrp="1"/>
+          </p:cNvSpPr>
           <p:nvPr>
             <p:ph type="title"/>
           </p:nvPr>
@@ -4362,7 +4493,7 @@
           </a:prstGeom>
         </p:spPr>
         <p:txBody>
-          <a:bodyPr anchorCtr="0" anchor="b" bIns="91425" lIns="91425" spcFirstLastPara="1" rIns="91425" wrap="square" tIns="91425">
+          <a:bodyPr spcFirstLastPara="1" wrap="square" lIns="91425" tIns="91425" rIns="91425" bIns="91425" anchor="b" anchorCtr="0">
             <a:noAutofit/>
           </a:bodyPr>
           <a:lstStyle>
@@ -4466,15 +4597,19 @@
               <a:defRPr sz="4200"/>
             </a:lvl9pPr>
           </a:lstStyle>
-          <a:p/>
+          <a:p>
+            <a:endParaRPr/>
+          </a:p>
         </p:txBody>
       </p:sp>
       <p:sp>
         <p:nvSpPr>
           <p:cNvPr id="38" name="Google Shape;38;p9"/>
-          <p:cNvSpPr txBox="1"/>
+          <p:cNvSpPr txBox="1">
+            <a:spLocks noGrp="1"/>
+          </p:cNvSpPr>
           <p:nvPr>
-            <p:ph idx="1" type="subTitle"/>
+            <p:ph type="subTitle" idx="1"/>
           </p:nvPr>
         </p:nvSpPr>
         <p:spPr>
@@ -4487,7 +4622,7 @@
           </a:prstGeom>
         </p:spPr>
         <p:txBody>
-          <a:bodyPr anchorCtr="0" anchor="t" bIns="91425" lIns="91425" spcFirstLastPara="1" rIns="91425" wrap="square" tIns="91425">
+          <a:bodyPr spcFirstLastPara="1" wrap="square" lIns="91425" tIns="91425" rIns="91425" bIns="91425" anchor="t" anchorCtr="0">
             <a:noAutofit/>
           </a:bodyPr>
           <a:lstStyle>
@@ -4618,15 +4753,19 @@
               <a:defRPr sz="2100"/>
             </a:lvl9pPr>
           </a:lstStyle>
-          <a:p/>
+          <a:p>
+            <a:endParaRPr/>
+          </a:p>
         </p:txBody>
       </p:sp>
       <p:sp>
         <p:nvSpPr>
           <p:cNvPr id="39" name="Google Shape;39;p9"/>
-          <p:cNvSpPr txBox="1"/>
+          <p:cNvSpPr txBox="1">
+            <a:spLocks noGrp="1"/>
+          </p:cNvSpPr>
           <p:nvPr>
-            <p:ph idx="2" type="body"/>
+            <p:ph type="body" idx="2"/>
           </p:nvPr>
         </p:nvSpPr>
         <p:spPr>
@@ -4639,11 +4778,11 @@
           </a:prstGeom>
         </p:spPr>
         <p:txBody>
-          <a:bodyPr anchorCtr="0" anchor="ctr" bIns="91425" lIns="91425" spcFirstLastPara="1" rIns="91425" wrap="square" tIns="91425">
+          <a:bodyPr spcFirstLastPara="1" wrap="square" lIns="91425" tIns="91425" rIns="91425" bIns="91425" anchor="ctr" anchorCtr="0">
             <a:noAutofit/>
           </a:bodyPr>
           <a:lstStyle>
-            <a:lvl1pPr indent="-342900" lvl="0" marL="457200">
+            <a:lvl1pPr marL="457200" lvl="0" indent="-342900">
               <a:spcBef>
                 <a:spcPts val="0"/>
               </a:spcBef>
@@ -4654,7 +4793,7 @@
               <a:buChar char="●"/>
               <a:defRPr/>
             </a:lvl1pPr>
-            <a:lvl2pPr indent="-317500" lvl="1" marL="914400">
+            <a:lvl2pPr marL="914400" lvl="1" indent="-317500">
               <a:spcBef>
                 <a:spcPts val="1600"/>
               </a:spcBef>
@@ -4665,7 +4804,7 @@
               <a:buChar char="○"/>
               <a:defRPr/>
             </a:lvl2pPr>
-            <a:lvl3pPr indent="-317500" lvl="2" marL="1371600">
+            <a:lvl3pPr marL="1371600" lvl="2" indent="-317500">
               <a:spcBef>
                 <a:spcPts val="1600"/>
               </a:spcBef>
@@ -4676,7 +4815,7 @@
               <a:buChar char="■"/>
               <a:defRPr/>
             </a:lvl3pPr>
-            <a:lvl4pPr indent="-317500" lvl="3" marL="1828800">
+            <a:lvl4pPr marL="1828800" lvl="3" indent="-317500">
               <a:spcBef>
                 <a:spcPts val="1600"/>
               </a:spcBef>
@@ -4687,7 +4826,7 @@
               <a:buChar char="●"/>
               <a:defRPr/>
             </a:lvl4pPr>
-            <a:lvl5pPr indent="-317500" lvl="4" marL="2286000">
+            <a:lvl5pPr marL="2286000" lvl="4" indent="-317500">
               <a:spcBef>
                 <a:spcPts val="1600"/>
               </a:spcBef>
@@ -4698,7 +4837,7 @@
               <a:buChar char="○"/>
               <a:defRPr/>
             </a:lvl5pPr>
-            <a:lvl6pPr indent="-317500" lvl="5" marL="2743200">
+            <a:lvl6pPr marL="2743200" lvl="5" indent="-317500">
               <a:spcBef>
                 <a:spcPts val="1600"/>
               </a:spcBef>
@@ -4709,7 +4848,7 @@
               <a:buChar char="■"/>
               <a:defRPr/>
             </a:lvl6pPr>
-            <a:lvl7pPr indent="-317500" lvl="6" marL="3200400">
+            <a:lvl7pPr marL="3200400" lvl="6" indent="-317500">
               <a:spcBef>
                 <a:spcPts val="1600"/>
               </a:spcBef>
@@ -4720,7 +4859,7 @@
               <a:buChar char="●"/>
               <a:defRPr/>
             </a:lvl7pPr>
-            <a:lvl8pPr indent="-317500" lvl="7" marL="3657600">
+            <a:lvl8pPr marL="3657600" lvl="7" indent="-317500">
               <a:spcBef>
                 <a:spcPts val="1600"/>
               </a:spcBef>
@@ -4731,7 +4870,7 @@
               <a:buChar char="○"/>
               <a:defRPr/>
             </a:lvl8pPr>
-            <a:lvl9pPr indent="-317500" lvl="8" marL="4114800">
+            <a:lvl9pPr marL="4114800" lvl="8" indent="-317500">
               <a:spcBef>
                 <a:spcPts val="1600"/>
               </a:spcBef>
@@ -4743,15 +4882,19 @@
               <a:defRPr/>
             </a:lvl9pPr>
           </a:lstStyle>
-          <a:p/>
+          <a:p>
+            <a:endParaRPr/>
+          </a:p>
         </p:txBody>
       </p:sp>
       <p:sp>
         <p:nvSpPr>
           <p:cNvPr id="40" name="Google Shape;40;p9"/>
-          <p:cNvSpPr txBox="1"/>
+          <p:cNvSpPr txBox="1">
+            <a:spLocks noGrp="1"/>
+          </p:cNvSpPr>
           <p:nvPr>
-            <p:ph idx="12" type="sldNum"/>
+            <p:ph type="sldNum" idx="12"/>
           </p:nvPr>
         </p:nvSpPr>
         <p:spPr>
@@ -4764,7 +4907,7 @@
           </a:prstGeom>
         </p:spPr>
         <p:txBody>
-          <a:bodyPr anchorCtr="0" anchor="ctr" bIns="91425" lIns="91425" spcFirstLastPara="1" rIns="91425" wrap="square" tIns="91425">
+          <a:bodyPr spcFirstLastPara="1" wrap="square" lIns="91425" tIns="91425" rIns="91425" bIns="91425" anchor="ctr" anchorCtr="0">
             <a:noAutofit/>
           </a:bodyPr>
           <a:lstStyle>
@@ -4806,7 +4949,7 @@
             </a:lvl9pPr>
           </a:lstStyle>
           <a:p>
-            <a:pPr indent="0" lvl="0" marL="0" rtl="0" algn="r">
+            <a:pPr marL="0" lvl="0" indent="0" algn="r" rtl="0">
               <a:spcBef>
                 <a:spcPts val="0"/>
               </a:spcBef>
@@ -4832,11 +4975,11 @@
 </file>
 
 <file path=ppt/slideLayouts/slideLayout9.xml><?xml version="1.0" encoding="utf-8"?>
-<p:sldLayout xmlns:a="http://schemas.openxmlformats.org/drawingml/2006/main" xmlns:r="http://schemas.openxmlformats.org/officeDocument/2006/relationships" xmlns:mc="http://schemas.openxmlformats.org/markup-compatibility/2006" xmlns:mv="urn:schemas-microsoft-com:mac:vml" xmlns:p="http://schemas.openxmlformats.org/presentationml/2006/main" xmlns:c="http://schemas.openxmlformats.org/drawingml/2006/chart" xmlns:dgm="http://schemas.openxmlformats.org/drawingml/2006/diagram" xmlns:o="urn:schemas-microsoft-com:office:office" xmlns:v="urn:schemas-microsoft-com:vml" xmlns:pvml="urn:schemas-microsoft-com:office:powerpoint" xmlns:com="http://schemas.openxmlformats.org/drawingml/2006/compatibility" xmlns:p14="http://schemas.microsoft.com/office/powerpoint/2010/main" xmlns:p15="http://schemas.microsoft.com/office/powerpoint/2012/main" xmlns:ahyp="http://schemas.microsoft.com/office/drawing/2018/hyperlinkcolor" matchingName="Caption">
+<p:sldLayout xmlns:a="http://schemas.openxmlformats.org/drawingml/2006/main" xmlns:r="http://schemas.openxmlformats.org/officeDocument/2006/relationships" xmlns:p="http://schemas.openxmlformats.org/presentationml/2006/main" matchingName="Caption">
   <p:cSld name="CAPTION_ONLY">
     <p:spTree>
       <p:nvGrpSpPr>
-        <p:cNvPr id="41" name="Shape 41"/>
+        <p:cNvPr id="1" name="Shape 41"/>
         <p:cNvGrpSpPr/>
         <p:nvPr/>
       </p:nvGrpSpPr>
@@ -4851,9 +4994,11 @@
       <p:sp>
         <p:nvSpPr>
           <p:cNvPr id="42" name="Google Shape;42;p10"/>
-          <p:cNvSpPr txBox="1"/>
+          <p:cNvSpPr txBox="1">
+            <a:spLocks noGrp="1"/>
+          </p:cNvSpPr>
           <p:nvPr>
-            <p:ph idx="1" type="body"/>
+            <p:ph type="body" idx="1"/>
           </p:nvPr>
         </p:nvSpPr>
         <p:spPr>
@@ -4866,11 +5011,11 @@
           </a:prstGeom>
         </p:spPr>
         <p:txBody>
-          <a:bodyPr anchorCtr="0" anchor="ctr" bIns="91425" lIns="91425" spcFirstLastPara="1" rIns="91425" wrap="square" tIns="91425">
+          <a:bodyPr spcFirstLastPara="1" wrap="square" lIns="91425" tIns="91425" rIns="91425" bIns="91425" anchor="ctr" anchorCtr="0">
             <a:noAutofit/>
           </a:bodyPr>
           <a:lstStyle>
-            <a:lvl1pPr indent="-228600" lvl="0" marL="457200">
+            <a:lvl1pPr marL="457200" lvl="0" indent="-228600">
               <a:lnSpc>
                 <a:spcPct val="100000"/>
               </a:lnSpc>
@@ -4885,15 +5030,19 @@
               <a:defRPr/>
             </a:lvl1pPr>
           </a:lstStyle>
-          <a:p/>
+          <a:p>
+            <a:endParaRPr/>
+          </a:p>
         </p:txBody>
       </p:sp>
       <p:sp>
         <p:nvSpPr>
           <p:cNvPr id="43" name="Google Shape;43;p10"/>
-          <p:cNvSpPr txBox="1"/>
+          <p:cNvSpPr txBox="1">
+            <a:spLocks noGrp="1"/>
+          </p:cNvSpPr>
           <p:nvPr>
-            <p:ph idx="12" type="sldNum"/>
+            <p:ph type="sldNum" idx="12"/>
           </p:nvPr>
         </p:nvSpPr>
         <p:spPr>
@@ -4906,7 +5055,7 @@
           </a:prstGeom>
         </p:spPr>
         <p:txBody>
-          <a:bodyPr anchorCtr="0" anchor="ctr" bIns="91425" lIns="91425" spcFirstLastPara="1" rIns="91425" wrap="square" tIns="91425">
+          <a:bodyPr spcFirstLastPara="1" wrap="square" lIns="91425" tIns="91425" rIns="91425" bIns="91425" anchor="ctr" anchorCtr="0">
             <a:noAutofit/>
           </a:bodyPr>
           <a:lstStyle>
@@ -4948,7 +5097,7 @@
             </a:lvl9pPr>
           </a:lstStyle>
           <a:p>
-            <a:pPr indent="0" lvl="0" marL="0" rtl="0" algn="r">
+            <a:pPr marL="0" lvl="0" indent="0" algn="r" rtl="0">
               <a:spcBef>
                 <a:spcPts val="0"/>
               </a:spcBef>
@@ -4974,18 +5123,19 @@
 </file>
 
 <file path=ppt/slideMasters/slideMaster1.xml><?xml version="1.0" encoding="utf-8"?>
-<p:sldMaster xmlns:a="http://schemas.openxmlformats.org/drawingml/2006/main" xmlns:r="http://schemas.openxmlformats.org/officeDocument/2006/relationships" xmlns:mc="http://schemas.openxmlformats.org/markup-compatibility/2006" xmlns:mv="urn:schemas-microsoft-com:mac:vml" xmlns:p="http://schemas.openxmlformats.org/presentationml/2006/main" xmlns:c="http://schemas.openxmlformats.org/drawingml/2006/chart" xmlns:dgm="http://schemas.openxmlformats.org/drawingml/2006/diagram" xmlns:o="urn:schemas-microsoft-com:office:office" xmlns:v="urn:schemas-microsoft-com:vml" xmlns:pvml="urn:schemas-microsoft-com:office:powerpoint" xmlns:com="http://schemas.openxmlformats.org/drawingml/2006/compatibility" xmlns:p14="http://schemas.microsoft.com/office/powerpoint/2010/main" xmlns:p15="http://schemas.microsoft.com/office/powerpoint/2012/main" xmlns:ahyp="http://schemas.microsoft.com/office/drawing/2018/hyperlinkcolor">
+<p:sldMaster xmlns:a="http://schemas.openxmlformats.org/drawingml/2006/main" xmlns:r="http://schemas.openxmlformats.org/officeDocument/2006/relationships" xmlns:p="http://schemas.openxmlformats.org/presentationml/2006/main">
   <p:cSld name="simple-light-2">
     <p:bg>
       <p:bgPr>
         <a:solidFill>
           <a:schemeClr val="lt1"/>
         </a:solidFill>
+        <a:effectLst/>
       </p:bgPr>
     </p:bg>
     <p:spTree>
       <p:nvGrpSpPr>
-        <p:cNvPr id="5" name="Shape 5"/>
+        <p:cNvPr id="1" name="Shape 5"/>
         <p:cNvGrpSpPr/>
         <p:nvPr/>
       </p:nvGrpSpPr>
@@ -5000,7 +5150,9 @@
       <p:sp>
         <p:nvSpPr>
           <p:cNvPr id="6" name="Google Shape;6;p1"/>
-          <p:cNvSpPr txBox="1"/>
+          <p:cNvSpPr txBox="1">
+            <a:spLocks noGrp="1"/>
+          </p:cNvSpPr>
           <p:nvPr>
             <p:ph type="title"/>
           </p:nvPr>
@@ -5019,7 +5171,7 @@
           </a:ln>
         </p:spPr>
         <p:txBody>
-          <a:bodyPr anchorCtr="0" anchor="t" bIns="91425" lIns="91425" spcFirstLastPara="1" rIns="91425" wrap="square" tIns="91425">
+          <a:bodyPr spcFirstLastPara="1" wrap="square" lIns="91425" tIns="91425" rIns="91425" bIns="91425" anchor="t" anchorCtr="0">
             <a:noAutofit/>
           </a:bodyPr>
           <a:lstStyle>
@@ -5186,15 +5338,19 @@
               </a:defRPr>
             </a:lvl9pPr>
           </a:lstStyle>
-          <a:p/>
+          <a:p>
+            <a:endParaRPr/>
+          </a:p>
         </p:txBody>
       </p:sp>
       <p:sp>
         <p:nvSpPr>
           <p:cNvPr id="7" name="Google Shape;7;p1"/>
-          <p:cNvSpPr txBox="1"/>
+          <p:cNvSpPr txBox="1">
+            <a:spLocks noGrp="1"/>
+          </p:cNvSpPr>
           <p:nvPr>
-            <p:ph idx="1" type="body"/>
+            <p:ph type="body" idx="1"/>
           </p:nvPr>
         </p:nvSpPr>
         <p:spPr>
@@ -5211,11 +5367,11 @@
           </a:ln>
         </p:spPr>
         <p:txBody>
-          <a:bodyPr anchorCtr="0" anchor="t" bIns="91425" lIns="91425" spcFirstLastPara="1" rIns="91425" wrap="square" tIns="91425">
+          <a:bodyPr spcFirstLastPara="1" wrap="square" lIns="91425" tIns="91425" rIns="91425" bIns="91425" anchor="t" anchorCtr="0">
             <a:noAutofit/>
           </a:bodyPr>
           <a:lstStyle>
-            <a:lvl1pPr indent="-342900" lvl="0" marL="457200">
+            <a:lvl1pPr marL="457200" lvl="0" indent="-342900">
               <a:lnSpc>
                 <a:spcPct val="115000"/>
               </a:lnSpc>
@@ -5236,7 +5392,7 @@
                 </a:solidFill>
               </a:defRPr>
             </a:lvl1pPr>
-            <a:lvl2pPr indent="-317500" lvl="1" marL="914400">
+            <a:lvl2pPr marL="914400" lvl="1" indent="-317500">
               <a:lnSpc>
                 <a:spcPct val="115000"/>
               </a:lnSpc>
@@ -5257,7 +5413,7 @@
                 </a:solidFill>
               </a:defRPr>
             </a:lvl2pPr>
-            <a:lvl3pPr indent="-317500" lvl="2" marL="1371600">
+            <a:lvl3pPr marL="1371600" lvl="2" indent="-317500">
               <a:lnSpc>
                 <a:spcPct val="115000"/>
               </a:lnSpc>
@@ -5278,7 +5434,7 @@
                 </a:solidFill>
               </a:defRPr>
             </a:lvl3pPr>
-            <a:lvl4pPr indent="-317500" lvl="3" marL="1828800">
+            <a:lvl4pPr marL="1828800" lvl="3" indent="-317500">
               <a:lnSpc>
                 <a:spcPct val="115000"/>
               </a:lnSpc>
@@ -5299,7 +5455,7 @@
                 </a:solidFill>
               </a:defRPr>
             </a:lvl4pPr>
-            <a:lvl5pPr indent="-317500" lvl="4" marL="2286000">
+            <a:lvl5pPr marL="2286000" lvl="4" indent="-317500">
               <a:lnSpc>
                 <a:spcPct val="115000"/>
               </a:lnSpc>
@@ -5320,7 +5476,7 @@
                 </a:solidFill>
               </a:defRPr>
             </a:lvl5pPr>
-            <a:lvl6pPr indent="-317500" lvl="5" marL="2743200">
+            <a:lvl6pPr marL="2743200" lvl="5" indent="-317500">
               <a:lnSpc>
                 <a:spcPct val="115000"/>
               </a:lnSpc>
@@ -5341,7 +5497,7 @@
                 </a:solidFill>
               </a:defRPr>
             </a:lvl6pPr>
-            <a:lvl7pPr indent="-317500" lvl="6" marL="3200400">
+            <a:lvl7pPr marL="3200400" lvl="6" indent="-317500">
               <a:lnSpc>
                 <a:spcPct val="115000"/>
               </a:lnSpc>
@@ -5362,7 +5518,7 @@
                 </a:solidFill>
               </a:defRPr>
             </a:lvl7pPr>
-            <a:lvl8pPr indent="-317500" lvl="7" marL="3657600">
+            <a:lvl8pPr marL="3657600" lvl="7" indent="-317500">
               <a:lnSpc>
                 <a:spcPct val="115000"/>
               </a:lnSpc>
@@ -5383,7 +5539,7 @@
                 </a:solidFill>
               </a:defRPr>
             </a:lvl8pPr>
-            <a:lvl9pPr indent="-317500" lvl="8" marL="4114800">
+            <a:lvl9pPr marL="4114800" lvl="8" indent="-317500">
               <a:lnSpc>
                 <a:spcPct val="115000"/>
               </a:lnSpc>
@@ -5405,15 +5561,19 @@
               </a:defRPr>
             </a:lvl9pPr>
           </a:lstStyle>
-          <a:p/>
+          <a:p>
+            <a:endParaRPr/>
+          </a:p>
         </p:txBody>
       </p:sp>
       <p:sp>
         <p:nvSpPr>
           <p:cNvPr id="8" name="Google Shape;8;p1"/>
-          <p:cNvSpPr txBox="1"/>
+          <p:cNvSpPr txBox="1">
+            <a:spLocks noGrp="1"/>
+          </p:cNvSpPr>
           <p:nvPr>
-            <p:ph idx="12" type="sldNum"/>
+            <p:ph type="sldNum" idx="12"/>
           </p:nvPr>
         </p:nvSpPr>
         <p:spPr>
@@ -5430,7 +5590,7 @@
           </a:ln>
         </p:spPr>
         <p:txBody>
-          <a:bodyPr anchorCtr="0" anchor="ctr" bIns="91425" lIns="91425" spcFirstLastPara="1" rIns="91425" wrap="square" tIns="91425">
+          <a:bodyPr spcFirstLastPara="1" wrap="square" lIns="91425" tIns="91425" rIns="91425" bIns="91425" anchor="ctr" anchorCtr="0">
             <a:noAutofit/>
           </a:bodyPr>
           <a:lstStyle>
@@ -5508,7 +5668,7 @@
             </a:lvl9pPr>
           </a:lstStyle>
           <a:p>
-            <a:pPr indent="0" lvl="0" marL="0" rtl="0" algn="r">
+            <a:pPr marL="0" lvl="0" indent="0" algn="r" rtl="0">
               <a:spcBef>
                 <a:spcPts val="0"/>
               </a:spcBef>
@@ -5527,7 +5687,7 @@
       </p:sp>
     </p:spTree>
   </p:cSld>
-  <p:clrMap accent1="accent1" accent2="accent2" accent3="accent3" accent4="accent4" accent5="accent5" accent6="accent6" bg1="lt1" bg2="dk2" tx1="dk1" tx2="lt2" folHlink="folHlink" hlink="hlink"/>
+  <p:clrMap bg1="lt1" tx1="dk1" bg2="dk2" tx2="lt2" accent1="accent1" accent2="accent2" accent3="accent3" accent4="accent4" accent5="accent5" accent6="accent6" hlink="hlink" folHlink="folHlink"/>
   <p:sldLayoutIdLst>
     <p:sldLayoutId id="2147483648" r:id="rId1"/>
     <p:sldLayoutId id="2147483649" r:id="rId2"/>
@@ -5541,10 +5701,10 @@
     <p:sldLayoutId id="2147483657" r:id="rId10"/>
     <p:sldLayoutId id="2147483658" r:id="rId11"/>
   </p:sldLayoutIdLst>
-  <p:hf dt="0" ftr="0" hdr="0" sldNum="0"/>
+  <p:hf sldNum="0" hdr="0" ftr="0" dt="0"/>
   <p:txStyles>
     <p:titleStyle>
-      <a:defPPr lvl="0" marR="0" rtl="0" algn="l">
+      <a:defPPr marR="0" lvl="0" algn="l" rtl="0">
         <a:lnSpc>
           <a:spcPct val="100000"/>
         </a:lnSpc>
@@ -5555,7 +5715,7 @@
           <a:spcPts val="0"/>
         </a:spcAft>
       </a:defPPr>
-      <a:lvl1pPr lvl="0" marR="0" rtl="0" algn="l">
+      <a:lvl1pPr marR="0" lvl="0" algn="l" rtl="0">
         <a:lnSpc>
           <a:spcPct val="100000"/>
         </a:lnSpc>
@@ -5569,7 +5729,7 @@
           <a:srgbClr val="000000"/>
         </a:buClr>
         <a:buFont typeface="Arial"/>
-        <a:defRPr b="0" i="0" sz="1400" u="none" cap="none" strike="noStrike">
+        <a:defRPr sz="1400" b="0" i="0" u="none" strike="noStrike" cap="none">
           <a:solidFill>
             <a:srgbClr val="000000"/>
           </a:solidFill>
@@ -5579,7 +5739,7 @@
           <a:sym typeface="Arial"/>
         </a:defRPr>
       </a:lvl1pPr>
-      <a:lvl2pPr lvl="1" marR="0" rtl="0" algn="l">
+      <a:lvl2pPr marR="0" lvl="1" algn="l" rtl="0">
         <a:lnSpc>
           <a:spcPct val="100000"/>
         </a:lnSpc>
@@ -5593,7 +5753,7 @@
           <a:srgbClr val="000000"/>
         </a:buClr>
         <a:buFont typeface="Arial"/>
-        <a:defRPr b="0" i="0" sz="1400" u="none" cap="none" strike="noStrike">
+        <a:defRPr sz="1400" b="0" i="0" u="none" strike="noStrike" cap="none">
           <a:solidFill>
             <a:srgbClr val="000000"/>
           </a:solidFill>
@@ -5603,7 +5763,7 @@
           <a:sym typeface="Arial"/>
         </a:defRPr>
       </a:lvl2pPr>
-      <a:lvl3pPr lvl="2" marR="0" rtl="0" algn="l">
+      <a:lvl3pPr marR="0" lvl="2" algn="l" rtl="0">
         <a:lnSpc>
           <a:spcPct val="100000"/>
         </a:lnSpc>
@@ -5617,7 +5777,7 @@
           <a:srgbClr val="000000"/>
         </a:buClr>
         <a:buFont typeface="Arial"/>
-        <a:defRPr b="0" i="0" sz="1400" u="none" cap="none" strike="noStrike">
+        <a:defRPr sz="1400" b="0" i="0" u="none" strike="noStrike" cap="none">
           <a:solidFill>
             <a:srgbClr val="000000"/>
           </a:solidFill>
@@ -5627,7 +5787,7 @@
           <a:sym typeface="Arial"/>
         </a:defRPr>
       </a:lvl3pPr>
-      <a:lvl4pPr lvl="3" marR="0" rtl="0" algn="l">
+      <a:lvl4pPr marR="0" lvl="3" algn="l" rtl="0">
         <a:lnSpc>
           <a:spcPct val="100000"/>
         </a:lnSpc>
@@ -5641,7 +5801,7 @@
           <a:srgbClr val="000000"/>
         </a:buClr>
         <a:buFont typeface="Arial"/>
-        <a:defRPr b="0" i="0" sz="1400" u="none" cap="none" strike="noStrike">
+        <a:defRPr sz="1400" b="0" i="0" u="none" strike="noStrike" cap="none">
           <a:solidFill>
             <a:srgbClr val="000000"/>
           </a:solidFill>
@@ -5651,7 +5811,7 @@
           <a:sym typeface="Arial"/>
         </a:defRPr>
       </a:lvl4pPr>
-      <a:lvl5pPr lvl="4" marR="0" rtl="0" algn="l">
+      <a:lvl5pPr marR="0" lvl="4" algn="l" rtl="0">
         <a:lnSpc>
           <a:spcPct val="100000"/>
         </a:lnSpc>
@@ -5665,7 +5825,7 @@
           <a:srgbClr val="000000"/>
         </a:buClr>
         <a:buFont typeface="Arial"/>
-        <a:defRPr b="0" i="0" sz="1400" u="none" cap="none" strike="noStrike">
+        <a:defRPr sz="1400" b="0" i="0" u="none" strike="noStrike" cap="none">
           <a:solidFill>
             <a:srgbClr val="000000"/>
           </a:solidFill>
@@ -5675,7 +5835,7 @@
           <a:sym typeface="Arial"/>
         </a:defRPr>
       </a:lvl5pPr>
-      <a:lvl6pPr lvl="5" marR="0" rtl="0" algn="l">
+      <a:lvl6pPr marR="0" lvl="5" algn="l" rtl="0">
         <a:lnSpc>
           <a:spcPct val="100000"/>
         </a:lnSpc>
@@ -5689,7 +5849,7 @@
           <a:srgbClr val="000000"/>
         </a:buClr>
         <a:buFont typeface="Arial"/>
-        <a:defRPr b="0" i="0" sz="1400" u="none" cap="none" strike="noStrike">
+        <a:defRPr sz="1400" b="0" i="0" u="none" strike="noStrike" cap="none">
           <a:solidFill>
             <a:srgbClr val="000000"/>
           </a:solidFill>
@@ -5699,7 +5859,7 @@
           <a:sym typeface="Arial"/>
         </a:defRPr>
       </a:lvl6pPr>
-      <a:lvl7pPr lvl="6" marR="0" rtl="0" algn="l">
+      <a:lvl7pPr marR="0" lvl="6" algn="l" rtl="0">
         <a:lnSpc>
           <a:spcPct val="100000"/>
         </a:lnSpc>
@@ -5713,7 +5873,7 @@
           <a:srgbClr val="000000"/>
         </a:buClr>
         <a:buFont typeface="Arial"/>
-        <a:defRPr b="0" i="0" sz="1400" u="none" cap="none" strike="noStrike">
+        <a:defRPr sz="1400" b="0" i="0" u="none" strike="noStrike" cap="none">
           <a:solidFill>
             <a:srgbClr val="000000"/>
           </a:solidFill>
@@ -5723,7 +5883,7 @@
           <a:sym typeface="Arial"/>
         </a:defRPr>
       </a:lvl7pPr>
-      <a:lvl8pPr lvl="7" marR="0" rtl="0" algn="l">
+      <a:lvl8pPr marR="0" lvl="7" algn="l" rtl="0">
         <a:lnSpc>
           <a:spcPct val="100000"/>
         </a:lnSpc>
@@ -5737,7 +5897,7 @@
           <a:srgbClr val="000000"/>
         </a:buClr>
         <a:buFont typeface="Arial"/>
-        <a:defRPr b="0" i="0" sz="1400" u="none" cap="none" strike="noStrike">
+        <a:defRPr sz="1400" b="0" i="0" u="none" strike="noStrike" cap="none">
           <a:solidFill>
             <a:srgbClr val="000000"/>
           </a:solidFill>
@@ -5747,7 +5907,7 @@
           <a:sym typeface="Arial"/>
         </a:defRPr>
       </a:lvl8pPr>
-      <a:lvl9pPr lvl="8" marR="0" rtl="0" algn="l">
+      <a:lvl9pPr marR="0" lvl="8" algn="l" rtl="0">
         <a:lnSpc>
           <a:spcPct val="100000"/>
         </a:lnSpc>
@@ -5761,7 +5921,7 @@
           <a:srgbClr val="000000"/>
         </a:buClr>
         <a:buFont typeface="Arial"/>
-        <a:defRPr b="0" i="0" sz="1400" u="none" cap="none" strike="noStrike">
+        <a:defRPr sz="1400" b="0" i="0" u="none" strike="noStrike" cap="none">
           <a:solidFill>
             <a:srgbClr val="000000"/>
           </a:solidFill>
@@ -5773,7 +5933,7 @@
       </a:lvl9pPr>
     </p:titleStyle>
     <p:bodyStyle>
-      <a:defPPr lvl="0" marR="0" rtl="0" algn="l">
+      <a:defPPr marR="0" lvl="0" algn="l" rtl="0">
         <a:lnSpc>
           <a:spcPct val="100000"/>
         </a:lnSpc>
@@ -5784,7 +5944,7 @@
           <a:spcPts val="0"/>
         </a:spcAft>
       </a:defPPr>
-      <a:lvl1pPr lvl="0" marR="0" rtl="0" algn="l">
+      <a:lvl1pPr marR="0" lvl="0" algn="l" rtl="0">
         <a:lnSpc>
           <a:spcPct val="100000"/>
         </a:lnSpc>
@@ -5798,7 +5958,7 @@
           <a:srgbClr val="000000"/>
         </a:buClr>
         <a:buFont typeface="Arial"/>
-        <a:defRPr b="0" i="0" sz="1400" u="none" cap="none" strike="noStrike">
+        <a:defRPr sz="1400" b="0" i="0" u="none" strike="noStrike" cap="none">
           <a:solidFill>
             <a:srgbClr val="000000"/>
           </a:solidFill>
@@ -5808,7 +5968,7 @@
           <a:sym typeface="Arial"/>
         </a:defRPr>
       </a:lvl1pPr>
-      <a:lvl2pPr lvl="1" marR="0" rtl="0" algn="l">
+      <a:lvl2pPr marR="0" lvl="1" algn="l" rtl="0">
         <a:lnSpc>
           <a:spcPct val="100000"/>
         </a:lnSpc>
@@ -5822,7 +5982,7 @@
           <a:srgbClr val="000000"/>
         </a:buClr>
         <a:buFont typeface="Arial"/>
-        <a:defRPr b="0" i="0" sz="1400" u="none" cap="none" strike="noStrike">
+        <a:defRPr sz="1400" b="0" i="0" u="none" strike="noStrike" cap="none">
           <a:solidFill>
             <a:srgbClr val="000000"/>
           </a:solidFill>
@@ -5832,7 +5992,7 @@
           <a:sym typeface="Arial"/>
         </a:defRPr>
       </a:lvl2pPr>
-      <a:lvl3pPr lvl="2" marR="0" rtl="0" algn="l">
+      <a:lvl3pPr marR="0" lvl="2" algn="l" rtl="0">
         <a:lnSpc>
           <a:spcPct val="100000"/>
         </a:lnSpc>
@@ -5846,7 +6006,7 @@
           <a:srgbClr val="000000"/>
         </a:buClr>
         <a:buFont typeface="Arial"/>
-        <a:defRPr b="0" i="0" sz="1400" u="none" cap="none" strike="noStrike">
+        <a:defRPr sz="1400" b="0" i="0" u="none" strike="noStrike" cap="none">
           <a:solidFill>
             <a:srgbClr val="000000"/>
           </a:solidFill>
@@ -5856,7 +6016,7 @@
           <a:sym typeface="Arial"/>
         </a:defRPr>
       </a:lvl3pPr>
-      <a:lvl4pPr lvl="3" marR="0" rtl="0" algn="l">
+      <a:lvl4pPr marR="0" lvl="3" algn="l" rtl="0">
         <a:lnSpc>
           <a:spcPct val="100000"/>
         </a:lnSpc>
@@ -5870,7 +6030,7 @@
           <a:srgbClr val="000000"/>
         </a:buClr>
         <a:buFont typeface="Arial"/>
-        <a:defRPr b="0" i="0" sz="1400" u="none" cap="none" strike="noStrike">
+        <a:defRPr sz="1400" b="0" i="0" u="none" strike="noStrike" cap="none">
           <a:solidFill>
             <a:srgbClr val="000000"/>
           </a:solidFill>
@@ -5880,7 +6040,7 @@
           <a:sym typeface="Arial"/>
         </a:defRPr>
       </a:lvl4pPr>
-      <a:lvl5pPr lvl="4" marR="0" rtl="0" algn="l">
+      <a:lvl5pPr marR="0" lvl="4" algn="l" rtl="0">
         <a:lnSpc>
           <a:spcPct val="100000"/>
         </a:lnSpc>
@@ -5894,7 +6054,7 @@
           <a:srgbClr val="000000"/>
         </a:buClr>
         <a:buFont typeface="Arial"/>
-        <a:defRPr b="0" i="0" sz="1400" u="none" cap="none" strike="noStrike">
+        <a:defRPr sz="1400" b="0" i="0" u="none" strike="noStrike" cap="none">
           <a:solidFill>
             <a:srgbClr val="000000"/>
           </a:solidFill>
@@ -5904,7 +6064,7 @@
           <a:sym typeface="Arial"/>
         </a:defRPr>
       </a:lvl5pPr>
-      <a:lvl6pPr lvl="5" marR="0" rtl="0" algn="l">
+      <a:lvl6pPr marR="0" lvl="5" algn="l" rtl="0">
         <a:lnSpc>
           <a:spcPct val="100000"/>
         </a:lnSpc>
@@ -5918,7 +6078,7 @@
           <a:srgbClr val="000000"/>
         </a:buClr>
         <a:buFont typeface="Arial"/>
-        <a:defRPr b="0" i="0" sz="1400" u="none" cap="none" strike="noStrike">
+        <a:defRPr sz="1400" b="0" i="0" u="none" strike="noStrike" cap="none">
           <a:solidFill>
             <a:srgbClr val="000000"/>
           </a:solidFill>
@@ -5928,7 +6088,7 @@
           <a:sym typeface="Arial"/>
         </a:defRPr>
       </a:lvl6pPr>
-      <a:lvl7pPr lvl="6" marR="0" rtl="0" algn="l">
+      <a:lvl7pPr marR="0" lvl="6" algn="l" rtl="0">
         <a:lnSpc>
           <a:spcPct val="100000"/>
         </a:lnSpc>
@@ -5942,7 +6102,7 @@
           <a:srgbClr val="000000"/>
         </a:buClr>
         <a:buFont typeface="Arial"/>
-        <a:defRPr b="0" i="0" sz="1400" u="none" cap="none" strike="noStrike">
+        <a:defRPr sz="1400" b="0" i="0" u="none" strike="noStrike" cap="none">
           <a:solidFill>
             <a:srgbClr val="000000"/>
           </a:solidFill>
@@ -5952,7 +6112,7 @@
           <a:sym typeface="Arial"/>
         </a:defRPr>
       </a:lvl7pPr>
-      <a:lvl8pPr lvl="7" marR="0" rtl="0" algn="l">
+      <a:lvl8pPr marR="0" lvl="7" algn="l" rtl="0">
         <a:lnSpc>
           <a:spcPct val="100000"/>
         </a:lnSpc>
@@ -5966,7 +6126,7 @@
           <a:srgbClr val="000000"/>
         </a:buClr>
         <a:buFont typeface="Arial"/>
-        <a:defRPr b="0" i="0" sz="1400" u="none" cap="none" strike="noStrike">
+        <a:defRPr sz="1400" b="0" i="0" u="none" strike="noStrike" cap="none">
           <a:solidFill>
             <a:srgbClr val="000000"/>
           </a:solidFill>
@@ -5976,7 +6136,7 @@
           <a:sym typeface="Arial"/>
         </a:defRPr>
       </a:lvl8pPr>
-      <a:lvl9pPr lvl="8" marR="0" rtl="0" algn="l">
+      <a:lvl9pPr marR="0" lvl="8" algn="l" rtl="0">
         <a:lnSpc>
           <a:spcPct val="100000"/>
         </a:lnSpc>
@@ -5990,7 +6150,7 @@
           <a:srgbClr val="000000"/>
         </a:buClr>
         <a:buFont typeface="Arial"/>
-        <a:defRPr b="0" i="0" sz="1400" u="none" cap="none" strike="noStrike">
+        <a:defRPr sz="1400" b="0" i="0" u="none" strike="noStrike" cap="none">
           <a:solidFill>
             <a:srgbClr val="000000"/>
           </a:solidFill>
@@ -6002,7 +6162,7 @@
       </a:lvl9pPr>
     </p:bodyStyle>
     <p:otherStyle>
-      <a:defPPr lvl="0" marR="0" rtl="0" algn="l">
+      <a:defPPr marR="0" lvl="0" algn="l" rtl="0">
         <a:lnSpc>
           <a:spcPct val="100000"/>
         </a:lnSpc>
@@ -6013,7 +6173,7 @@
           <a:spcPts val="0"/>
         </a:spcAft>
       </a:defPPr>
-      <a:lvl1pPr lvl="0" marR="0" rtl="0" algn="l">
+      <a:lvl1pPr marR="0" lvl="0" algn="l" rtl="0">
         <a:lnSpc>
           <a:spcPct val="100000"/>
         </a:lnSpc>
@@ -6027,7 +6187,7 @@
           <a:srgbClr val="000000"/>
         </a:buClr>
         <a:buFont typeface="Arial"/>
-        <a:defRPr b="0" i="0" sz="1400" u="none" cap="none" strike="noStrike">
+        <a:defRPr sz="1400" b="0" i="0" u="none" strike="noStrike" cap="none">
           <a:solidFill>
             <a:srgbClr val="000000"/>
           </a:solidFill>
@@ -6037,7 +6197,7 @@
           <a:sym typeface="Arial"/>
         </a:defRPr>
       </a:lvl1pPr>
-      <a:lvl2pPr lvl="1" marR="0" rtl="0" algn="l">
+      <a:lvl2pPr marR="0" lvl="1" algn="l" rtl="0">
         <a:lnSpc>
           <a:spcPct val="100000"/>
         </a:lnSpc>
@@ -6051,7 +6211,7 @@
           <a:srgbClr val="000000"/>
         </a:buClr>
         <a:buFont typeface="Arial"/>
-        <a:defRPr b="0" i="0" sz="1400" u="none" cap="none" strike="noStrike">
+        <a:defRPr sz="1400" b="0" i="0" u="none" strike="noStrike" cap="none">
           <a:solidFill>
             <a:srgbClr val="000000"/>
           </a:solidFill>
@@ -6061,7 +6221,7 @@
           <a:sym typeface="Arial"/>
         </a:defRPr>
       </a:lvl2pPr>
-      <a:lvl3pPr lvl="2" marR="0" rtl="0" algn="l">
+      <a:lvl3pPr marR="0" lvl="2" algn="l" rtl="0">
         <a:lnSpc>
           <a:spcPct val="100000"/>
         </a:lnSpc>
@@ -6075,7 +6235,7 @@
           <a:srgbClr val="000000"/>
         </a:buClr>
         <a:buFont typeface="Arial"/>
-        <a:defRPr b="0" i="0" sz="1400" u="none" cap="none" strike="noStrike">
+        <a:defRPr sz="1400" b="0" i="0" u="none" strike="noStrike" cap="none">
           <a:solidFill>
             <a:srgbClr val="000000"/>
           </a:solidFill>
@@ -6085,7 +6245,7 @@
           <a:sym typeface="Arial"/>
         </a:defRPr>
       </a:lvl3pPr>
-      <a:lvl4pPr lvl="3" marR="0" rtl="0" algn="l">
+      <a:lvl4pPr marR="0" lvl="3" algn="l" rtl="0">
         <a:lnSpc>
           <a:spcPct val="100000"/>
         </a:lnSpc>
@@ -6099,7 +6259,7 @@
           <a:srgbClr val="000000"/>
         </a:buClr>
         <a:buFont typeface="Arial"/>
-        <a:defRPr b="0" i="0" sz="1400" u="none" cap="none" strike="noStrike">
+        <a:defRPr sz="1400" b="0" i="0" u="none" strike="noStrike" cap="none">
           <a:solidFill>
             <a:srgbClr val="000000"/>
           </a:solidFill>
@@ -6109,7 +6269,7 @@
           <a:sym typeface="Arial"/>
         </a:defRPr>
       </a:lvl4pPr>
-      <a:lvl5pPr lvl="4" marR="0" rtl="0" algn="l">
+      <a:lvl5pPr marR="0" lvl="4" algn="l" rtl="0">
         <a:lnSpc>
           <a:spcPct val="100000"/>
         </a:lnSpc>
@@ -6123,7 +6283,7 @@
           <a:srgbClr val="000000"/>
         </a:buClr>
         <a:buFont typeface="Arial"/>
-        <a:defRPr b="0" i="0" sz="1400" u="none" cap="none" strike="noStrike">
+        <a:defRPr sz="1400" b="0" i="0" u="none" strike="noStrike" cap="none">
           <a:solidFill>
             <a:srgbClr val="000000"/>
           </a:solidFill>
@@ -6133,7 +6293,7 @@
           <a:sym typeface="Arial"/>
         </a:defRPr>
       </a:lvl5pPr>
-      <a:lvl6pPr lvl="5" marR="0" rtl="0" algn="l">
+      <a:lvl6pPr marR="0" lvl="5" algn="l" rtl="0">
         <a:lnSpc>
           <a:spcPct val="100000"/>
         </a:lnSpc>
@@ -6147,7 +6307,7 @@
           <a:srgbClr val="000000"/>
         </a:buClr>
         <a:buFont typeface="Arial"/>
-        <a:defRPr b="0" i="0" sz="1400" u="none" cap="none" strike="noStrike">
+        <a:defRPr sz="1400" b="0" i="0" u="none" strike="noStrike" cap="none">
           <a:solidFill>
             <a:srgbClr val="000000"/>
           </a:solidFill>
@@ -6157,7 +6317,7 @@
           <a:sym typeface="Arial"/>
         </a:defRPr>
       </a:lvl6pPr>
-      <a:lvl7pPr lvl="6" marR="0" rtl="0" algn="l">
+      <a:lvl7pPr marR="0" lvl="6" algn="l" rtl="0">
         <a:lnSpc>
           <a:spcPct val="100000"/>
         </a:lnSpc>
@@ -6171,7 +6331,7 @@
           <a:srgbClr val="000000"/>
         </a:buClr>
         <a:buFont typeface="Arial"/>
-        <a:defRPr b="0" i="0" sz="1400" u="none" cap="none" strike="noStrike">
+        <a:defRPr sz="1400" b="0" i="0" u="none" strike="noStrike" cap="none">
           <a:solidFill>
             <a:srgbClr val="000000"/>
           </a:solidFill>
@@ -6181,7 +6341,7 @@
           <a:sym typeface="Arial"/>
         </a:defRPr>
       </a:lvl7pPr>
-      <a:lvl8pPr lvl="7" marR="0" rtl="0" algn="l">
+      <a:lvl8pPr marR="0" lvl="7" algn="l" rtl="0">
         <a:lnSpc>
           <a:spcPct val="100000"/>
         </a:lnSpc>
@@ -6195,7 +6355,7 @@
           <a:srgbClr val="000000"/>
         </a:buClr>
         <a:buFont typeface="Arial"/>
-        <a:defRPr b="0" i="0" sz="1400" u="none" cap="none" strike="noStrike">
+        <a:defRPr sz="1400" b="0" i="0" u="none" strike="noStrike" cap="none">
           <a:solidFill>
             <a:srgbClr val="000000"/>
           </a:solidFill>
@@ -6205,7 +6365,7 @@
           <a:sym typeface="Arial"/>
         </a:defRPr>
       </a:lvl8pPr>
-      <a:lvl9pPr lvl="8" marR="0" rtl="0" algn="l">
+      <a:lvl9pPr marR="0" lvl="8" algn="l" rtl="0">
         <a:lnSpc>
           <a:spcPct val="100000"/>
         </a:lnSpc>
@@ -6219,7 +6379,7 @@
           <a:srgbClr val="000000"/>
         </a:buClr>
         <a:buFont typeface="Arial"/>
-        <a:defRPr b="0" i="0" sz="1400" u="none" cap="none" strike="noStrike">
+        <a:defRPr sz="1400" b="0" i="0" u="none" strike="noStrike" cap="none">
           <a:solidFill>
             <a:srgbClr val="000000"/>
           </a:solidFill>
@@ -6235,11 +6395,11 @@
 </file>
 
 <file path=ppt/slides/slide1.xml><?xml version="1.0" encoding="utf-8"?>
-<p:sld xmlns:a="http://schemas.openxmlformats.org/drawingml/2006/main" xmlns:r="http://schemas.openxmlformats.org/officeDocument/2006/relationships" xmlns:mc="http://schemas.openxmlformats.org/markup-compatibility/2006" xmlns:mv="urn:schemas-microsoft-com:mac:vml" xmlns:p="http://schemas.openxmlformats.org/presentationml/2006/main" xmlns:c="http://schemas.openxmlformats.org/drawingml/2006/chart" xmlns:dgm="http://schemas.openxmlformats.org/drawingml/2006/diagram" xmlns:o="urn:schemas-microsoft-com:office:office" xmlns:v="urn:schemas-microsoft-com:vml" xmlns:pvml="urn:schemas-microsoft-com:office:powerpoint" xmlns:com="http://schemas.openxmlformats.org/drawingml/2006/compatibility" xmlns:p14="http://schemas.microsoft.com/office/powerpoint/2010/main" xmlns:p15="http://schemas.microsoft.com/office/powerpoint/2012/main" xmlns:ahyp="http://schemas.microsoft.com/office/drawing/2018/hyperlinkcolor">
+<p:sld xmlns:a="http://schemas.openxmlformats.org/drawingml/2006/main" xmlns:r="http://schemas.openxmlformats.org/officeDocument/2006/relationships" xmlns:p="http://schemas.openxmlformats.org/presentationml/2006/main">
   <p:cSld>
     <p:spTree>
       <p:nvGrpSpPr>
-        <p:cNvPr id="53" name="Shape 53"/>
+        <p:cNvPr id="1" name="Shape 53"/>
         <p:cNvGrpSpPr/>
         <p:nvPr/>
       </p:nvGrpSpPr>
@@ -6254,7 +6414,9 @@
       <p:sp>
         <p:nvSpPr>
           <p:cNvPr id="54" name="Google Shape;54;p13"/>
-          <p:cNvSpPr txBox="1"/>
+          <p:cNvSpPr txBox="1">
+            <a:spLocks noGrp="1"/>
+          </p:cNvSpPr>
           <p:nvPr>
             <p:ph type="ctrTitle"/>
           </p:nvPr>
@@ -6269,12 +6431,12 @@
           </a:prstGeom>
         </p:spPr>
         <p:txBody>
-          <a:bodyPr anchorCtr="0" anchor="b" bIns="91425" lIns="91425" spcFirstLastPara="1" rIns="91425" wrap="square" tIns="91425">
+          <a:bodyPr spcFirstLastPara="1" wrap="square" lIns="91425" tIns="91425" rIns="91425" bIns="91425" anchor="b" anchorCtr="0">
             <a:noAutofit/>
           </a:bodyPr>
           <a:lstStyle/>
           <a:p>
-            <a:pPr indent="0" lvl="0" marL="0" rtl="0" algn="ctr">
+            <a:pPr marL="0" lvl="0" indent="0" algn="ctr" rtl="0">
               <a:spcBef>
                 <a:spcPts val="0"/>
               </a:spcBef>
@@ -6298,7 +6460,7 @@
             </a:endParaRPr>
           </a:p>
           <a:p>
-            <a:pPr indent="0" lvl="0" marL="0" rtl="0" algn="ctr">
+            <a:pPr marL="0" lvl="0" indent="0" algn="ctr" rtl="0">
               <a:spcBef>
                 <a:spcPts val="0"/>
               </a:spcBef>
@@ -6326,9 +6488,11 @@
       <p:sp>
         <p:nvSpPr>
           <p:cNvPr id="55" name="Google Shape;55;p13"/>
-          <p:cNvSpPr txBox="1"/>
+          <p:cNvSpPr txBox="1">
+            <a:spLocks noGrp="1"/>
+          </p:cNvSpPr>
           <p:nvPr>
-            <p:ph idx="1" type="subTitle"/>
+            <p:ph type="subTitle" idx="1"/>
           </p:nvPr>
         </p:nvSpPr>
         <p:spPr>
@@ -6341,12 +6505,12 @@
           </a:prstGeom>
         </p:spPr>
         <p:txBody>
-          <a:bodyPr anchorCtr="0" anchor="t" bIns="91425" lIns="91425" spcFirstLastPara="1" rIns="91425" wrap="square" tIns="91425">
+          <a:bodyPr spcFirstLastPara="1" wrap="square" lIns="91425" tIns="91425" rIns="91425" bIns="91425" anchor="t" anchorCtr="0">
             <a:noAutofit/>
           </a:bodyPr>
           <a:lstStyle/>
           <a:p>
-            <a:pPr indent="0" lvl="0" marL="0" rtl="0" algn="ctr">
+            <a:pPr marL="0" lvl="0" indent="0" algn="ctr" rtl="0">
               <a:spcBef>
                 <a:spcPts val="0"/>
               </a:spcBef>
@@ -6400,11 +6564,11 @@
 </file>
 
 <file path=ppt/slides/slide2.xml><?xml version="1.0" encoding="utf-8"?>
-<p:sld xmlns:a="http://schemas.openxmlformats.org/drawingml/2006/main" xmlns:r="http://schemas.openxmlformats.org/officeDocument/2006/relationships" xmlns:mc="http://schemas.openxmlformats.org/markup-compatibility/2006" xmlns:mv="urn:schemas-microsoft-com:mac:vml" xmlns:p="http://schemas.openxmlformats.org/presentationml/2006/main" xmlns:c="http://schemas.openxmlformats.org/drawingml/2006/chart" xmlns:dgm="http://schemas.openxmlformats.org/drawingml/2006/diagram" xmlns:o="urn:schemas-microsoft-com:office:office" xmlns:v="urn:schemas-microsoft-com:vml" xmlns:pvml="urn:schemas-microsoft-com:office:powerpoint" xmlns:com="http://schemas.openxmlformats.org/drawingml/2006/compatibility" xmlns:p14="http://schemas.microsoft.com/office/powerpoint/2010/main" xmlns:p15="http://schemas.microsoft.com/office/powerpoint/2012/main" xmlns:ahyp="http://schemas.microsoft.com/office/drawing/2018/hyperlinkcolor">
+<p:sld xmlns:a="http://schemas.openxmlformats.org/drawingml/2006/main" xmlns:r="http://schemas.openxmlformats.org/officeDocument/2006/relationships" xmlns:p="http://schemas.openxmlformats.org/presentationml/2006/main">
   <p:cSld>
     <p:spTree>
       <p:nvGrpSpPr>
-        <p:cNvPr id="60" name="Shape 60"/>
+        <p:cNvPr id="1" name="Shape 60"/>
         <p:cNvGrpSpPr/>
         <p:nvPr/>
       </p:nvGrpSpPr>
@@ -6419,7 +6583,9 @@
       <p:sp>
         <p:nvSpPr>
           <p:cNvPr id="61" name="Google Shape;61;p14"/>
-          <p:cNvSpPr txBox="1"/>
+          <p:cNvSpPr txBox="1">
+            <a:spLocks noGrp="1"/>
+          </p:cNvSpPr>
           <p:nvPr>
             <p:ph type="title"/>
           </p:nvPr>
@@ -6434,12 +6600,12 @@
           </a:prstGeom>
         </p:spPr>
         <p:txBody>
-          <a:bodyPr anchorCtr="0" anchor="t" bIns="91425" lIns="91425" spcFirstLastPara="1" rIns="91425" wrap="square" tIns="91425">
+          <a:bodyPr spcFirstLastPara="1" wrap="square" lIns="91425" tIns="91425" rIns="91425" bIns="91425" anchor="t" anchorCtr="0">
             <a:noAutofit/>
           </a:bodyPr>
           <a:lstStyle/>
           <a:p>
-            <a:pPr indent="0" lvl="0" marL="0" rtl="0" algn="l">
+            <a:pPr marL="0" lvl="0" indent="0" algn="l" rtl="0">
               <a:spcBef>
                 <a:spcPts val="0"/>
               </a:spcBef>
@@ -6449,14 +6615,14 @@
               <a:buNone/>
             </a:pPr>
             <a:r>
-              <a:rPr b="1" lang="en" sz="3200">
+              <a:rPr lang="en" sz="3200" b="1">
                 <a:solidFill>
                   <a:srgbClr val="0000FF"/>
                 </a:solidFill>
               </a:rPr>
               <a:t>Contents : </a:t>
             </a:r>
-            <a:endParaRPr b="1" sz="3200">
+            <a:endParaRPr sz="3200" b="1">
               <a:solidFill>
                 <a:srgbClr val="0000FF"/>
               </a:solidFill>
@@ -6467,9 +6633,11 @@
       <p:sp>
         <p:nvSpPr>
           <p:cNvPr id="62" name="Google Shape;62;p14"/>
-          <p:cNvSpPr txBox="1"/>
+          <p:cNvSpPr txBox="1">
+            <a:spLocks noGrp="1"/>
+          </p:cNvSpPr>
           <p:nvPr>
-            <p:ph idx="1" type="body"/>
+            <p:ph type="body" idx="1"/>
           </p:nvPr>
         </p:nvSpPr>
         <p:spPr>
@@ -6482,12 +6650,12 @@
           </a:prstGeom>
         </p:spPr>
         <p:txBody>
-          <a:bodyPr anchorCtr="0" anchor="t" bIns="91425" lIns="91425" spcFirstLastPara="1" rIns="91425" wrap="square" tIns="91425">
+          <a:bodyPr spcFirstLastPara="1" wrap="square" lIns="91425" tIns="91425" rIns="91425" bIns="91425" anchor="t" anchorCtr="0">
             <a:noAutofit/>
           </a:bodyPr>
           <a:lstStyle/>
           <a:p>
-            <a:pPr indent="-406400" lvl="0" marL="457200" rtl="0" algn="l">
+            <a:pPr marL="457200" lvl="0" indent="-406400" algn="l" rtl="0">
               <a:spcBef>
                 <a:spcPts val="0"/>
               </a:spcBef>
@@ -6504,7 +6672,7 @@
             <a:endParaRPr sz="2800"/>
           </a:p>
           <a:p>
-            <a:pPr indent="-406400" lvl="0" marL="457200" rtl="0" algn="l">
+            <a:pPr marL="457200" lvl="0" indent="-406400" algn="l" rtl="0">
               <a:spcBef>
                 <a:spcPts val="0"/>
               </a:spcBef>
@@ -6516,15 +6684,7 @@
             </a:pPr>
             <a:r>
               <a:rPr lang="en" sz="2800"/>
-              <a:t>Run-Time </a:t>
-            </a:r>
-            <a:r>
-              <a:rPr lang="en" sz="2800"/>
-              <a:t>polymorphism</a:t>
-            </a:r>
-            <a:r>
-              <a:rPr lang="en" sz="2800"/>
-              <a:t> </a:t>
+              <a:t>Run-Time polymorphism </a:t>
             </a:r>
             <a:endParaRPr sz="2800"/>
           </a:p>
@@ -6567,11 +6727,11 @@
 </file>
 
 <file path=ppt/slides/slide3.xml><?xml version="1.0" encoding="utf-8"?>
-<p:sld xmlns:a="http://schemas.openxmlformats.org/drawingml/2006/main" xmlns:r="http://schemas.openxmlformats.org/officeDocument/2006/relationships" xmlns:mc="http://schemas.openxmlformats.org/markup-compatibility/2006" xmlns:mv="urn:schemas-microsoft-com:mac:vml" xmlns:p="http://schemas.openxmlformats.org/presentationml/2006/main" xmlns:c="http://schemas.openxmlformats.org/drawingml/2006/chart" xmlns:dgm="http://schemas.openxmlformats.org/drawingml/2006/diagram" xmlns:o="urn:schemas-microsoft-com:office:office" xmlns:v="urn:schemas-microsoft-com:vml" xmlns:pvml="urn:schemas-microsoft-com:office:powerpoint" xmlns:com="http://schemas.openxmlformats.org/drawingml/2006/compatibility" xmlns:p14="http://schemas.microsoft.com/office/powerpoint/2010/main" xmlns:p15="http://schemas.microsoft.com/office/powerpoint/2012/main" xmlns:ahyp="http://schemas.microsoft.com/office/drawing/2018/hyperlinkcolor">
+<p:sld xmlns:a="http://schemas.openxmlformats.org/drawingml/2006/main" xmlns:r="http://schemas.openxmlformats.org/officeDocument/2006/relationships" xmlns:p="http://schemas.openxmlformats.org/presentationml/2006/main">
   <p:cSld>
     <p:spTree>
       <p:nvGrpSpPr>
-        <p:cNvPr id="67" name="Shape 67"/>
+        <p:cNvPr id="1" name="Shape 67"/>
         <p:cNvGrpSpPr/>
         <p:nvPr/>
       </p:nvGrpSpPr>
@@ -6586,7 +6746,9 @@
       <p:sp>
         <p:nvSpPr>
           <p:cNvPr id="68" name="Google Shape;68;p15"/>
-          <p:cNvSpPr txBox="1"/>
+          <p:cNvSpPr txBox="1">
+            <a:spLocks noGrp="1"/>
+          </p:cNvSpPr>
           <p:nvPr>
             <p:ph type="title"/>
           </p:nvPr>
@@ -6601,12 +6763,12 @@
           </a:prstGeom>
         </p:spPr>
         <p:txBody>
-          <a:bodyPr anchorCtr="0" anchor="t" bIns="91425" lIns="91425" spcFirstLastPara="1" rIns="91425" wrap="square" tIns="91425">
+          <a:bodyPr spcFirstLastPara="1" wrap="square" lIns="91425" tIns="91425" rIns="91425" bIns="91425" anchor="t" anchorCtr="0">
             <a:noAutofit/>
           </a:bodyPr>
           <a:lstStyle/>
           <a:p>
-            <a:pPr indent="0" lvl="0" marL="0" rtl="0" algn="l">
+            <a:pPr marL="0" lvl="0" indent="0" algn="l" rtl="0">
               <a:spcBef>
                 <a:spcPts val="0"/>
               </a:spcBef>
@@ -6616,7 +6778,7 @@
               <a:buNone/>
             </a:pPr>
             <a:r>
-              <a:rPr b="1" lang="en">
+              <a:rPr lang="en" b="1">
                 <a:solidFill>
                   <a:srgbClr val="0000FF"/>
                 </a:solidFill>
@@ -6634,9 +6796,11 @@
       <p:sp>
         <p:nvSpPr>
           <p:cNvPr id="69" name="Google Shape;69;p15"/>
-          <p:cNvSpPr txBox="1"/>
+          <p:cNvSpPr txBox="1">
+            <a:spLocks noGrp="1"/>
+          </p:cNvSpPr>
           <p:nvPr>
-            <p:ph idx="1" type="body"/>
+            <p:ph type="body" idx="1"/>
           </p:nvPr>
         </p:nvSpPr>
         <p:spPr>
@@ -6649,12 +6813,12 @@
           </a:prstGeom>
         </p:spPr>
         <p:txBody>
-          <a:bodyPr anchorCtr="0" anchor="t" bIns="91425" lIns="91425" spcFirstLastPara="1" rIns="91425" wrap="square" tIns="91425">
+          <a:bodyPr spcFirstLastPara="1" wrap="square" lIns="91425" tIns="91425" rIns="91425" bIns="91425" anchor="t" anchorCtr="0">
             <a:noAutofit/>
           </a:bodyPr>
           <a:lstStyle/>
           <a:p>
-            <a:pPr indent="-342900" lvl="0" marL="457200" rtl="0" algn="l">
+            <a:pPr marL="457200" lvl="0" indent="-342900" algn="l" rtl="0">
               <a:spcBef>
                 <a:spcPts val="0"/>
               </a:spcBef>
@@ -6665,21 +6829,21 @@
               <a:buChar char="●"/>
             </a:pPr>
             <a:r>
-              <a:rPr lang="en"/>
+              <a:rPr lang="en" dirty="0"/>
               <a:t>If a class have an entity reference, it is known as </a:t>
             </a:r>
             <a:r>
-              <a:rPr b="1" lang="en"/>
+              <a:rPr lang="en" b="1" dirty="0"/>
               <a:t>Aggregation</a:t>
             </a:r>
             <a:r>
-              <a:rPr lang="en"/>
+              <a:rPr lang="en" dirty="0"/>
               <a:t>. </a:t>
             </a:r>
-            <a:endParaRPr/>
+            <a:endParaRPr dirty="0"/>
           </a:p>
           <a:p>
-            <a:pPr indent="-342900" lvl="0" marL="457200" rtl="0" algn="l">
+            <a:pPr marL="457200" lvl="0" indent="-342900" algn="l" rtl="0">
               <a:spcBef>
                 <a:spcPts val="0"/>
               </a:spcBef>
@@ -6690,11 +6854,11 @@
               <a:buChar char="●"/>
             </a:pPr>
             <a:r>
-              <a:rPr lang="en"/>
+              <a:rPr lang="en" dirty="0"/>
               <a:t>Aggregation represents </a:t>
             </a:r>
             <a:r>
-              <a:rPr b="1" lang="en">
+              <a:rPr lang="en" b="1" dirty="0">
                 <a:solidFill>
                   <a:srgbClr val="0000FF"/>
                 </a:solidFill>
@@ -6702,13 +6866,13 @@
               <a:t>HAS-A</a:t>
             </a:r>
             <a:r>
-              <a:rPr lang="en"/>
+              <a:rPr lang="en" dirty="0"/>
               <a:t> relationship.</a:t>
             </a:r>
-            <a:endParaRPr/>
+            <a:endParaRPr dirty="0"/>
           </a:p>
           <a:p>
-            <a:pPr indent="0" lvl="0" marL="0" rtl="0" algn="l">
+            <a:pPr marL="0" lvl="0" indent="0" algn="l" rtl="0">
               <a:spcBef>
                 <a:spcPts val="1600"/>
               </a:spcBef>
@@ -6718,13 +6882,13 @@
               <a:buNone/>
             </a:pPr>
             <a:r>
-              <a:rPr lang="en"/>
+              <a:rPr lang="en" dirty="0"/>
               <a:t>Consider a situation, Employee object contains many informations such as id, name, email Id etc. It contains one more object named address, which contains its own informations such as city, state, country, zipcode etc. as given below.</a:t>
             </a:r>
-            <a:endParaRPr/>
+            <a:endParaRPr dirty="0"/>
           </a:p>
           <a:p>
-            <a:pPr indent="-292100" lvl="0" marL="457200" rtl="0" algn="l">
+            <a:pPr marL="457200" lvl="0" indent="-292100" algn="l" rtl="0">
               <a:lnSpc>
                 <a:spcPct val="157500"/>
               </a:lnSpc>
@@ -6742,7 +6906,7 @@
               <a:buAutoNum type="arabicPeriod"/>
             </a:pPr>
             <a:r>
-              <a:rPr b="1" lang="en" sz="1000">
+              <a:rPr lang="en" sz="1000" b="1" dirty="0">
                 <a:solidFill>
                   <a:srgbClr val="006699"/>
                 </a:solidFill>
@@ -6754,7 +6918,7 @@
               <a:t>class</a:t>
             </a:r>
             <a:r>
-              <a:rPr lang="en" sz="1000">
+              <a:rPr lang="en" sz="1000" dirty="0">
                 <a:solidFill>
                   <a:schemeClr val="dk1"/>
                 </a:solidFill>
@@ -6765,7 +6929,7 @@
               </a:rPr>
               <a:t> Employee{  </a:t>
             </a:r>
-            <a:endParaRPr sz="1000">
+            <a:endParaRPr sz="1000" dirty="0">
               <a:solidFill>
                 <a:schemeClr val="dk1"/>
               </a:solidFill>
@@ -6776,7 +6940,7 @@
             </a:endParaRPr>
           </a:p>
           <a:p>
-            <a:pPr indent="-292100" lvl="0" marL="457200" rtl="0" algn="l">
+            <a:pPr marL="457200" lvl="0" indent="-292100" algn="l" rtl="0">
               <a:lnSpc>
                 <a:spcPct val="157500"/>
               </a:lnSpc>
@@ -6794,7 +6958,7 @@
               <a:buAutoNum type="arabicPeriod"/>
             </a:pPr>
             <a:r>
-              <a:rPr b="1" lang="en" sz="1000">
+              <a:rPr lang="en" sz="1000" b="1" dirty="0">
                 <a:solidFill>
                   <a:srgbClr val="006699"/>
                 </a:solidFill>
@@ -6806,7 +6970,7 @@
               <a:t>      int</a:t>
             </a:r>
             <a:r>
-              <a:rPr lang="en" sz="1000">
+              <a:rPr lang="en" sz="1000" dirty="0">
                 <a:solidFill>
                   <a:schemeClr val="dk1"/>
                 </a:solidFill>
@@ -6817,7 +6981,7 @@
               </a:rPr>
               <a:t> id;  </a:t>
             </a:r>
-            <a:endParaRPr sz="1000">
+            <a:endParaRPr sz="1000" dirty="0">
               <a:solidFill>
                 <a:schemeClr val="dk1"/>
               </a:solidFill>
@@ -6828,7 +6992,7 @@
             </a:endParaRPr>
           </a:p>
           <a:p>
-            <a:pPr indent="-292100" lvl="0" marL="457200" rtl="0" algn="l">
+            <a:pPr marL="457200" lvl="0" indent="-292100" algn="l" rtl="0">
               <a:lnSpc>
                 <a:spcPct val="157500"/>
               </a:lnSpc>
@@ -6846,7 +7010,7 @@
               <a:buAutoNum type="arabicPeriod"/>
             </a:pPr>
             <a:r>
-              <a:rPr lang="en" sz="1000">
+              <a:rPr lang="en" sz="1000" dirty="0">
                 <a:solidFill>
                   <a:schemeClr val="dk1"/>
                 </a:solidFill>
@@ -6857,7 +7021,7 @@
               </a:rPr>
               <a:t>      String name;  </a:t>
             </a:r>
-            <a:endParaRPr sz="1000">
+            <a:endParaRPr sz="1000" dirty="0">
               <a:solidFill>
                 <a:schemeClr val="dk1"/>
               </a:solidFill>
@@ -6868,7 +7032,7 @@
             </a:endParaRPr>
           </a:p>
           <a:p>
-            <a:pPr indent="-292100" lvl="0" marL="457200" rtl="0" algn="l">
+            <a:pPr marL="457200" lvl="0" indent="-292100" algn="l" rtl="0">
               <a:lnSpc>
                 <a:spcPct val="157500"/>
               </a:lnSpc>
@@ -6886,7 +7050,7 @@
               <a:buAutoNum type="arabicPeriod"/>
             </a:pPr>
             <a:r>
-              <a:rPr lang="en" sz="1000">
+              <a:rPr lang="en" sz="1000" dirty="0">
                 <a:solidFill>
                   <a:schemeClr val="dk1"/>
                 </a:solidFill>
@@ -6898,7 +7062,7 @@
               <a:t>      </a:t>
             </a:r>
             <a:r>
-              <a:rPr b="1" lang="en" sz="1000">
+              <a:rPr lang="en" sz="1000" b="1">
                 <a:solidFill>
                   <a:srgbClr val="0000FF"/>
                 </a:solidFill>
@@ -6919,7 +7083,7 @@
                 <a:cs typeface="Verdana"/>
                 <a:sym typeface="Verdana"/>
               </a:rPr>
-              <a:t> address;</a:t>
+              <a:t> adr;</a:t>
             </a:r>
             <a:r>
               <a:rPr lang="en" sz="1000">
@@ -6931,10 +7095,22 @@
                 <a:cs typeface="Verdana"/>
                 <a:sym typeface="Verdana"/>
               </a:rPr>
-              <a:t>//Address is a class</a:t>
+              <a:t>//</a:t>
             </a:r>
             <a:r>
-              <a:rPr lang="en" sz="1000">
+              <a:rPr lang="en" sz="1000" dirty="0">
+                <a:solidFill>
+                  <a:srgbClr val="008200"/>
+                </a:solidFill>
+                <a:latin typeface="Verdana"/>
+                <a:ea typeface="Verdana"/>
+                <a:cs typeface="Verdana"/>
+                <a:sym typeface="Verdana"/>
+              </a:rPr>
+              <a:t>Address is a class</a:t>
+            </a:r>
+            <a:r>
+              <a:rPr lang="en" sz="1000" dirty="0">
                 <a:solidFill>
                   <a:schemeClr val="dk1"/>
                 </a:solidFill>
@@ -6945,7 +7121,7 @@
               </a:rPr>
               <a:t>  </a:t>
             </a:r>
-            <a:endParaRPr sz="1000">
+            <a:endParaRPr sz="1000" dirty="0">
               <a:solidFill>
                 <a:schemeClr val="dk1"/>
               </a:solidFill>
@@ -6956,7 +7132,7 @@
             </a:endParaRPr>
           </a:p>
           <a:p>
-            <a:pPr indent="-292100" lvl="0" marL="457200" rtl="0" algn="l">
+            <a:pPr marL="457200" lvl="0" indent="-292100" algn="l" rtl="0">
               <a:lnSpc>
                 <a:spcPct val="157500"/>
               </a:lnSpc>
@@ -6974,7 +7150,7 @@
               <a:buAutoNum type="arabicPeriod"/>
             </a:pPr>
             <a:r>
-              <a:rPr lang="en" sz="1000">
+              <a:rPr lang="en" sz="1000" dirty="0">
                 <a:solidFill>
                   <a:schemeClr val="dk1"/>
                 </a:solidFill>
@@ -6985,7 +7161,7 @@
               </a:rPr>
               <a:t>...  </a:t>
             </a:r>
-            <a:endParaRPr sz="1000">
+            <a:endParaRPr sz="1000" dirty="0">
               <a:solidFill>
                 <a:schemeClr val="dk1"/>
               </a:solidFill>
@@ -6996,7 +7172,7 @@
             </a:endParaRPr>
           </a:p>
           <a:p>
-            <a:pPr indent="-292100" lvl="0" marL="457200" rtl="0" algn="l">
+            <a:pPr marL="457200" lvl="0" indent="-292100" algn="l" rtl="0">
               <a:lnSpc>
                 <a:spcPct val="157500"/>
               </a:lnSpc>
@@ -7014,7 +7190,7 @@
               <a:buAutoNum type="arabicPeriod"/>
             </a:pPr>
             <a:r>
-              <a:rPr lang="en" sz="1000">
+              <a:rPr lang="en" sz="1000" dirty="0">
                 <a:solidFill>
                   <a:schemeClr val="dk1"/>
                 </a:solidFill>
@@ -7025,7 +7201,7 @@
               </a:rPr>
               <a:t>}</a:t>
             </a:r>
-            <a:endParaRPr sz="1000">
+            <a:endParaRPr sz="1000" dirty="0">
               <a:solidFill>
                 <a:schemeClr val="dk1"/>
               </a:solidFill>
@@ -7036,7 +7212,7 @@
             </a:endParaRPr>
           </a:p>
           <a:p>
-            <a:pPr indent="0" lvl="0" marL="457200" rtl="0" algn="l">
+            <a:pPr marL="457200" lvl="0" indent="0" algn="l" rtl="0">
               <a:lnSpc>
                 <a:spcPct val="157500"/>
               </a:lnSpc>
@@ -7049,7 +7225,7 @@
               <a:buNone/>
             </a:pPr>
             <a:r>
-              <a:rPr lang="en" sz="1300">
+              <a:rPr lang="en" sz="1300" dirty="0">
                 <a:highlight>
                   <a:srgbClr val="FFFFFF"/>
                 </a:highlight>
@@ -7057,7 +7233,7 @@
               <a:t>In such case, Employee </a:t>
             </a:r>
             <a:r>
-              <a:rPr b="1" lang="en" sz="1300">
+              <a:rPr lang="en" sz="1300" b="1" dirty="0">
                 <a:highlight>
                   <a:srgbClr val="FFFFFF"/>
                 </a:highlight>
@@ -7065,7 +7241,7 @@
               <a:t>has an entity reference address</a:t>
             </a:r>
             <a:r>
-              <a:rPr lang="en" sz="1300">
+              <a:rPr lang="en" sz="1300" dirty="0">
                 <a:highlight>
                   <a:srgbClr val="FFFFFF"/>
                 </a:highlight>
@@ -7073,7 +7249,7 @@
               <a:t>, so relationship is Employee </a:t>
             </a:r>
             <a:r>
-              <a:rPr b="1" lang="en" sz="1300">
+              <a:rPr lang="en" sz="1300" b="1" dirty="0">
                 <a:solidFill>
                   <a:srgbClr val="0000FF"/>
                 </a:solidFill>
@@ -7084,17 +7260,17 @@
               <a:t>HAS-A</a:t>
             </a:r>
             <a:r>
-              <a:rPr lang="en" sz="1300">
+              <a:rPr lang="en" sz="1300" dirty="0">
                 <a:highlight>
                   <a:srgbClr val="FFFFFF"/>
                 </a:highlight>
               </a:rPr>
               <a:t> address.</a:t>
             </a:r>
-            <a:endParaRPr sz="1300"/>
+            <a:endParaRPr sz="1300" dirty="0"/>
           </a:p>
           <a:p>
-            <a:pPr indent="0" lvl="0" marL="0" rtl="0" algn="l">
+            <a:pPr marL="0" lvl="0" indent="0" algn="l" rtl="0">
               <a:spcBef>
                 <a:spcPts val="0"/>
               </a:spcBef>
@@ -7103,10 +7279,7 @@
               </a:spcAft>
               <a:buNone/>
             </a:pPr>
-            <a:r>
-              <a:t/>
-            </a:r>
-            <a:endParaRPr/>
+            <a:endParaRPr dirty="0"/>
           </a:p>
         </p:txBody>
       </p:sp>
@@ -7147,11 +7320,11 @@
 </file>
 
 <file path=ppt/slides/slide4.xml><?xml version="1.0" encoding="utf-8"?>
-<p:sld xmlns:a="http://schemas.openxmlformats.org/drawingml/2006/main" xmlns:r="http://schemas.openxmlformats.org/officeDocument/2006/relationships" xmlns:mc="http://schemas.openxmlformats.org/markup-compatibility/2006" xmlns:mv="urn:schemas-microsoft-com:mac:vml" xmlns:p="http://schemas.openxmlformats.org/presentationml/2006/main" xmlns:c="http://schemas.openxmlformats.org/drawingml/2006/chart" xmlns:dgm="http://schemas.openxmlformats.org/drawingml/2006/diagram" xmlns:o="urn:schemas-microsoft-com:office:office" xmlns:v="urn:schemas-microsoft-com:vml" xmlns:pvml="urn:schemas-microsoft-com:office:powerpoint" xmlns:com="http://schemas.openxmlformats.org/drawingml/2006/compatibility" xmlns:p14="http://schemas.microsoft.com/office/powerpoint/2010/main" xmlns:p15="http://schemas.microsoft.com/office/powerpoint/2012/main" xmlns:ahyp="http://schemas.microsoft.com/office/drawing/2018/hyperlinkcolor">
+<p:sld xmlns:a="http://schemas.openxmlformats.org/drawingml/2006/main" xmlns:r="http://schemas.openxmlformats.org/officeDocument/2006/relationships" xmlns:p="http://schemas.openxmlformats.org/presentationml/2006/main">
   <p:cSld>
     <p:spTree>
       <p:nvGrpSpPr>
-        <p:cNvPr id="74" name="Shape 74"/>
+        <p:cNvPr id="1" name="Shape 74"/>
         <p:cNvGrpSpPr/>
         <p:nvPr/>
       </p:nvGrpSpPr>
@@ -7166,7 +7339,9 @@
       <p:sp>
         <p:nvSpPr>
           <p:cNvPr id="75" name="Google Shape;75;p16"/>
-          <p:cNvSpPr txBox="1"/>
+          <p:cNvSpPr txBox="1">
+            <a:spLocks noGrp="1"/>
+          </p:cNvSpPr>
           <p:nvPr>
             <p:ph type="title"/>
           </p:nvPr>
@@ -7181,12 +7356,12 @@
           </a:prstGeom>
         </p:spPr>
         <p:txBody>
-          <a:bodyPr anchorCtr="0" anchor="t" bIns="91425" lIns="91425" spcFirstLastPara="1" rIns="91425" wrap="square" tIns="91425">
+          <a:bodyPr spcFirstLastPara="1" wrap="square" lIns="91425" tIns="91425" rIns="91425" bIns="91425" anchor="t" anchorCtr="0">
             <a:noAutofit/>
           </a:bodyPr>
           <a:lstStyle/>
           <a:p>
-            <a:pPr indent="0" lvl="0" marL="0" rtl="0" algn="l">
+            <a:pPr marL="0" lvl="0" indent="0" algn="l" rtl="0">
               <a:lnSpc>
                 <a:spcPct val="115000"/>
               </a:lnSpc>
@@ -7204,14 +7379,14 @@
               <a:buNone/>
             </a:pPr>
             <a:r>
-              <a:rPr b="1" lang="en" sz="2200">
+              <a:rPr lang="en" sz="2200" b="1">
                 <a:solidFill>
                   <a:srgbClr val="0000FF"/>
                 </a:solidFill>
               </a:rPr>
               <a:t>When to use Aggregation?</a:t>
             </a:r>
-            <a:endParaRPr b="1" sz="3200">
+            <a:endParaRPr sz="3200" b="1">
               <a:solidFill>
                 <a:srgbClr val="0000FF"/>
               </a:solidFill>
@@ -7222,9 +7397,11 @@
       <p:sp>
         <p:nvSpPr>
           <p:cNvPr id="76" name="Google Shape;76;p16"/>
-          <p:cNvSpPr txBox="1"/>
+          <p:cNvSpPr txBox="1">
+            <a:spLocks noGrp="1"/>
+          </p:cNvSpPr>
           <p:nvPr>
-            <p:ph idx="1" type="body"/>
+            <p:ph type="body" idx="1"/>
           </p:nvPr>
         </p:nvSpPr>
         <p:spPr>
@@ -7237,12 +7414,12 @@
           </a:prstGeom>
         </p:spPr>
         <p:txBody>
-          <a:bodyPr anchorCtr="0" anchor="t" bIns="91425" lIns="91425" spcFirstLastPara="1" rIns="91425" wrap="square" tIns="91425">
+          <a:bodyPr spcFirstLastPara="1" wrap="square" lIns="91425" tIns="91425" rIns="91425" bIns="91425" anchor="t" anchorCtr="0">
             <a:noAutofit/>
           </a:bodyPr>
           <a:lstStyle/>
           <a:p>
-            <a:pPr indent="-387350" lvl="0" marL="457200" rtl="0" algn="l">
+            <a:pPr marL="457200" lvl="0" indent="-387350" algn="l" rtl="0">
               <a:spcBef>
                 <a:spcPts val="0"/>
               </a:spcBef>
@@ -7257,7 +7434,7 @@
               <a:t>Code reuse is also best achieved by </a:t>
             </a:r>
             <a:r>
-              <a:rPr b="1" lang="en" sz="2500"/>
+              <a:rPr lang="en" sz="2500" b="1"/>
               <a:t>aggregation</a:t>
             </a:r>
             <a:r>
@@ -7265,7 +7442,7 @@
               <a:t> when there is </a:t>
             </a:r>
             <a:r>
-              <a:rPr b="1" lang="en" sz="2500">
+              <a:rPr lang="en" sz="2500" b="1">
                 <a:solidFill>
                   <a:srgbClr val="0000FF"/>
                 </a:solidFill>
@@ -7279,7 +7456,7 @@
             <a:endParaRPr sz="2500"/>
           </a:p>
           <a:p>
-            <a:pPr indent="-387350" lvl="0" marL="457200" rtl="0" algn="l">
+            <a:pPr marL="457200" lvl="0" indent="-387350" algn="l" rtl="0">
               <a:spcBef>
                 <a:spcPts val="0"/>
               </a:spcBef>
@@ -7294,7 +7471,7 @@
               <a:t>Inheritance should be used only if the relationship </a:t>
             </a:r>
             <a:r>
-              <a:rPr b="1" lang="en" sz="2500">
+              <a:rPr lang="en" sz="2500" b="1">
                 <a:solidFill>
                   <a:srgbClr val="0000FF"/>
                 </a:solidFill>
@@ -7308,7 +7485,7 @@
             <a:endParaRPr sz="2500"/>
           </a:p>
           <a:p>
-            <a:pPr indent="0" lvl="0" marL="0" rtl="0" algn="l">
+            <a:pPr marL="0" lvl="0" indent="0" algn="l" rtl="0">
               <a:spcBef>
                 <a:spcPts val="1600"/>
               </a:spcBef>
@@ -7324,7 +7501,7 @@
             <a:endParaRPr/>
           </a:p>
           <a:p>
-            <a:pPr indent="0" lvl="0" marL="0" rtl="0" algn="l">
+            <a:pPr marL="0" lvl="0" indent="0" algn="l" rtl="0">
               <a:spcBef>
                 <a:spcPts val="1600"/>
               </a:spcBef>
@@ -7333,9 +7510,6 @@
               </a:spcAft>
               <a:buNone/>
             </a:pPr>
-            <a:r>
-              <a:t/>
-            </a:r>
             <a:endParaRPr/>
           </a:p>
         </p:txBody>
@@ -7377,11 +7551,11 @@
 </file>
 
 <file path=ppt/slides/slide5.xml><?xml version="1.0" encoding="utf-8"?>
-<p:sld xmlns:a="http://schemas.openxmlformats.org/drawingml/2006/main" xmlns:r="http://schemas.openxmlformats.org/officeDocument/2006/relationships" xmlns:mc="http://schemas.openxmlformats.org/markup-compatibility/2006" xmlns:mv="urn:schemas-microsoft-com:mac:vml" xmlns:p="http://schemas.openxmlformats.org/presentationml/2006/main" xmlns:c="http://schemas.openxmlformats.org/drawingml/2006/chart" xmlns:dgm="http://schemas.openxmlformats.org/drawingml/2006/diagram" xmlns:o="urn:schemas-microsoft-com:office:office" xmlns:v="urn:schemas-microsoft-com:vml" xmlns:pvml="urn:schemas-microsoft-com:office:powerpoint" xmlns:com="http://schemas.openxmlformats.org/drawingml/2006/compatibility" xmlns:p14="http://schemas.microsoft.com/office/powerpoint/2010/main" xmlns:p15="http://schemas.microsoft.com/office/powerpoint/2012/main" xmlns:ahyp="http://schemas.microsoft.com/office/drawing/2018/hyperlinkcolor">
+<p:sld xmlns:a="http://schemas.openxmlformats.org/drawingml/2006/main" xmlns:r="http://schemas.openxmlformats.org/officeDocument/2006/relationships" xmlns:p="http://schemas.openxmlformats.org/presentationml/2006/main">
   <p:cSld>
     <p:spTree>
       <p:nvGrpSpPr>
-        <p:cNvPr id="81" name="Shape 81"/>
+        <p:cNvPr id="1" name="Shape 81"/>
         <p:cNvGrpSpPr/>
         <p:nvPr/>
       </p:nvGrpSpPr>
@@ -7396,7 +7570,9 @@
       <p:sp>
         <p:nvSpPr>
           <p:cNvPr id="82" name="Google Shape;82;p17"/>
-          <p:cNvSpPr txBox="1"/>
+          <p:cNvSpPr txBox="1">
+            <a:spLocks noGrp="1"/>
+          </p:cNvSpPr>
           <p:nvPr>
             <p:ph type="title"/>
           </p:nvPr>
@@ -7411,12 +7587,12 @@
           </a:prstGeom>
         </p:spPr>
         <p:txBody>
-          <a:bodyPr anchorCtr="0" anchor="t" bIns="91425" lIns="91425" spcFirstLastPara="1" rIns="91425" wrap="square" tIns="91425">
+          <a:bodyPr spcFirstLastPara="1" wrap="square" lIns="91425" tIns="91425" rIns="91425" bIns="91425" anchor="t" anchorCtr="0">
             <a:noAutofit/>
           </a:bodyPr>
           <a:lstStyle/>
           <a:p>
-            <a:pPr indent="0" lvl="0" marL="0" rtl="0" algn="l">
+            <a:pPr marL="0" lvl="0" indent="0" algn="l" rtl="0">
               <a:spcBef>
                 <a:spcPts val="0"/>
               </a:spcBef>
@@ -7426,7 +7602,7 @@
               <a:buNone/>
             </a:pPr>
             <a:r>
-              <a:rPr b="1" lang="en">
+              <a:rPr lang="en" b="1">
                 <a:solidFill>
                   <a:srgbClr val="0000FF"/>
                 </a:solidFill>
@@ -7444,9 +7620,11 @@
       <p:sp>
         <p:nvSpPr>
           <p:cNvPr id="83" name="Google Shape;83;p17"/>
-          <p:cNvSpPr txBox="1"/>
+          <p:cNvSpPr txBox="1">
+            <a:spLocks noGrp="1"/>
+          </p:cNvSpPr>
           <p:nvPr>
-            <p:ph idx="1" type="body"/>
+            <p:ph type="body" idx="1"/>
           </p:nvPr>
         </p:nvSpPr>
         <p:spPr>
@@ -7459,12 +7637,12 @@
           </a:prstGeom>
         </p:spPr>
         <p:txBody>
-          <a:bodyPr anchorCtr="0" anchor="t" bIns="91425" lIns="91425" spcFirstLastPara="1" rIns="91425" wrap="square" tIns="91425">
+          <a:bodyPr spcFirstLastPara="1" wrap="square" lIns="91425" tIns="91425" rIns="91425" bIns="91425" anchor="t" anchorCtr="0">
             <a:noAutofit/>
           </a:bodyPr>
           <a:lstStyle/>
           <a:p>
-            <a:pPr indent="0" lvl="0" marL="0" rtl="0" algn="l">
+            <a:pPr marL="0" lvl="0" indent="0" algn="l" rtl="0">
               <a:spcBef>
                 <a:spcPts val="0"/>
               </a:spcBef>
@@ -7478,7 +7656,7 @@
               <a:t>Polymorphism, meaning one object many shapes, is a simple concept that allows </a:t>
             </a:r>
             <a:r>
-              <a:rPr i="1" lang="en" sz="2400">
+              <a:rPr lang="en" sz="2400" i="1">
                 <a:solidFill>
                   <a:srgbClr val="0000FF"/>
                 </a:solidFill>
@@ -7490,7 +7668,7 @@
               <a:t>. This is also known as </a:t>
             </a:r>
             <a:r>
-              <a:rPr b="1" lang="en" sz="2400">
+              <a:rPr lang="en" sz="2400" b="1">
                 <a:solidFill>
                   <a:srgbClr val="0000FF"/>
                 </a:solidFill>
@@ -7542,11 +7720,11 @@
 </file>
 
 <file path=ppt/slides/slide6.xml><?xml version="1.0" encoding="utf-8"?>
-<p:sld xmlns:a="http://schemas.openxmlformats.org/drawingml/2006/main" xmlns:r="http://schemas.openxmlformats.org/officeDocument/2006/relationships" xmlns:mc="http://schemas.openxmlformats.org/markup-compatibility/2006" xmlns:mv="urn:schemas-microsoft-com:mac:vml" xmlns:p="http://schemas.openxmlformats.org/presentationml/2006/main" xmlns:c="http://schemas.openxmlformats.org/drawingml/2006/chart" xmlns:dgm="http://schemas.openxmlformats.org/drawingml/2006/diagram" xmlns:o="urn:schemas-microsoft-com:office:office" xmlns:v="urn:schemas-microsoft-com:vml" xmlns:pvml="urn:schemas-microsoft-com:office:powerpoint" xmlns:com="http://schemas.openxmlformats.org/drawingml/2006/compatibility" xmlns:p14="http://schemas.microsoft.com/office/powerpoint/2010/main" xmlns:p15="http://schemas.microsoft.com/office/powerpoint/2012/main" xmlns:ahyp="http://schemas.microsoft.com/office/drawing/2018/hyperlinkcolor">
+<p:sld xmlns:a="http://schemas.openxmlformats.org/drawingml/2006/main" xmlns:r="http://schemas.openxmlformats.org/officeDocument/2006/relationships" xmlns:p="http://schemas.openxmlformats.org/presentationml/2006/main">
   <p:cSld>
     <p:spTree>
       <p:nvGrpSpPr>
-        <p:cNvPr id="88" name="Shape 88"/>
+        <p:cNvPr id="1" name="Shape 88"/>
         <p:cNvGrpSpPr/>
         <p:nvPr/>
       </p:nvGrpSpPr>
@@ -7561,7 +7739,9 @@
       <p:sp>
         <p:nvSpPr>
           <p:cNvPr id="89" name="Google Shape;89;p18"/>
-          <p:cNvSpPr txBox="1"/>
+          <p:cNvSpPr txBox="1">
+            <a:spLocks noGrp="1"/>
+          </p:cNvSpPr>
           <p:nvPr>
             <p:ph type="title"/>
           </p:nvPr>
@@ -7576,12 +7756,12 @@
           </a:prstGeom>
         </p:spPr>
         <p:txBody>
-          <a:bodyPr anchorCtr="0" anchor="t" bIns="91425" lIns="91425" spcFirstLastPara="1" rIns="91425" wrap="square" tIns="91425">
+          <a:bodyPr spcFirstLastPara="1" wrap="square" lIns="91425" tIns="91425" rIns="91425" bIns="91425" anchor="t" anchorCtr="0">
             <a:noAutofit/>
           </a:bodyPr>
           <a:lstStyle/>
           <a:p>
-            <a:pPr indent="0" lvl="0" marL="0" rtl="0" algn="l">
+            <a:pPr marL="0" lvl="0" indent="0" algn="l" rtl="0">
               <a:spcBef>
                 <a:spcPts val="0"/>
               </a:spcBef>
@@ -7591,7 +7771,7 @@
               <a:buNone/>
             </a:pPr>
             <a:r>
-              <a:rPr b="1" lang="en">
+              <a:rPr lang="en" b="1">
                 <a:solidFill>
                   <a:srgbClr val="0000FF"/>
                 </a:solidFill>
@@ -7609,9 +7789,11 @@
       <p:sp>
         <p:nvSpPr>
           <p:cNvPr id="90" name="Google Shape;90;p18"/>
-          <p:cNvSpPr txBox="1"/>
+          <p:cNvSpPr txBox="1">
+            <a:spLocks noGrp="1"/>
+          </p:cNvSpPr>
           <p:nvPr>
-            <p:ph idx="1" type="body"/>
+            <p:ph type="body" idx="1"/>
           </p:nvPr>
         </p:nvSpPr>
         <p:spPr>
@@ -7624,12 +7806,12 @@
           </a:prstGeom>
         </p:spPr>
         <p:txBody>
-          <a:bodyPr anchorCtr="0" anchor="t" bIns="91425" lIns="91425" spcFirstLastPara="1" rIns="91425" wrap="square" tIns="91425">
+          <a:bodyPr spcFirstLastPara="1" wrap="square" lIns="91425" tIns="91425" rIns="91425" bIns="91425" anchor="t" anchorCtr="0">
             <a:noAutofit/>
           </a:bodyPr>
           <a:lstStyle/>
           <a:p>
-            <a:pPr indent="0" lvl="0" marL="0" rtl="0" algn="l">
+            <a:pPr marL="0" lvl="0" indent="0" algn="l" rtl="0">
               <a:spcBef>
                 <a:spcPts val="0"/>
               </a:spcBef>
@@ -7645,7 +7827,7 @@
             <a:endParaRPr/>
           </a:p>
           <a:p>
-            <a:pPr indent="-342900" lvl="0" marL="457200" rtl="0" algn="l">
+            <a:pPr marL="457200" lvl="0" indent="-342900" algn="l" rtl="0">
               <a:spcBef>
                 <a:spcPts val="1600"/>
               </a:spcBef>
@@ -7662,7 +7844,7 @@
             <a:endParaRPr/>
           </a:p>
           <a:p>
-            <a:pPr indent="-342900" lvl="0" marL="457200" rtl="0" algn="l">
+            <a:pPr marL="457200" lvl="0" indent="-342900" algn="l" rtl="0">
               <a:spcBef>
                 <a:spcPts val="0"/>
               </a:spcBef>
@@ -7679,7 +7861,7 @@
             <a:endParaRPr/>
           </a:p>
           <a:p>
-            <a:pPr indent="0" lvl="0" marL="0" rtl="0" algn="l">
+            <a:pPr marL="0" lvl="0" indent="0" algn="l" rtl="0">
               <a:spcBef>
                 <a:spcPts val="1600"/>
               </a:spcBef>
@@ -7695,7 +7877,7 @@
             <a:endParaRPr/>
           </a:p>
           <a:p>
-            <a:pPr indent="-342900" lvl="0" marL="457200" rtl="0" algn="l">
+            <a:pPr marL="457200" lvl="0" indent="-342900" algn="l" rtl="0">
               <a:spcBef>
                 <a:spcPts val="1600"/>
               </a:spcBef>
@@ -7712,7 +7894,7 @@
             <a:endParaRPr/>
           </a:p>
           <a:p>
-            <a:pPr indent="-342900" lvl="0" marL="457200" rtl="0" algn="l">
+            <a:pPr marL="457200" lvl="0" indent="-342900" algn="l" rtl="0">
               <a:spcBef>
                 <a:spcPts val="0"/>
               </a:spcBef>
@@ -7729,7 +7911,7 @@
             <a:endParaRPr/>
           </a:p>
           <a:p>
-            <a:pPr indent="-342900" lvl="0" marL="457200" rtl="0" algn="l">
+            <a:pPr marL="457200" lvl="0" indent="-342900" algn="l" rtl="0">
               <a:spcBef>
                 <a:spcPts val="0"/>
               </a:spcBef>
@@ -7744,7 +7926,7 @@
               <a:t>There must be an </a:t>
             </a:r>
             <a:r>
-              <a:rPr b="1" lang="en">
+              <a:rPr lang="en" b="1">
                 <a:solidFill>
                   <a:srgbClr val="0000FF"/>
                 </a:solidFill>
@@ -7758,7 +7940,7 @@
             <a:endParaRPr/>
           </a:p>
           <a:p>
-            <a:pPr indent="0" lvl="0" marL="0" rtl="0" algn="l">
+            <a:pPr marL="0" lvl="0" indent="0" algn="l" rtl="0">
               <a:spcBef>
                 <a:spcPts val="1600"/>
               </a:spcBef>
@@ -7767,9 +7949,6 @@
               </a:spcAft>
               <a:buNone/>
             </a:pPr>
-            <a:r>
-              <a:t/>
-            </a:r>
             <a:endParaRPr/>
           </a:p>
         </p:txBody>
@@ -7811,11 +7990,11 @@
 </file>
 
 <file path=ppt/slides/slide7.xml><?xml version="1.0" encoding="utf-8"?>
-<p:sld xmlns:a="http://schemas.openxmlformats.org/drawingml/2006/main" xmlns:r="http://schemas.openxmlformats.org/officeDocument/2006/relationships" xmlns:mc="http://schemas.openxmlformats.org/markup-compatibility/2006" xmlns:mv="urn:schemas-microsoft-com:mac:vml" xmlns:p="http://schemas.openxmlformats.org/presentationml/2006/main" xmlns:c="http://schemas.openxmlformats.org/drawingml/2006/chart" xmlns:dgm="http://schemas.openxmlformats.org/drawingml/2006/diagram" xmlns:o="urn:schemas-microsoft-com:office:office" xmlns:v="urn:schemas-microsoft-com:vml" xmlns:pvml="urn:schemas-microsoft-com:office:powerpoint" xmlns:com="http://schemas.openxmlformats.org/drawingml/2006/compatibility" xmlns:p14="http://schemas.microsoft.com/office/powerpoint/2010/main" xmlns:p15="http://schemas.microsoft.com/office/powerpoint/2012/main" xmlns:ahyp="http://schemas.microsoft.com/office/drawing/2018/hyperlinkcolor">
+<p:sld xmlns:a="http://schemas.openxmlformats.org/drawingml/2006/main" xmlns:r="http://schemas.openxmlformats.org/officeDocument/2006/relationships" xmlns:p="http://schemas.openxmlformats.org/presentationml/2006/main">
   <p:cSld>
     <p:spTree>
       <p:nvGrpSpPr>
-        <p:cNvPr id="95" name="Shape 95"/>
+        <p:cNvPr id="1" name="Shape 95"/>
         <p:cNvGrpSpPr/>
         <p:nvPr/>
       </p:nvGrpSpPr>
@@ -7830,7 +8009,9 @@
       <p:sp>
         <p:nvSpPr>
           <p:cNvPr id="96" name="Google Shape;96;p19"/>
-          <p:cNvSpPr txBox="1"/>
+          <p:cNvSpPr txBox="1">
+            <a:spLocks noGrp="1"/>
+          </p:cNvSpPr>
           <p:nvPr>
             <p:ph type="title"/>
           </p:nvPr>
@@ -7845,12 +8026,12 @@
           </a:prstGeom>
         </p:spPr>
         <p:txBody>
-          <a:bodyPr anchorCtr="0" anchor="t" bIns="91425" lIns="91425" spcFirstLastPara="1" rIns="91425" wrap="square" tIns="91425">
+          <a:bodyPr spcFirstLastPara="1" wrap="square" lIns="91425" tIns="91425" rIns="91425" bIns="91425" anchor="t" anchorCtr="0">
             <a:noAutofit/>
           </a:bodyPr>
           <a:lstStyle/>
           <a:p>
-            <a:pPr indent="0" lvl="0" marL="0" rtl="0" algn="l">
+            <a:pPr marL="0" lvl="0" indent="0" algn="l" rtl="0">
               <a:spcBef>
                 <a:spcPts val="0"/>
               </a:spcBef>
@@ -7860,20 +8041,12 @@
               <a:buNone/>
             </a:pPr>
             <a:r>
-              <a:rPr b="1" lang="en">
+              <a:rPr lang="en" b="1">
                 <a:solidFill>
                   <a:srgbClr val="0000FF"/>
                 </a:solidFill>
               </a:rPr>
-              <a:t>M</a:t>
-            </a:r>
-            <a:r>
-              <a:rPr b="1" lang="en">
-                <a:solidFill>
-                  <a:srgbClr val="0000FF"/>
-                </a:solidFill>
-              </a:rPr>
-              <a:t>ethod overloading Vs Method Overriding</a:t>
+              <a:t>Method overloading Vs Method Overriding</a:t>
             </a:r>
             <a:endParaRPr b="1">
               <a:solidFill>
@@ -7903,8 +8076,20 @@
                 <a:tableStyleId>{0FA555B5-D7F1-4F4F-814B-DBA565375CD3}</a:tableStyleId>
               </a:tblPr>
               <a:tblGrid>
-                <a:gridCol w="4679925"/>
-                <a:gridCol w="4125700"/>
+                <a:gridCol w="4679925">
+                  <a:extLst>
+                    <a:ext uri="{9D8B030D-6E8A-4147-A177-3AD203B41FA5}">
+                      <a16:colId xmlns:a16="http://schemas.microsoft.com/office/drawing/2014/main" val="20000"/>
+                    </a:ext>
+                  </a:extLst>
+                </a:gridCol>
+                <a:gridCol w="4125700">
+                  <a:extLst>
+                    <a:ext uri="{9D8B030D-6E8A-4147-A177-3AD203B41FA5}">
+                      <a16:colId xmlns:a16="http://schemas.microsoft.com/office/drawing/2014/main" val="20001"/>
+                    </a:ext>
+                  </a:extLst>
+                </a:gridCol>
               </a:tblGrid>
               <a:tr h="399300">
                 <a:tc>
@@ -7912,7 +8097,7 @@
                     <a:bodyPr/>
                     <a:lstStyle/>
                     <a:p>
-                      <a:pPr indent="0" lvl="0" marL="0" rtl="0" algn="ctr">
+                      <a:pPr marL="0" lvl="0" indent="0" algn="ctr" rtl="0">
                         <a:lnSpc>
                           <a:spcPct val="115000"/>
                         </a:lnSpc>
@@ -7925,7 +8110,7 @@
                         <a:buNone/>
                       </a:pPr>
                       <a:r>
-                        <a:rPr b="1" lang="en" sz="1300">
+                        <a:rPr lang="en" sz="1300" b="1">
                           <a:solidFill>
                             <a:srgbClr val="0000FF"/>
                           </a:solidFill>
@@ -7939,7 +8124,7 @@
                         </a:rPr>
                         <a:t>Method Overloading</a:t>
                       </a:r>
-                      <a:endParaRPr b="1" sz="1300">
+                      <a:endParaRPr sz="1300" b="1">
                         <a:solidFill>
                           <a:srgbClr val="0000FF"/>
                         </a:solidFill>
@@ -7953,42 +8138,42 @@
                       </a:endParaRPr>
                     </a:p>
                   </a:txBody>
-                  <a:tcPr marT="114300" marB="114300" marR="114300" marL="114300">
-                    <a:lnL cap="flat" cmpd="sng" w="9525">
+                  <a:tcPr marL="114300" marR="114300" marT="114300" marB="114300">
+                    <a:lnL w="9525" cap="flat" cmpd="sng">
                       <a:solidFill>
                         <a:srgbClr val="000000"/>
                       </a:solidFill>
                       <a:prstDash val="solid"/>
                       <a:round/>
-                      <a:headEnd len="sm" w="sm" type="none"/>
-                      <a:tailEnd len="sm" w="sm" type="none"/>
+                      <a:headEnd type="none" w="sm" len="sm"/>
+                      <a:tailEnd type="none" w="sm" len="sm"/>
                     </a:lnL>
-                    <a:lnR cap="flat" cmpd="sng" w="9525">
+                    <a:lnR w="9525" cap="flat" cmpd="sng">
                       <a:solidFill>
                         <a:srgbClr val="000000"/>
                       </a:solidFill>
                       <a:prstDash val="solid"/>
                       <a:round/>
-                      <a:headEnd len="sm" w="sm" type="none"/>
-                      <a:tailEnd len="sm" w="sm" type="none"/>
+                      <a:headEnd type="none" w="sm" len="sm"/>
+                      <a:tailEnd type="none" w="sm" len="sm"/>
                     </a:lnR>
-                    <a:lnT cap="flat" cmpd="sng" w="9525">
+                    <a:lnT w="9525" cap="flat" cmpd="sng">
                       <a:solidFill>
                         <a:srgbClr val="000000"/>
                       </a:solidFill>
                       <a:prstDash val="solid"/>
                       <a:round/>
-                      <a:headEnd len="sm" w="sm" type="none"/>
-                      <a:tailEnd len="sm" w="sm" type="none"/>
+                      <a:headEnd type="none" w="sm" len="sm"/>
+                      <a:tailEnd type="none" w="sm" len="sm"/>
                     </a:lnT>
-                    <a:lnB cap="flat" cmpd="sng" w="9525">
+                    <a:lnB w="9525" cap="flat" cmpd="sng">
                       <a:solidFill>
                         <a:srgbClr val="000000"/>
                       </a:solidFill>
                       <a:prstDash val="solid"/>
                       <a:round/>
-                      <a:headEnd len="sm" w="sm" type="none"/>
-                      <a:tailEnd len="sm" w="sm" type="none"/>
+                      <a:headEnd type="none" w="sm" len="sm"/>
+                      <a:tailEnd type="none" w="sm" len="sm"/>
                     </a:lnB>
                     <a:solidFill>
                       <a:srgbClr val="FFFFFF"/>
@@ -8000,7 +8185,7 @@
                     <a:bodyPr/>
                     <a:lstStyle/>
                     <a:p>
-                      <a:pPr indent="0" lvl="0" marL="0" rtl="0" algn="ctr">
+                      <a:pPr marL="0" lvl="0" indent="0" algn="ctr" rtl="0">
                         <a:lnSpc>
                           <a:spcPct val="115000"/>
                         </a:lnSpc>
@@ -8013,7 +8198,7 @@
                         <a:buNone/>
                       </a:pPr>
                       <a:r>
-                        <a:rPr b="1" lang="en" sz="1300">
+                        <a:rPr lang="en" sz="1300" b="1">
                           <a:solidFill>
                             <a:srgbClr val="0000FF"/>
                           </a:solidFill>
@@ -8027,7 +8212,7 @@
                         </a:rPr>
                         <a:t>Method Overriding</a:t>
                       </a:r>
-                      <a:endParaRPr b="1" sz="1300">
+                      <a:endParaRPr sz="1300" b="1">
                         <a:solidFill>
                           <a:srgbClr val="0000FF"/>
                         </a:solidFill>
@@ -8041,48 +8226,53 @@
                       </a:endParaRPr>
                     </a:p>
                   </a:txBody>
-                  <a:tcPr marT="114300" marB="114300" marR="114300" marL="114300">
-                    <a:lnL cap="flat" cmpd="sng" w="9525">
+                  <a:tcPr marL="114300" marR="114300" marT="114300" marB="114300">
+                    <a:lnL w="9525" cap="flat" cmpd="sng">
                       <a:solidFill>
                         <a:srgbClr val="000000"/>
                       </a:solidFill>
                       <a:prstDash val="solid"/>
                       <a:round/>
-                      <a:headEnd len="sm" w="sm" type="none"/>
-                      <a:tailEnd len="sm" w="sm" type="none"/>
+                      <a:headEnd type="none" w="sm" len="sm"/>
+                      <a:tailEnd type="none" w="sm" len="sm"/>
                     </a:lnL>
-                    <a:lnR cap="flat" cmpd="sng" w="9525">
+                    <a:lnR w="9525" cap="flat" cmpd="sng">
                       <a:solidFill>
                         <a:srgbClr val="000000"/>
                       </a:solidFill>
                       <a:prstDash val="solid"/>
                       <a:round/>
-                      <a:headEnd len="sm" w="sm" type="none"/>
-                      <a:tailEnd len="sm" w="sm" type="none"/>
+                      <a:headEnd type="none" w="sm" len="sm"/>
+                      <a:tailEnd type="none" w="sm" len="sm"/>
                     </a:lnR>
-                    <a:lnT cap="flat" cmpd="sng" w="9525">
+                    <a:lnT w="9525" cap="flat" cmpd="sng">
                       <a:solidFill>
                         <a:srgbClr val="000000"/>
                       </a:solidFill>
                       <a:prstDash val="solid"/>
                       <a:round/>
-                      <a:headEnd len="sm" w="sm" type="none"/>
-                      <a:tailEnd len="sm" w="sm" type="none"/>
+                      <a:headEnd type="none" w="sm" len="sm"/>
+                      <a:tailEnd type="none" w="sm" len="sm"/>
                     </a:lnT>
-                    <a:lnB cap="flat" cmpd="sng" w="9525">
+                    <a:lnB w="9525" cap="flat" cmpd="sng">
                       <a:solidFill>
                         <a:srgbClr val="000000"/>
                       </a:solidFill>
                       <a:prstDash val="solid"/>
                       <a:round/>
-                      <a:headEnd len="sm" w="sm" type="none"/>
-                      <a:tailEnd len="sm" w="sm" type="none"/>
+                      <a:headEnd type="none" w="sm" len="sm"/>
+                      <a:tailEnd type="none" w="sm" len="sm"/>
                     </a:lnB>
                     <a:solidFill>
                       <a:srgbClr val="FFFFFF"/>
                     </a:solidFill>
                   </a:tcPr>
                 </a:tc>
+                <a:extLst>
+                  <a:ext uri="{0D108BD9-81ED-4DB2-BD59-A6C34878D82A}">
+                    <a16:rowId xmlns:a16="http://schemas.microsoft.com/office/drawing/2014/main" val="10000"/>
+                  </a:ext>
+                </a:extLst>
               </a:tr>
               <a:tr h="703850">
                 <a:tc>
@@ -8090,7 +8280,7 @@
                     <a:bodyPr/>
                     <a:lstStyle/>
                     <a:p>
-                      <a:pPr indent="0" lvl="0" marL="190500" rtl="0" algn="l">
+                      <a:pPr marL="190500" lvl="0" indent="0" algn="l" rtl="0">
                         <a:lnSpc>
                           <a:spcPct val="100000"/>
                         </a:lnSpc>
@@ -8115,7 +8305,7 @@
                         <a:t>Method overloading is used </a:t>
                       </a:r>
                       <a:r>
-                        <a:rPr i="1" lang="en">
+                        <a:rPr lang="en" i="1">
                           <a:highlight>
                             <a:srgbClr val="FFFFFF"/>
                           </a:highlight>
@@ -8127,7 +8317,7 @@
                         <a:t>to </a:t>
                       </a:r>
                       <a:r>
-                        <a:rPr i="1" lang="en">
+                        <a:rPr lang="en" i="1">
                           <a:solidFill>
                             <a:srgbClr val="0000FF"/>
                           </a:solidFill>
@@ -8164,42 +8354,42 @@
                       </a:endParaRPr>
                     </a:p>
                   </a:txBody>
-                  <a:tcPr marT="76200" marB="76200" marR="76200" marL="76200">
-                    <a:lnL cap="flat" cmpd="sng" w="9525">
+                  <a:tcPr marL="76200" marR="76200" marT="76200" marB="76200">
+                    <a:lnL w="9525" cap="flat" cmpd="sng">
                       <a:solidFill>
                         <a:srgbClr val="000000"/>
                       </a:solidFill>
                       <a:prstDash val="solid"/>
                       <a:round/>
-                      <a:headEnd len="sm" w="sm" type="none"/>
-                      <a:tailEnd len="sm" w="sm" type="none"/>
+                      <a:headEnd type="none" w="sm" len="sm"/>
+                      <a:tailEnd type="none" w="sm" len="sm"/>
                     </a:lnL>
-                    <a:lnR cap="flat" cmpd="sng" w="9525">
+                    <a:lnR w="9525" cap="flat" cmpd="sng">
                       <a:solidFill>
                         <a:srgbClr val="000000"/>
                       </a:solidFill>
                       <a:prstDash val="solid"/>
                       <a:round/>
-                      <a:headEnd len="sm" w="sm" type="none"/>
-                      <a:tailEnd len="sm" w="sm" type="none"/>
+                      <a:headEnd type="none" w="sm" len="sm"/>
+                      <a:tailEnd type="none" w="sm" len="sm"/>
                     </a:lnR>
-                    <a:lnT cap="flat" cmpd="sng" w="9525">
+                    <a:lnT w="9525" cap="flat" cmpd="sng">
                       <a:solidFill>
                         <a:srgbClr val="000000"/>
                       </a:solidFill>
                       <a:prstDash val="solid"/>
                       <a:round/>
-                      <a:headEnd len="sm" w="sm" type="none"/>
-                      <a:tailEnd len="sm" w="sm" type="none"/>
+                      <a:headEnd type="none" w="sm" len="sm"/>
+                      <a:tailEnd type="none" w="sm" len="sm"/>
                     </a:lnT>
-                    <a:lnB cap="flat" cmpd="sng" w="9525">
+                    <a:lnB w="9525" cap="flat" cmpd="sng">
                       <a:solidFill>
                         <a:srgbClr val="000000"/>
                       </a:solidFill>
                       <a:prstDash val="solid"/>
                       <a:round/>
-                      <a:headEnd len="sm" w="sm" type="none"/>
-                      <a:tailEnd len="sm" w="sm" type="none"/>
+                      <a:headEnd type="none" w="sm" len="sm"/>
+                      <a:tailEnd type="none" w="sm" len="sm"/>
                     </a:lnB>
                   </a:tcPr>
                 </a:tc>
@@ -8208,7 +8398,7 @@
                     <a:bodyPr/>
                     <a:lstStyle/>
                     <a:p>
-                      <a:pPr indent="0" lvl="0" marL="190500" rtl="0" algn="l">
+                      <a:pPr marL="190500" lvl="0" indent="0" algn="l" rtl="0">
                         <a:lnSpc>
                           <a:spcPct val="100000"/>
                         </a:lnSpc>
@@ -8233,7 +8423,7 @@
                         <a:t>Method overriding is used </a:t>
                       </a:r>
                       <a:r>
-                        <a:rPr i="1" lang="en">
+                        <a:rPr lang="en" i="1">
                           <a:highlight>
                             <a:srgbClr val="FFFFFF"/>
                           </a:highlight>
@@ -8245,7 +8435,7 @@
                         <a:t>to provide the </a:t>
                       </a:r>
                       <a:r>
-                        <a:rPr i="1" lang="en">
+                        <a:rPr lang="en" i="1">
                           <a:solidFill>
                             <a:srgbClr val="0000FF"/>
                           </a:solidFill>
@@ -8282,45 +8472,50 @@
                       </a:endParaRPr>
                     </a:p>
                   </a:txBody>
-                  <a:tcPr marT="76200" marB="76200" marR="76200" marL="76200">
-                    <a:lnL cap="flat" cmpd="sng" w="9525">
+                  <a:tcPr marL="76200" marR="76200" marT="76200" marB="76200">
+                    <a:lnL w="9525" cap="flat" cmpd="sng">
                       <a:solidFill>
                         <a:srgbClr val="000000"/>
                       </a:solidFill>
                       <a:prstDash val="solid"/>
                       <a:round/>
-                      <a:headEnd len="sm" w="sm" type="none"/>
-                      <a:tailEnd len="sm" w="sm" type="none"/>
+                      <a:headEnd type="none" w="sm" len="sm"/>
+                      <a:tailEnd type="none" w="sm" len="sm"/>
                     </a:lnL>
-                    <a:lnR cap="flat" cmpd="sng" w="9525">
+                    <a:lnR w="9525" cap="flat" cmpd="sng">
                       <a:solidFill>
                         <a:srgbClr val="000000"/>
                       </a:solidFill>
                       <a:prstDash val="solid"/>
                       <a:round/>
-                      <a:headEnd len="sm" w="sm" type="none"/>
-                      <a:tailEnd len="sm" w="sm" type="none"/>
+                      <a:headEnd type="none" w="sm" len="sm"/>
+                      <a:tailEnd type="none" w="sm" len="sm"/>
                     </a:lnR>
-                    <a:lnT cap="flat" cmpd="sng" w="9525">
+                    <a:lnT w="9525" cap="flat" cmpd="sng">
                       <a:solidFill>
                         <a:srgbClr val="000000"/>
                       </a:solidFill>
                       <a:prstDash val="solid"/>
                       <a:round/>
-                      <a:headEnd len="sm" w="sm" type="none"/>
-                      <a:tailEnd len="sm" w="sm" type="none"/>
+                      <a:headEnd type="none" w="sm" len="sm"/>
+                      <a:tailEnd type="none" w="sm" len="sm"/>
                     </a:lnT>
-                    <a:lnB cap="flat" cmpd="sng" w="9525">
+                    <a:lnB w="9525" cap="flat" cmpd="sng">
                       <a:solidFill>
                         <a:srgbClr val="000000"/>
                       </a:solidFill>
                       <a:prstDash val="solid"/>
                       <a:round/>
-                      <a:headEnd len="sm" w="sm" type="none"/>
-                      <a:tailEnd len="sm" w="sm" type="none"/>
+                      <a:headEnd type="none" w="sm" len="sm"/>
+                      <a:tailEnd type="none" w="sm" len="sm"/>
                     </a:lnB>
                   </a:tcPr>
                 </a:tc>
+                <a:extLst>
+                  <a:ext uri="{0D108BD9-81ED-4DB2-BD59-A6C34878D82A}">
+                    <a16:rowId xmlns:a16="http://schemas.microsoft.com/office/drawing/2014/main" val="10001"/>
+                  </a:ext>
+                </a:extLst>
               </a:tr>
               <a:tr h="598950">
                 <a:tc>
@@ -8328,7 +8523,7 @@
                     <a:bodyPr/>
                     <a:lstStyle/>
                     <a:p>
-                      <a:pPr indent="0" lvl="0" marL="190500" rtl="0" algn="l">
+                      <a:pPr marL="190500" lvl="0" indent="0" algn="l" rtl="0">
                         <a:lnSpc>
                           <a:spcPct val="100000"/>
                         </a:lnSpc>
@@ -8353,7 +8548,7 @@
                         <a:t>Method overloading is performed </a:t>
                       </a:r>
                       <a:r>
-                        <a:rPr i="1" lang="en">
+                        <a:rPr lang="en" i="1">
                           <a:solidFill>
                             <a:srgbClr val="0000FF"/>
                           </a:solidFill>
@@ -8390,42 +8585,42 @@
                       </a:endParaRPr>
                     </a:p>
                   </a:txBody>
-                  <a:tcPr marT="76200" marB="76200" marR="76200" marL="76200">
-                    <a:lnL cap="flat" cmpd="sng" w="9525">
+                  <a:tcPr marL="76200" marR="76200" marT="76200" marB="76200">
+                    <a:lnL w="9525" cap="flat" cmpd="sng">
                       <a:solidFill>
                         <a:srgbClr val="000000"/>
                       </a:solidFill>
                       <a:prstDash val="solid"/>
                       <a:round/>
-                      <a:headEnd len="sm" w="sm" type="none"/>
-                      <a:tailEnd len="sm" w="sm" type="none"/>
+                      <a:headEnd type="none" w="sm" len="sm"/>
+                      <a:tailEnd type="none" w="sm" len="sm"/>
                     </a:lnL>
-                    <a:lnR cap="flat" cmpd="sng" w="9525">
+                    <a:lnR w="9525" cap="flat" cmpd="sng">
                       <a:solidFill>
                         <a:srgbClr val="000000"/>
                       </a:solidFill>
                       <a:prstDash val="solid"/>
                       <a:round/>
-                      <a:headEnd len="sm" w="sm" type="none"/>
-                      <a:tailEnd len="sm" w="sm" type="none"/>
+                      <a:headEnd type="none" w="sm" len="sm"/>
+                      <a:tailEnd type="none" w="sm" len="sm"/>
                     </a:lnR>
-                    <a:lnT cap="flat" cmpd="sng" w="9525">
+                    <a:lnT w="9525" cap="flat" cmpd="sng">
                       <a:solidFill>
                         <a:srgbClr val="000000"/>
                       </a:solidFill>
                       <a:prstDash val="solid"/>
                       <a:round/>
-                      <a:headEnd len="sm" w="sm" type="none"/>
-                      <a:tailEnd len="sm" w="sm" type="none"/>
+                      <a:headEnd type="none" w="sm" len="sm"/>
+                      <a:tailEnd type="none" w="sm" len="sm"/>
                     </a:lnT>
-                    <a:lnB cap="flat" cmpd="sng" w="9525">
+                    <a:lnB w="9525" cap="flat" cmpd="sng">
                       <a:solidFill>
                         <a:srgbClr val="000000"/>
                       </a:solidFill>
                       <a:prstDash val="solid"/>
                       <a:round/>
-                      <a:headEnd len="sm" w="sm" type="none"/>
-                      <a:tailEnd len="sm" w="sm" type="none"/>
+                      <a:headEnd type="none" w="sm" len="sm"/>
+                      <a:tailEnd type="none" w="sm" len="sm"/>
                     </a:lnB>
                   </a:tcPr>
                 </a:tc>
@@ -8434,7 +8629,7 @@
                     <a:bodyPr/>
                     <a:lstStyle/>
                     <a:p>
-                      <a:pPr indent="0" lvl="0" marL="190500" rtl="0" algn="l">
+                      <a:pPr marL="190500" lvl="0" indent="0" algn="l" rtl="0">
                         <a:lnSpc>
                           <a:spcPct val="100000"/>
                         </a:lnSpc>
@@ -8459,7 +8654,7 @@
                         <a:t>Method overriding occurs </a:t>
                       </a:r>
                       <a:r>
-                        <a:rPr i="1" lang="en">
+                        <a:rPr lang="en" i="1">
                           <a:solidFill>
                             <a:srgbClr val="0000FF"/>
                           </a:solidFill>
@@ -8511,45 +8706,50 @@
                       </a:endParaRPr>
                     </a:p>
                   </a:txBody>
-                  <a:tcPr marT="76200" marB="76200" marR="76200" marL="76200">
-                    <a:lnL cap="flat" cmpd="sng" w="9525">
+                  <a:tcPr marL="76200" marR="76200" marT="76200" marB="76200">
+                    <a:lnL w="9525" cap="flat" cmpd="sng">
                       <a:solidFill>
                         <a:srgbClr val="000000"/>
                       </a:solidFill>
                       <a:prstDash val="solid"/>
                       <a:round/>
-                      <a:headEnd len="sm" w="sm" type="none"/>
-                      <a:tailEnd len="sm" w="sm" type="none"/>
+                      <a:headEnd type="none" w="sm" len="sm"/>
+                      <a:tailEnd type="none" w="sm" len="sm"/>
                     </a:lnL>
-                    <a:lnR cap="flat" cmpd="sng" w="9525">
+                    <a:lnR w="9525" cap="flat" cmpd="sng">
                       <a:solidFill>
                         <a:srgbClr val="000000"/>
                       </a:solidFill>
                       <a:prstDash val="solid"/>
                       <a:round/>
-                      <a:headEnd len="sm" w="sm" type="none"/>
-                      <a:tailEnd len="sm" w="sm" type="none"/>
+                      <a:headEnd type="none" w="sm" len="sm"/>
+                      <a:tailEnd type="none" w="sm" len="sm"/>
                     </a:lnR>
-                    <a:lnT cap="flat" cmpd="sng" w="9525">
+                    <a:lnT w="9525" cap="flat" cmpd="sng">
                       <a:solidFill>
                         <a:srgbClr val="000000"/>
                       </a:solidFill>
                       <a:prstDash val="solid"/>
                       <a:round/>
-                      <a:headEnd len="sm" w="sm" type="none"/>
-                      <a:tailEnd len="sm" w="sm" type="none"/>
+                      <a:headEnd type="none" w="sm" len="sm"/>
+                      <a:tailEnd type="none" w="sm" len="sm"/>
                     </a:lnT>
-                    <a:lnB cap="flat" cmpd="sng" w="9525">
+                    <a:lnB w="9525" cap="flat" cmpd="sng">
                       <a:solidFill>
                         <a:srgbClr val="000000"/>
                       </a:solidFill>
                       <a:prstDash val="solid"/>
                       <a:round/>
-                      <a:headEnd len="sm" w="sm" type="none"/>
-                      <a:tailEnd len="sm" w="sm" type="none"/>
+                      <a:headEnd type="none" w="sm" len="sm"/>
+                      <a:tailEnd type="none" w="sm" len="sm"/>
                     </a:lnB>
                   </a:tcPr>
                 </a:tc>
+                <a:extLst>
+                  <a:ext uri="{0D108BD9-81ED-4DB2-BD59-A6C34878D82A}">
+                    <a16:rowId xmlns:a16="http://schemas.microsoft.com/office/drawing/2014/main" val="10002"/>
+                  </a:ext>
+                </a:extLst>
               </a:tr>
               <a:tr h="598950">
                 <a:tc>
@@ -8557,7 +8757,7 @@
                     <a:bodyPr/>
                     <a:lstStyle/>
                     <a:p>
-                      <a:pPr indent="0" lvl="0" marL="190500" rtl="0" algn="l">
+                      <a:pPr marL="190500" lvl="0" indent="0" algn="l" rtl="0">
                         <a:lnSpc>
                           <a:spcPct val="100000"/>
                         </a:lnSpc>
@@ -8582,7 +8782,7 @@
                         <a:t>In case of method overloading, </a:t>
                       </a:r>
                       <a:r>
-                        <a:rPr i="1" lang="en">
+                        <a:rPr lang="en" i="1">
                           <a:solidFill>
                             <a:srgbClr val="0000FF"/>
                           </a:solidFill>
@@ -8619,42 +8819,42 @@
                       </a:endParaRPr>
                     </a:p>
                   </a:txBody>
-                  <a:tcPr marT="76200" marB="76200" marR="76200" marL="76200">
-                    <a:lnL cap="flat" cmpd="sng" w="9525">
+                  <a:tcPr marL="76200" marR="76200" marT="76200" marB="76200">
+                    <a:lnL w="9525" cap="flat" cmpd="sng">
                       <a:solidFill>
                         <a:srgbClr val="000000"/>
                       </a:solidFill>
                       <a:prstDash val="solid"/>
                       <a:round/>
-                      <a:headEnd len="sm" w="sm" type="none"/>
-                      <a:tailEnd len="sm" w="sm" type="none"/>
+                      <a:headEnd type="none" w="sm" len="sm"/>
+                      <a:tailEnd type="none" w="sm" len="sm"/>
                     </a:lnL>
-                    <a:lnR cap="flat" cmpd="sng" w="9525">
+                    <a:lnR w="9525" cap="flat" cmpd="sng">
                       <a:solidFill>
                         <a:srgbClr val="000000"/>
                       </a:solidFill>
                       <a:prstDash val="solid"/>
                       <a:round/>
-                      <a:headEnd len="sm" w="sm" type="none"/>
-                      <a:tailEnd len="sm" w="sm" type="none"/>
+                      <a:headEnd type="none" w="sm" len="sm"/>
+                      <a:tailEnd type="none" w="sm" len="sm"/>
                     </a:lnR>
-                    <a:lnT cap="flat" cmpd="sng" w="9525">
+                    <a:lnT w="9525" cap="flat" cmpd="sng">
                       <a:solidFill>
                         <a:srgbClr val="000000"/>
                       </a:solidFill>
                       <a:prstDash val="solid"/>
                       <a:round/>
-                      <a:headEnd len="sm" w="sm" type="none"/>
-                      <a:tailEnd len="sm" w="sm" type="none"/>
+                      <a:headEnd type="none" w="sm" len="sm"/>
+                      <a:tailEnd type="none" w="sm" len="sm"/>
                     </a:lnT>
-                    <a:lnB cap="flat" cmpd="sng" w="9525">
+                    <a:lnB w="9525" cap="flat" cmpd="sng">
                       <a:solidFill>
                         <a:srgbClr val="000000"/>
                       </a:solidFill>
                       <a:prstDash val="solid"/>
                       <a:round/>
-                      <a:headEnd len="sm" w="sm" type="none"/>
-                      <a:tailEnd len="sm" w="sm" type="none"/>
+                      <a:headEnd type="none" w="sm" len="sm"/>
+                      <a:tailEnd type="none" w="sm" len="sm"/>
                     </a:lnB>
                   </a:tcPr>
                 </a:tc>
@@ -8663,7 +8863,7 @@
                     <a:bodyPr/>
                     <a:lstStyle/>
                     <a:p>
-                      <a:pPr indent="0" lvl="0" marL="190500" rtl="0" algn="l">
+                      <a:pPr marL="190500" lvl="0" indent="0" algn="l" rtl="0">
                         <a:lnSpc>
                           <a:spcPct val="100000"/>
                         </a:lnSpc>
@@ -8688,7 +8888,7 @@
                         <a:t>In case of method overriding, </a:t>
                       </a:r>
                       <a:r>
-                        <a:rPr i="1" lang="en">
+                        <a:rPr lang="en" i="1">
                           <a:solidFill>
                             <a:srgbClr val="0000FF"/>
                           </a:solidFill>
@@ -8725,45 +8925,50 @@
                       </a:endParaRPr>
                     </a:p>
                   </a:txBody>
-                  <a:tcPr marT="76200" marB="76200" marR="76200" marL="76200">
-                    <a:lnL cap="flat" cmpd="sng" w="9525">
+                  <a:tcPr marL="76200" marR="76200" marT="76200" marB="76200">
+                    <a:lnL w="9525" cap="flat" cmpd="sng">
                       <a:solidFill>
                         <a:srgbClr val="000000"/>
                       </a:solidFill>
                       <a:prstDash val="solid"/>
                       <a:round/>
-                      <a:headEnd len="sm" w="sm" type="none"/>
-                      <a:tailEnd len="sm" w="sm" type="none"/>
+                      <a:headEnd type="none" w="sm" len="sm"/>
+                      <a:tailEnd type="none" w="sm" len="sm"/>
                     </a:lnL>
-                    <a:lnR cap="flat" cmpd="sng" w="9525">
+                    <a:lnR w="9525" cap="flat" cmpd="sng">
                       <a:solidFill>
                         <a:srgbClr val="000000"/>
                       </a:solidFill>
                       <a:prstDash val="solid"/>
                       <a:round/>
-                      <a:headEnd len="sm" w="sm" type="none"/>
-                      <a:tailEnd len="sm" w="sm" type="none"/>
+                      <a:headEnd type="none" w="sm" len="sm"/>
+                      <a:tailEnd type="none" w="sm" len="sm"/>
                     </a:lnR>
-                    <a:lnT cap="flat" cmpd="sng" w="9525">
+                    <a:lnT w="9525" cap="flat" cmpd="sng">
                       <a:solidFill>
                         <a:srgbClr val="000000"/>
                       </a:solidFill>
                       <a:prstDash val="solid"/>
                       <a:round/>
-                      <a:headEnd len="sm" w="sm" type="none"/>
-                      <a:tailEnd len="sm" w="sm" type="none"/>
+                      <a:headEnd type="none" w="sm" len="sm"/>
+                      <a:tailEnd type="none" w="sm" len="sm"/>
                     </a:lnT>
-                    <a:lnB cap="flat" cmpd="sng" w="9525">
+                    <a:lnB w="9525" cap="flat" cmpd="sng">
                       <a:solidFill>
                         <a:srgbClr val="000000"/>
                       </a:solidFill>
                       <a:prstDash val="solid"/>
                       <a:round/>
-                      <a:headEnd len="sm" w="sm" type="none"/>
-                      <a:tailEnd len="sm" w="sm" type="none"/>
+                      <a:headEnd type="none" w="sm" len="sm"/>
+                      <a:tailEnd type="none" w="sm" len="sm"/>
                     </a:lnB>
                   </a:tcPr>
                 </a:tc>
+                <a:extLst>
+                  <a:ext uri="{0D108BD9-81ED-4DB2-BD59-A6C34878D82A}">
+                    <a16:rowId xmlns:a16="http://schemas.microsoft.com/office/drawing/2014/main" val="10003"/>
+                  </a:ext>
+                </a:extLst>
               </a:tr>
               <a:tr h="598950">
                 <a:tc>
@@ -8771,7 +8976,7 @@
                     <a:bodyPr/>
                     <a:lstStyle/>
                     <a:p>
-                      <a:pPr indent="0" lvl="0" marL="190500" rtl="0" algn="l">
+                      <a:pPr marL="190500" lvl="0" indent="0" algn="l" rtl="0">
                         <a:lnSpc>
                           <a:spcPct val="100000"/>
                         </a:lnSpc>
@@ -8796,7 +9001,7 @@
                         <a:t>Method overloading is the example of </a:t>
                       </a:r>
                       <a:r>
-                        <a:rPr i="1" lang="en">
+                        <a:rPr lang="en" i="1">
                           <a:solidFill>
                             <a:srgbClr val="0000FF"/>
                           </a:solidFill>
@@ -8833,42 +9038,42 @@
                       </a:endParaRPr>
                     </a:p>
                   </a:txBody>
-                  <a:tcPr marT="76200" marB="76200" marR="76200" marL="76200">
-                    <a:lnL cap="flat" cmpd="sng" w="9525">
+                  <a:tcPr marL="76200" marR="76200" marT="76200" marB="76200">
+                    <a:lnL w="9525" cap="flat" cmpd="sng">
                       <a:solidFill>
                         <a:srgbClr val="000000"/>
                       </a:solidFill>
                       <a:prstDash val="solid"/>
                       <a:round/>
-                      <a:headEnd len="sm" w="sm" type="none"/>
-                      <a:tailEnd len="sm" w="sm" type="none"/>
+                      <a:headEnd type="none" w="sm" len="sm"/>
+                      <a:tailEnd type="none" w="sm" len="sm"/>
                     </a:lnL>
-                    <a:lnR cap="flat" cmpd="sng" w="9525">
+                    <a:lnR w="9525" cap="flat" cmpd="sng">
                       <a:solidFill>
                         <a:srgbClr val="000000"/>
                       </a:solidFill>
                       <a:prstDash val="solid"/>
                       <a:round/>
-                      <a:headEnd len="sm" w="sm" type="none"/>
-                      <a:tailEnd len="sm" w="sm" type="none"/>
+                      <a:headEnd type="none" w="sm" len="sm"/>
+                      <a:tailEnd type="none" w="sm" len="sm"/>
                     </a:lnR>
-                    <a:lnT cap="flat" cmpd="sng" w="9525">
+                    <a:lnT w="9525" cap="flat" cmpd="sng">
                       <a:solidFill>
                         <a:srgbClr val="000000"/>
                       </a:solidFill>
                       <a:prstDash val="solid"/>
                       <a:round/>
-                      <a:headEnd len="sm" w="sm" type="none"/>
-                      <a:tailEnd len="sm" w="sm" type="none"/>
+                      <a:headEnd type="none" w="sm" len="sm"/>
+                      <a:tailEnd type="none" w="sm" len="sm"/>
                     </a:lnT>
-                    <a:lnB cap="flat" cmpd="sng" w="9525">
+                    <a:lnB w="9525" cap="flat" cmpd="sng">
                       <a:solidFill>
                         <a:srgbClr val="000000"/>
                       </a:solidFill>
                       <a:prstDash val="solid"/>
                       <a:round/>
-                      <a:headEnd len="sm" w="sm" type="none"/>
-                      <a:tailEnd len="sm" w="sm" type="none"/>
+                      <a:headEnd type="none" w="sm" len="sm"/>
+                      <a:tailEnd type="none" w="sm" len="sm"/>
                     </a:lnB>
                   </a:tcPr>
                 </a:tc>
@@ -8877,7 +9082,7 @@
                     <a:bodyPr/>
                     <a:lstStyle/>
                     <a:p>
-                      <a:pPr indent="0" lvl="0" marL="190500" rtl="0" algn="l">
+                      <a:pPr marL="190500" lvl="0" indent="0" algn="l" rtl="0">
                         <a:lnSpc>
                           <a:spcPct val="100000"/>
                         </a:lnSpc>
@@ -8902,7 +9107,7 @@
                         <a:t>Method overriding is the example of </a:t>
                       </a:r>
                       <a:r>
-                        <a:rPr i="1" lang="en">
+                        <a:rPr lang="en" i="1">
                           <a:solidFill>
                             <a:srgbClr val="0000FF"/>
                           </a:solidFill>
@@ -8939,45 +9144,50 @@
                       </a:endParaRPr>
                     </a:p>
                   </a:txBody>
-                  <a:tcPr marT="76200" marB="76200" marR="76200" marL="76200">
-                    <a:lnL cap="flat" cmpd="sng" w="9525">
+                  <a:tcPr marL="76200" marR="76200" marT="76200" marB="76200">
+                    <a:lnL w="9525" cap="flat" cmpd="sng">
                       <a:solidFill>
                         <a:srgbClr val="000000"/>
                       </a:solidFill>
                       <a:prstDash val="solid"/>
                       <a:round/>
-                      <a:headEnd len="sm" w="sm" type="none"/>
-                      <a:tailEnd len="sm" w="sm" type="none"/>
+                      <a:headEnd type="none" w="sm" len="sm"/>
+                      <a:tailEnd type="none" w="sm" len="sm"/>
                     </a:lnL>
-                    <a:lnR cap="flat" cmpd="sng" w="9525">
+                    <a:lnR w="9525" cap="flat" cmpd="sng">
                       <a:solidFill>
                         <a:srgbClr val="000000"/>
                       </a:solidFill>
                       <a:prstDash val="solid"/>
                       <a:round/>
-                      <a:headEnd len="sm" w="sm" type="none"/>
-                      <a:tailEnd len="sm" w="sm" type="none"/>
+                      <a:headEnd type="none" w="sm" len="sm"/>
+                      <a:tailEnd type="none" w="sm" len="sm"/>
                     </a:lnR>
-                    <a:lnT cap="flat" cmpd="sng" w="9525">
+                    <a:lnT w="9525" cap="flat" cmpd="sng">
                       <a:solidFill>
                         <a:srgbClr val="000000"/>
                       </a:solidFill>
                       <a:prstDash val="solid"/>
                       <a:round/>
-                      <a:headEnd len="sm" w="sm" type="none"/>
-                      <a:tailEnd len="sm" w="sm" type="none"/>
+                      <a:headEnd type="none" w="sm" len="sm"/>
+                      <a:tailEnd type="none" w="sm" len="sm"/>
                     </a:lnT>
-                    <a:lnB cap="flat" cmpd="sng" w="9525">
+                    <a:lnB w="9525" cap="flat" cmpd="sng">
                       <a:solidFill>
                         <a:srgbClr val="000000"/>
                       </a:solidFill>
                       <a:prstDash val="solid"/>
                       <a:round/>
-                      <a:headEnd len="sm" w="sm" type="none"/>
-                      <a:tailEnd len="sm" w="sm" type="none"/>
+                      <a:headEnd type="none" w="sm" len="sm"/>
+                      <a:tailEnd type="none" w="sm" len="sm"/>
                     </a:lnB>
                   </a:tcPr>
                 </a:tc>
+                <a:extLst>
+                  <a:ext uri="{0D108BD9-81ED-4DB2-BD59-A6C34878D82A}">
+                    <a16:rowId xmlns:a16="http://schemas.microsoft.com/office/drawing/2014/main" val="10004"/>
+                  </a:ext>
+                </a:extLst>
               </a:tr>
               <a:tr h="831875">
                 <a:tc>
@@ -8985,7 +9195,7 @@
                     <a:bodyPr/>
                     <a:lstStyle/>
                     <a:p>
-                      <a:pPr indent="0" lvl="0" marL="190500" rtl="0" algn="l">
+                      <a:pPr marL="190500" lvl="0" indent="0" algn="l" rtl="0">
                         <a:lnSpc>
                           <a:spcPct val="100000"/>
                         </a:lnSpc>
@@ -9037,7 +9247,7 @@
                         <a:t>. </a:t>
                       </a:r>
                       <a:r>
-                        <a:rPr i="1" lang="en">
+                        <a:rPr lang="en" i="1">
                           <a:solidFill>
                             <a:srgbClr val="FF00FF"/>
                           </a:solidFill>
@@ -9089,42 +9299,42 @@
                       </a:endParaRPr>
                     </a:p>
                   </a:txBody>
-                  <a:tcPr marT="76200" marB="76200" marR="76200" marL="76200">
-                    <a:lnL cap="flat" cmpd="sng" w="9525">
+                  <a:tcPr marL="76200" marR="76200" marT="76200" marB="76200">
+                    <a:lnL w="9525" cap="flat" cmpd="sng">
                       <a:solidFill>
                         <a:srgbClr val="000000"/>
                       </a:solidFill>
                       <a:prstDash val="solid"/>
                       <a:round/>
-                      <a:headEnd len="sm" w="sm" type="none"/>
-                      <a:tailEnd len="sm" w="sm" type="none"/>
+                      <a:headEnd type="none" w="sm" len="sm"/>
+                      <a:tailEnd type="none" w="sm" len="sm"/>
                     </a:lnL>
-                    <a:lnR cap="flat" cmpd="sng" w="9525">
+                    <a:lnR w="9525" cap="flat" cmpd="sng">
                       <a:solidFill>
                         <a:srgbClr val="000000"/>
                       </a:solidFill>
                       <a:prstDash val="solid"/>
                       <a:round/>
-                      <a:headEnd len="sm" w="sm" type="none"/>
-                      <a:tailEnd len="sm" w="sm" type="none"/>
+                      <a:headEnd type="none" w="sm" len="sm"/>
+                      <a:tailEnd type="none" w="sm" len="sm"/>
                     </a:lnR>
-                    <a:lnT cap="flat" cmpd="sng" w="9525">
+                    <a:lnT w="9525" cap="flat" cmpd="sng">
                       <a:solidFill>
                         <a:srgbClr val="000000"/>
                       </a:solidFill>
                       <a:prstDash val="solid"/>
                       <a:round/>
-                      <a:headEnd len="sm" w="sm" type="none"/>
-                      <a:tailEnd len="sm" w="sm" type="none"/>
+                      <a:headEnd type="none" w="sm" len="sm"/>
+                      <a:tailEnd type="none" w="sm" len="sm"/>
                     </a:lnT>
-                    <a:lnB cap="flat" cmpd="sng" w="9525">
+                    <a:lnB w="9525" cap="flat" cmpd="sng">
                       <a:solidFill>
                         <a:srgbClr val="000000"/>
                       </a:solidFill>
                       <a:prstDash val="solid"/>
                       <a:round/>
-                      <a:headEnd len="sm" w="sm" type="none"/>
-                      <a:tailEnd len="sm" w="sm" type="none"/>
+                      <a:headEnd type="none" w="sm" len="sm"/>
+                      <a:tailEnd type="none" w="sm" len="sm"/>
                     </a:lnB>
                   </a:tcPr>
                 </a:tc>
@@ -9133,7 +9343,7 @@
                     <a:bodyPr/>
                     <a:lstStyle/>
                     <a:p>
-                      <a:pPr indent="0" lvl="0" marL="190500" rtl="0" algn="l">
+                      <a:pPr marL="190500" lvl="0" indent="0" algn="l" rtl="0">
                         <a:lnSpc>
                           <a:spcPct val="100000"/>
                         </a:lnSpc>
@@ -9146,7 +9356,7 @@
                         <a:buNone/>
                       </a:pPr>
                       <a:r>
-                        <a:rPr i="1" lang="en">
+                        <a:rPr lang="en" i="1">
                           <a:highlight>
                             <a:srgbClr val="FFFFFF"/>
                           </a:highlight>
@@ -9158,7 +9368,7 @@
                         <a:t>Return type must be </a:t>
                       </a:r>
                       <a:r>
-                        <a:rPr b="1" i="1" lang="en">
+                        <a:rPr lang="en" b="1" i="1">
                           <a:solidFill>
                             <a:srgbClr val="0000FF"/>
                           </a:solidFill>
@@ -9195,45 +9405,50 @@
                       </a:endParaRPr>
                     </a:p>
                   </a:txBody>
-                  <a:tcPr marT="76200" marB="76200" marR="76200" marL="76200">
-                    <a:lnL cap="flat" cmpd="sng" w="9525">
+                  <a:tcPr marL="76200" marR="76200" marT="76200" marB="76200">
+                    <a:lnL w="9525" cap="flat" cmpd="sng">
                       <a:solidFill>
                         <a:srgbClr val="000000"/>
                       </a:solidFill>
                       <a:prstDash val="solid"/>
                       <a:round/>
-                      <a:headEnd len="sm" w="sm" type="none"/>
-                      <a:tailEnd len="sm" w="sm" type="none"/>
+                      <a:headEnd type="none" w="sm" len="sm"/>
+                      <a:tailEnd type="none" w="sm" len="sm"/>
                     </a:lnL>
-                    <a:lnR cap="flat" cmpd="sng" w="9525">
+                    <a:lnR w="9525" cap="flat" cmpd="sng">
                       <a:solidFill>
                         <a:srgbClr val="000000"/>
                       </a:solidFill>
                       <a:prstDash val="solid"/>
                       <a:round/>
-                      <a:headEnd len="sm" w="sm" type="none"/>
-                      <a:tailEnd len="sm" w="sm" type="none"/>
+                      <a:headEnd type="none" w="sm" len="sm"/>
+                      <a:tailEnd type="none" w="sm" len="sm"/>
                     </a:lnR>
-                    <a:lnT cap="flat" cmpd="sng" w="9525">
+                    <a:lnT w="9525" cap="flat" cmpd="sng">
                       <a:solidFill>
                         <a:srgbClr val="000000"/>
                       </a:solidFill>
                       <a:prstDash val="solid"/>
                       <a:round/>
-                      <a:headEnd len="sm" w="sm" type="none"/>
-                      <a:tailEnd len="sm" w="sm" type="none"/>
+                      <a:headEnd type="none" w="sm" len="sm"/>
+                      <a:tailEnd type="none" w="sm" len="sm"/>
                     </a:lnT>
-                    <a:lnB cap="flat" cmpd="sng" w="9525">
+                    <a:lnB w="9525" cap="flat" cmpd="sng">
                       <a:solidFill>
                         <a:srgbClr val="000000"/>
                       </a:solidFill>
                       <a:prstDash val="solid"/>
                       <a:round/>
-                      <a:headEnd len="sm" w="sm" type="none"/>
-                      <a:tailEnd len="sm" w="sm" type="none"/>
+                      <a:headEnd type="none" w="sm" len="sm"/>
+                      <a:tailEnd type="none" w="sm" len="sm"/>
                     </a:lnB>
                   </a:tcPr>
                 </a:tc>
+                <a:extLst>
+                  <a:ext uri="{0D108BD9-81ED-4DB2-BD59-A6C34878D82A}">
+                    <a16:rowId xmlns:a16="http://schemas.microsoft.com/office/drawing/2014/main" val="10005"/>
+                  </a:ext>
+                </a:extLst>
               </a:tr>
             </a:tbl>
           </a:graphicData>
@@ -9276,11 +9491,11 @@
 </file>
 
 <file path=ppt/slides/slide8.xml><?xml version="1.0" encoding="utf-8"?>
-<p:sld xmlns:a="http://schemas.openxmlformats.org/drawingml/2006/main" xmlns:r="http://schemas.openxmlformats.org/officeDocument/2006/relationships" xmlns:mc="http://schemas.openxmlformats.org/markup-compatibility/2006" xmlns:mv="urn:schemas-microsoft-com:mac:vml" xmlns:p="http://schemas.openxmlformats.org/presentationml/2006/main" xmlns:c="http://schemas.openxmlformats.org/drawingml/2006/chart" xmlns:dgm="http://schemas.openxmlformats.org/drawingml/2006/diagram" xmlns:o="urn:schemas-microsoft-com:office:office" xmlns:v="urn:schemas-microsoft-com:vml" xmlns:pvml="urn:schemas-microsoft-com:office:powerpoint" xmlns:com="http://schemas.openxmlformats.org/drawingml/2006/compatibility" xmlns:p14="http://schemas.microsoft.com/office/powerpoint/2010/main" xmlns:p15="http://schemas.microsoft.com/office/powerpoint/2012/main" xmlns:ahyp="http://schemas.microsoft.com/office/drawing/2018/hyperlinkcolor">
+<p:sld xmlns:a="http://schemas.openxmlformats.org/drawingml/2006/main" xmlns:r="http://schemas.openxmlformats.org/officeDocument/2006/relationships" xmlns:p="http://schemas.openxmlformats.org/presentationml/2006/main">
   <p:cSld>
     <p:spTree>
       <p:nvGrpSpPr>
-        <p:cNvPr id="102" name="Shape 102"/>
+        <p:cNvPr id="1" name="Shape 102"/>
         <p:cNvGrpSpPr/>
         <p:nvPr/>
       </p:nvGrpSpPr>
@@ -9295,9 +9510,11 @@
       <p:sp>
         <p:nvSpPr>
           <p:cNvPr id="103" name="Google Shape;103;p20"/>
-          <p:cNvSpPr txBox="1"/>
+          <p:cNvSpPr txBox="1">
+            <a:spLocks noGrp="1"/>
+          </p:cNvSpPr>
           <p:nvPr>
-            <p:ph idx="1" type="body"/>
+            <p:ph type="body" idx="1"/>
           </p:nvPr>
         </p:nvSpPr>
         <p:spPr>
@@ -9310,12 +9527,12 @@
           </a:prstGeom>
         </p:spPr>
         <p:txBody>
-          <a:bodyPr anchorCtr="0" anchor="t" bIns="91425" lIns="91425" spcFirstLastPara="1" rIns="91425" wrap="square" tIns="91425">
+          <a:bodyPr spcFirstLastPara="1" wrap="square" lIns="91425" tIns="91425" rIns="91425" bIns="91425" anchor="t" anchorCtr="0">
             <a:noAutofit/>
           </a:bodyPr>
           <a:lstStyle/>
           <a:p>
-            <a:pPr indent="-342900" lvl="0" marL="457200" rtl="0" algn="just">
+            <a:pPr marL="457200" lvl="0" indent="-342900" algn="just" rtl="0">
               <a:spcBef>
                 <a:spcPts val="0"/>
               </a:spcBef>
@@ -9330,27 +9547,19 @@
               <a:t>Dynamic method dispatch is a process in which a call to an </a:t>
             </a:r>
             <a:r>
-              <a:rPr i="1" lang="en">
+              <a:rPr lang="en" i="1">
                 <a:solidFill>
                   <a:srgbClr val="0000FF"/>
                 </a:solidFill>
               </a:rPr>
-              <a:t>overridden</a:t>
-            </a:r>
-            <a:r>
-              <a:rPr i="1" lang="en">
-                <a:solidFill>
-                  <a:srgbClr val="0000FF"/>
-                </a:solidFill>
-              </a:rPr>
-              <a:t> method</a:t>
+              <a:t>overridden method</a:t>
             </a:r>
             <a:r>
               <a:rPr lang="en"/>
               <a:t> is resolved at </a:t>
             </a:r>
             <a:r>
-              <a:rPr b="1" lang="en">
+              <a:rPr lang="en" b="1">
                 <a:solidFill>
                   <a:srgbClr val="0000FF"/>
                 </a:solidFill>
@@ -9362,7 +9571,7 @@
               <a:t> rather than compile time. Also called as </a:t>
             </a:r>
             <a:r>
-              <a:rPr b="1" lang="en">
+              <a:rPr lang="en" b="1">
                 <a:solidFill>
                   <a:srgbClr val="0000FF"/>
                 </a:solidFill>
@@ -9376,7 +9585,7 @@
             <a:endParaRPr/>
           </a:p>
           <a:p>
-            <a:pPr indent="-342900" lvl="0" marL="457200" rtl="0" algn="just">
+            <a:pPr marL="457200" lvl="0" indent="-342900" algn="just" rtl="0">
               <a:spcBef>
                 <a:spcPts val="0"/>
               </a:spcBef>
@@ -9388,52 +9597,12 @@
             </a:pPr>
             <a:r>
               <a:rPr lang="en"/>
-              <a:t>In this process, an </a:t>
-            </a:r>
-            <a:r>
-              <a:rPr lang="en"/>
-              <a:t>overridden</a:t>
-            </a:r>
-            <a:r>
-              <a:rPr lang="en"/>
-              <a:t> method is called through the reference variable of </a:t>
-            </a:r>
-            <a:r>
-              <a:rPr lang="en"/>
-              <a:t>superclass</a:t>
-            </a:r>
-            <a:r>
-              <a:rPr lang="en"/>
-              <a:t>. The determination of the method to be called is based on the object been </a:t>
-            </a:r>
-            <a:r>
-              <a:rPr lang="en"/>
-              <a:t>referred</a:t>
-            </a:r>
-            <a:r>
-              <a:rPr lang="en"/>
-              <a:t> to by the </a:t>
-            </a:r>
-            <a:r>
-              <a:rPr lang="en"/>
-              <a:t>reference</a:t>
-            </a:r>
-            <a:r>
-              <a:rPr lang="en"/>
-              <a:t> </a:t>
-            </a:r>
-            <a:r>
-              <a:rPr lang="en"/>
-              <a:t>variable. </a:t>
-            </a:r>
-            <a:r>
-              <a:rPr lang="en"/>
-              <a:t> </a:t>
+              <a:t>In this process, an overridden method is called through the reference variable of superclass. The determination of the method to be called is based on the object been referred to by the reference variable.  </a:t>
             </a:r>
             <a:endParaRPr/>
           </a:p>
           <a:p>
-            <a:pPr indent="-342900" lvl="0" marL="457200" rtl="0" algn="just">
+            <a:pPr marL="457200" lvl="0" indent="-342900" algn="just" rtl="0">
               <a:spcBef>
                 <a:spcPts val="0"/>
               </a:spcBef>
@@ -9444,21 +9613,17 @@
               <a:buChar char="●"/>
             </a:pPr>
             <a:r>
-              <a:rPr b="1" lang="en"/>
+              <a:rPr lang="en" b="1"/>
               <a:t>Method can be called dynamically in Java</a:t>
             </a:r>
             <a:r>
               <a:rPr lang="en"/>
-              <a:t>. Whenever, a method is called on an object reference, the declared type of the object reference is checked at compile time to make sure that the method exists in the declared class. At run time, the object reference could be referring to an instance of some subclass of the declared reference type.</a:t>
-            </a:r>
-            <a:r>
-              <a:rPr lang="en"/>
-              <a:t>  </a:t>
+              <a:t>. Whenever, a method is called on an object reference, the declared type of the object reference is checked at compile time to make sure that the method exists in the declared class. At run time, the object reference could be referring to an instance of some subclass of the declared reference type.  </a:t>
             </a:r>
             <a:endParaRPr/>
           </a:p>
           <a:p>
-            <a:pPr indent="0" lvl="0" marL="0" rtl="0" algn="l">
+            <a:pPr marL="0" lvl="0" indent="0" algn="l" rtl="0">
               <a:spcBef>
                 <a:spcPts val="1600"/>
               </a:spcBef>
@@ -9478,7 +9643,9 @@
       <p:sp>
         <p:nvSpPr>
           <p:cNvPr id="104" name="Google Shape;104;p20"/>
-          <p:cNvSpPr txBox="1"/>
+          <p:cNvSpPr txBox="1">
+            <a:spLocks noGrp="1"/>
+          </p:cNvSpPr>
           <p:nvPr>
             <p:ph type="title"/>
           </p:nvPr>
@@ -9493,12 +9660,12 @@
           </a:prstGeom>
         </p:spPr>
         <p:txBody>
-          <a:bodyPr anchorCtr="0" anchor="t" bIns="91425" lIns="91425" spcFirstLastPara="1" rIns="91425" wrap="square" tIns="91425">
+          <a:bodyPr spcFirstLastPara="1" wrap="square" lIns="91425" tIns="91425" rIns="91425" bIns="91425" anchor="t" anchorCtr="0">
             <a:noAutofit/>
           </a:bodyPr>
           <a:lstStyle/>
           <a:p>
-            <a:pPr indent="0" lvl="0" marL="0" rtl="0" algn="l">
+            <a:pPr marL="0" lvl="0" indent="0" algn="l" rtl="0">
               <a:spcBef>
                 <a:spcPts val="0"/>
               </a:spcBef>
@@ -9508,7 +9675,7 @@
               <a:buNone/>
             </a:pPr>
             <a:r>
-              <a:rPr b="1" lang="en">
+              <a:rPr lang="en" b="1">
                 <a:solidFill>
                   <a:srgbClr val="0000FF"/>
                 </a:solidFill>
@@ -9560,11 +9727,11 @@
 </file>
 
 <file path=ppt/slides/slide9.xml><?xml version="1.0" encoding="utf-8"?>
-<p:sld xmlns:a="http://schemas.openxmlformats.org/drawingml/2006/main" xmlns:r="http://schemas.openxmlformats.org/officeDocument/2006/relationships" xmlns:mc="http://schemas.openxmlformats.org/markup-compatibility/2006" xmlns:mv="urn:schemas-microsoft-com:mac:vml" xmlns:p="http://schemas.openxmlformats.org/presentationml/2006/main" xmlns:c="http://schemas.openxmlformats.org/drawingml/2006/chart" xmlns:dgm="http://schemas.openxmlformats.org/drawingml/2006/diagram" xmlns:o="urn:schemas-microsoft-com:office:office" xmlns:v="urn:schemas-microsoft-com:vml" xmlns:pvml="urn:schemas-microsoft-com:office:powerpoint" xmlns:com="http://schemas.openxmlformats.org/drawingml/2006/compatibility" xmlns:p14="http://schemas.microsoft.com/office/powerpoint/2010/main" xmlns:p15="http://schemas.microsoft.com/office/powerpoint/2012/main" xmlns:ahyp="http://schemas.microsoft.com/office/drawing/2018/hyperlinkcolor">
+<p:sld xmlns:a="http://schemas.openxmlformats.org/drawingml/2006/main" xmlns:r="http://schemas.openxmlformats.org/officeDocument/2006/relationships" xmlns:p="http://schemas.openxmlformats.org/presentationml/2006/main">
   <p:cSld>
     <p:spTree>
       <p:nvGrpSpPr>
-        <p:cNvPr id="109" name="Shape 109"/>
+        <p:cNvPr id="1" name="Shape 109"/>
         <p:cNvGrpSpPr/>
         <p:nvPr/>
       </p:nvGrpSpPr>
@@ -9579,7 +9746,9 @@
       <p:sp>
         <p:nvSpPr>
           <p:cNvPr id="110" name="Google Shape;110;p21"/>
-          <p:cNvSpPr txBox="1"/>
+          <p:cNvSpPr txBox="1">
+            <a:spLocks noGrp="1"/>
+          </p:cNvSpPr>
           <p:nvPr>
             <p:ph type="title"/>
           </p:nvPr>
@@ -9594,12 +9763,12 @@
           </a:prstGeom>
         </p:spPr>
         <p:txBody>
-          <a:bodyPr anchorCtr="0" anchor="ctr" bIns="91425" lIns="91425" spcFirstLastPara="1" rIns="91425" wrap="square" tIns="91425">
+          <a:bodyPr spcFirstLastPara="1" wrap="square" lIns="91425" tIns="91425" rIns="91425" bIns="91425" anchor="ctr" anchorCtr="0">
             <a:noAutofit/>
           </a:bodyPr>
           <a:lstStyle/>
           <a:p>
-            <a:pPr indent="0" lvl="0" marL="0" rtl="0" algn="ctr">
+            <a:pPr marL="0" lvl="0" indent="0" algn="ctr" rtl="0">
               <a:spcBef>
                 <a:spcPts val="0"/>
               </a:spcBef>
@@ -9609,7 +9778,7 @@
               <a:buNone/>
             </a:pPr>
             <a:r>
-              <a:rPr b="1" lang="en">
+              <a:rPr lang="en" b="1">
                 <a:solidFill>
                   <a:srgbClr val="0000FF"/>
                 </a:solidFill>
@@ -9623,7 +9792,7 @@
             </a:endParaRPr>
           </a:p>
           <a:p>
-            <a:pPr indent="0" lvl="0" marL="0" rtl="0" algn="ctr">
+            <a:pPr marL="0" lvl="0" indent="0" algn="ctr" rtl="0">
               <a:spcBef>
                 <a:spcPts val="0"/>
               </a:spcBef>
@@ -9633,7 +9802,7 @@
               <a:buNone/>
             </a:pPr>
             <a:r>
-              <a:rPr b="1" lang="en">
+              <a:rPr lang="en" b="1">
                 <a:solidFill>
                   <a:srgbClr val="0000FF"/>
                 </a:solidFill>
@@ -9685,7 +9854,288 @@
 </file>
 
 <file path=ppt/theme/theme1.xml><?xml version="1.0" encoding="utf-8"?>
-<a:theme xmlns:a="http://schemas.openxmlformats.org/drawingml/2006/main" xmlns:r="http://schemas.openxmlformats.org/officeDocument/2006/relationships">
+<a:theme xmlns:a="http://schemas.openxmlformats.org/drawingml/2006/main" name="Simple Light">
+  <a:themeElements>
+    <a:clrScheme name="Simple Light">
+      <a:dk1>
+        <a:srgbClr val="000000"/>
+      </a:dk1>
+      <a:lt1>
+        <a:srgbClr val="FFFFFF"/>
+      </a:lt1>
+      <a:dk2>
+        <a:srgbClr val="595959"/>
+      </a:dk2>
+      <a:lt2>
+        <a:srgbClr val="EEEEEE"/>
+      </a:lt2>
+      <a:accent1>
+        <a:srgbClr val="FFAB40"/>
+      </a:accent1>
+      <a:accent2>
+        <a:srgbClr val="212121"/>
+      </a:accent2>
+      <a:accent3>
+        <a:srgbClr val="78909C"/>
+      </a:accent3>
+      <a:accent4>
+        <a:srgbClr val="FFAB40"/>
+      </a:accent4>
+      <a:accent5>
+        <a:srgbClr val="0097A7"/>
+      </a:accent5>
+      <a:accent6>
+        <a:srgbClr val="EEFF41"/>
+      </a:accent6>
+      <a:hlink>
+        <a:srgbClr val="0097A7"/>
+      </a:hlink>
+      <a:folHlink>
+        <a:srgbClr val="0097A7"/>
+      </a:folHlink>
+    </a:clrScheme>
+    <a:fontScheme name="Office">
+      <a:majorFont>
+        <a:latin typeface="Arial"/>
+        <a:ea typeface=""/>
+        <a:cs typeface=""/>
+        <a:font script="Jpan" typeface="ＭＳ Ｐゴシック"/>
+        <a:font script="Hang" typeface="맑은 고딕"/>
+        <a:font script="Hans" typeface="宋体"/>
+        <a:font script="Hant" typeface="新細明體"/>
+        <a:font script="Arab" typeface="Times New Roman"/>
+        <a:font script="Hebr" typeface="Times New Roman"/>
+        <a:font script="Thai" typeface="Angsana New"/>
+        <a:font script="Ethi" typeface="Nyala"/>
+        <a:font script="Beng" typeface="Vrinda"/>
+        <a:font script="Gujr" typeface="Shruti"/>
+        <a:font script="Khmr" typeface="MoolBoran"/>
+        <a:font script="Knda" typeface="Tunga"/>
+        <a:font script="Guru" typeface="Raavi"/>
+        <a:font script="Cans" typeface="Euphemia"/>
+        <a:font script="Cher" typeface="Plantagenet Cherokee"/>
+        <a:font script="Yiii" typeface="Microsoft Yi Baiti"/>
+        <a:font script="Tibt" typeface="Microsoft Himalaya"/>
+        <a:font script="Thaa" typeface="MV Boli"/>
+        <a:font script="Deva" typeface="Mangal"/>
+        <a:font script="Telu" typeface="Gautami"/>
+        <a:font script="Taml" typeface="Latha"/>
+        <a:font script="Syrc" typeface="Estrangelo Edessa"/>
+        <a:font script="Orya" typeface="Kalinga"/>
+        <a:font script="Mlym" typeface="Kartika"/>
+        <a:font script="Laoo" typeface="DokChampa"/>
+        <a:font script="Sinh" typeface="Iskoola Pota"/>
+        <a:font script="Mong" typeface="Mongolian Baiti"/>
+        <a:font script="Viet" typeface="Times New Roman"/>
+        <a:font script="Uigh" typeface="Microsoft Uighur"/>
+        <a:font script="Geor" typeface="Sylfaen"/>
+      </a:majorFont>
+      <a:minorFont>
+        <a:latin typeface="Arial"/>
+        <a:ea typeface=""/>
+        <a:cs typeface=""/>
+        <a:font script="Jpan" typeface="ＭＳ Ｐゴシック"/>
+        <a:font script="Hang" typeface="맑은 고딕"/>
+        <a:font script="Hans" typeface="宋体"/>
+        <a:font script="Hant" typeface="新細明體"/>
+        <a:font script="Arab" typeface="Arial"/>
+        <a:font script="Hebr" typeface="Arial"/>
+        <a:font script="Thai" typeface="Cordia New"/>
+        <a:font script="Ethi" typeface="Nyala"/>
+        <a:font script="Beng" typeface="Vrinda"/>
+        <a:font script="Gujr" typeface="Shruti"/>
+        <a:font script="Khmr" typeface="DaunPenh"/>
+        <a:font script="Knda" typeface="Tunga"/>
+        <a:font script="Guru" typeface="Raavi"/>
+        <a:font script="Cans" typeface="Euphemia"/>
+        <a:font script="Cher" typeface="Plantagenet Cherokee"/>
+        <a:font script="Yiii" typeface="Microsoft Yi Baiti"/>
+        <a:font script="Tibt" typeface="Microsoft Himalaya"/>
+        <a:font script="Thaa" typeface="MV Boli"/>
+        <a:font script="Deva" typeface="Mangal"/>
+        <a:font script="Telu" typeface="Gautami"/>
+        <a:font script="Taml" typeface="Latha"/>
+        <a:font script="Syrc" typeface="Estrangelo Edessa"/>
+        <a:font script="Orya" typeface="Kalinga"/>
+        <a:font script="Mlym" typeface="Kartika"/>
+        <a:font script="Laoo" typeface="DokChampa"/>
+        <a:font script="Sinh" typeface="Iskoola Pota"/>
+        <a:font script="Mong" typeface="Mongolian Baiti"/>
+        <a:font script="Viet" typeface="Arial"/>
+        <a:font script="Uigh" typeface="Microsoft Uighur"/>
+        <a:font script="Geor" typeface="Sylfaen"/>
+      </a:minorFont>
+    </a:fontScheme>
+    <a:fmtScheme name="Office">
+      <a:fillStyleLst>
+        <a:solidFill>
+          <a:schemeClr val="phClr"/>
+        </a:solidFill>
+        <a:gradFill rotWithShape="1">
+          <a:gsLst>
+            <a:gs pos="0">
+              <a:schemeClr val="phClr">
+                <a:tint val="50000"/>
+                <a:satMod val="300000"/>
+              </a:schemeClr>
+            </a:gs>
+            <a:gs pos="35000">
+              <a:schemeClr val="phClr">
+                <a:tint val="37000"/>
+                <a:satMod val="300000"/>
+              </a:schemeClr>
+            </a:gs>
+            <a:gs pos="100000">
+              <a:schemeClr val="phClr">
+                <a:tint val="15000"/>
+                <a:satMod val="350000"/>
+              </a:schemeClr>
+            </a:gs>
+          </a:gsLst>
+          <a:lin ang="16200000" scaled="1"/>
+        </a:gradFill>
+        <a:gradFill rotWithShape="1">
+          <a:gsLst>
+            <a:gs pos="0">
+              <a:schemeClr val="phClr">
+                <a:tint val="100000"/>
+                <a:shade val="100000"/>
+                <a:satMod val="130000"/>
+              </a:schemeClr>
+            </a:gs>
+            <a:gs pos="100000">
+              <a:schemeClr val="phClr">
+                <a:tint val="50000"/>
+                <a:shade val="100000"/>
+                <a:satMod val="350000"/>
+              </a:schemeClr>
+            </a:gs>
+          </a:gsLst>
+          <a:lin ang="16200000" scaled="0"/>
+        </a:gradFill>
+      </a:fillStyleLst>
+      <a:lnStyleLst>
+        <a:ln w="9525" cap="flat" cmpd="sng" algn="ctr">
+          <a:solidFill>
+            <a:schemeClr val="phClr">
+              <a:shade val="95000"/>
+              <a:satMod val="105000"/>
+            </a:schemeClr>
+          </a:solidFill>
+          <a:prstDash val="solid"/>
+        </a:ln>
+        <a:ln w="25400" cap="flat" cmpd="sng" algn="ctr">
+          <a:solidFill>
+            <a:schemeClr val="phClr"/>
+          </a:solidFill>
+          <a:prstDash val="solid"/>
+        </a:ln>
+        <a:ln w="38100" cap="flat" cmpd="sng" algn="ctr">
+          <a:solidFill>
+            <a:schemeClr val="phClr"/>
+          </a:solidFill>
+          <a:prstDash val="solid"/>
+        </a:ln>
+      </a:lnStyleLst>
+      <a:effectStyleLst>
+        <a:effectStyle>
+          <a:effectLst>
+            <a:outerShdw blurRad="40000" dist="20000" dir="5400000" rotWithShape="0">
+              <a:srgbClr val="000000">
+                <a:alpha val="38000"/>
+              </a:srgbClr>
+            </a:outerShdw>
+          </a:effectLst>
+        </a:effectStyle>
+        <a:effectStyle>
+          <a:effectLst>
+            <a:outerShdw blurRad="40000" dist="23000" dir="5400000" rotWithShape="0">
+              <a:srgbClr val="000000">
+                <a:alpha val="35000"/>
+              </a:srgbClr>
+            </a:outerShdw>
+          </a:effectLst>
+        </a:effectStyle>
+        <a:effectStyle>
+          <a:effectLst>
+            <a:outerShdw blurRad="40000" dist="23000" dir="5400000" rotWithShape="0">
+              <a:srgbClr val="000000">
+                <a:alpha val="35000"/>
+              </a:srgbClr>
+            </a:outerShdw>
+          </a:effectLst>
+          <a:scene3d>
+            <a:camera prst="orthographicFront">
+              <a:rot lat="0" lon="0" rev="0"/>
+            </a:camera>
+            <a:lightRig rig="threePt" dir="t">
+              <a:rot lat="0" lon="0" rev="1200000"/>
+            </a:lightRig>
+          </a:scene3d>
+          <a:sp3d>
+            <a:bevelT w="63500" h="25400"/>
+          </a:sp3d>
+        </a:effectStyle>
+      </a:effectStyleLst>
+      <a:bgFillStyleLst>
+        <a:solidFill>
+          <a:schemeClr val="phClr"/>
+        </a:solidFill>
+        <a:gradFill rotWithShape="1">
+          <a:gsLst>
+            <a:gs pos="0">
+              <a:schemeClr val="phClr">
+                <a:tint val="40000"/>
+                <a:satMod val="350000"/>
+              </a:schemeClr>
+            </a:gs>
+            <a:gs pos="40000">
+              <a:schemeClr val="phClr">
+                <a:tint val="45000"/>
+                <a:shade val="99000"/>
+                <a:satMod val="350000"/>
+              </a:schemeClr>
+            </a:gs>
+            <a:gs pos="100000">
+              <a:schemeClr val="phClr">
+                <a:shade val="20000"/>
+                <a:satMod val="255000"/>
+              </a:schemeClr>
+            </a:gs>
+          </a:gsLst>
+          <a:path path="circle">
+            <a:fillToRect l="50000" t="-80000" r="50000" b="180000"/>
+          </a:path>
+        </a:gradFill>
+        <a:gradFill rotWithShape="1">
+          <a:gsLst>
+            <a:gs pos="0">
+              <a:schemeClr val="phClr">
+                <a:tint val="80000"/>
+                <a:satMod val="300000"/>
+              </a:schemeClr>
+            </a:gs>
+            <a:gs pos="100000">
+              <a:schemeClr val="phClr">
+                <a:shade val="30000"/>
+                <a:satMod val="200000"/>
+              </a:schemeClr>
+            </a:gs>
+          </a:gsLst>
+          <a:path path="circle">
+            <a:fillToRect l="50000" t="50000" r="50000" b="50000"/>
+          </a:path>
+        </a:gradFill>
+      </a:bgFillStyleLst>
+    </a:fmtScheme>
+  </a:themeElements>
+  <a:objectDefaults/>
+  <a:extraClrSchemeLst/>
+</a:theme>
+</file>
+
+<file path=ppt/theme/theme2.xml><?xml version="1.0" encoding="utf-8"?>
+<a:theme xmlns:a="http://schemas.openxmlformats.org/drawingml/2006/main">
   <a:themeElements>
     <a:clrScheme name="Default">
       <a:dk1>
@@ -9960,284 +10410,7 @@
       </a:bgFillStyleLst>
     </a:fmtScheme>
   </a:themeElements>
-</a:theme>
-</file>
-
-<file path=ppt/theme/theme2.xml><?xml version="1.0" encoding="utf-8"?>
-<a:theme xmlns:a="http://schemas.openxmlformats.org/drawingml/2006/main" xmlns:r="http://schemas.openxmlformats.org/officeDocument/2006/relationships" name="Simple Light">
-  <a:themeElements>
-    <a:clrScheme name="Simple Light">
-      <a:dk1>
-        <a:srgbClr val="000000"/>
-      </a:dk1>
-      <a:lt1>
-        <a:srgbClr val="FFFFFF"/>
-      </a:lt1>
-      <a:dk2>
-        <a:srgbClr val="595959"/>
-      </a:dk2>
-      <a:lt2>
-        <a:srgbClr val="EEEEEE"/>
-      </a:lt2>
-      <a:accent1>
-        <a:srgbClr val="FFAB40"/>
-      </a:accent1>
-      <a:accent2>
-        <a:srgbClr val="212121"/>
-      </a:accent2>
-      <a:accent3>
-        <a:srgbClr val="78909C"/>
-      </a:accent3>
-      <a:accent4>
-        <a:srgbClr val="FFAB40"/>
-      </a:accent4>
-      <a:accent5>
-        <a:srgbClr val="0097A7"/>
-      </a:accent5>
-      <a:accent6>
-        <a:srgbClr val="EEFF41"/>
-      </a:accent6>
-      <a:hlink>
-        <a:srgbClr val="0097A7"/>
-      </a:hlink>
-      <a:folHlink>
-        <a:srgbClr val="0097A7"/>
-      </a:folHlink>
-    </a:clrScheme>
-    <a:fontScheme name="Office">
-      <a:majorFont>
-        <a:latin typeface="Arial"/>
-        <a:ea typeface=""/>
-        <a:cs typeface=""/>
-        <a:font script="Jpan" typeface="ＭＳ Ｐゴシック"/>
-        <a:font script="Hang" typeface="맑은 고딕"/>
-        <a:font script="Hans" typeface="宋体"/>
-        <a:font script="Hant" typeface="新細明體"/>
-        <a:font script="Arab" typeface="Times New Roman"/>
-        <a:font script="Hebr" typeface="Times New Roman"/>
-        <a:font script="Thai" typeface="Angsana New"/>
-        <a:font script="Ethi" typeface="Nyala"/>
-        <a:font script="Beng" typeface="Vrinda"/>
-        <a:font script="Gujr" typeface="Shruti"/>
-        <a:font script="Khmr" typeface="MoolBoran"/>
-        <a:font script="Knda" typeface="Tunga"/>
-        <a:font script="Guru" typeface="Raavi"/>
-        <a:font script="Cans" typeface="Euphemia"/>
-        <a:font script="Cher" typeface="Plantagenet Cherokee"/>
-        <a:font script="Yiii" typeface="Microsoft Yi Baiti"/>
-        <a:font script="Tibt" typeface="Microsoft Himalaya"/>
-        <a:font script="Thaa" typeface="MV Boli"/>
-        <a:font script="Deva" typeface="Mangal"/>
-        <a:font script="Telu" typeface="Gautami"/>
-        <a:font script="Taml" typeface="Latha"/>
-        <a:font script="Syrc" typeface="Estrangelo Edessa"/>
-        <a:font script="Orya" typeface="Kalinga"/>
-        <a:font script="Mlym" typeface="Kartika"/>
-        <a:font script="Laoo" typeface="DokChampa"/>
-        <a:font script="Sinh" typeface="Iskoola Pota"/>
-        <a:font script="Mong" typeface="Mongolian Baiti"/>
-        <a:font script="Viet" typeface="Times New Roman"/>
-        <a:font script="Uigh" typeface="Microsoft Uighur"/>
-        <a:font script="Geor" typeface="Sylfaen"/>
-      </a:majorFont>
-      <a:minorFont>
-        <a:latin typeface="Arial"/>
-        <a:ea typeface=""/>
-        <a:cs typeface=""/>
-        <a:font script="Jpan" typeface="ＭＳ Ｐゴシック"/>
-        <a:font script="Hang" typeface="맑은 고딕"/>
-        <a:font script="Hans" typeface="宋体"/>
-        <a:font script="Hant" typeface="新細明體"/>
-        <a:font script="Arab" typeface="Arial"/>
-        <a:font script="Hebr" typeface="Arial"/>
-        <a:font script="Thai" typeface="Cordia New"/>
-        <a:font script="Ethi" typeface="Nyala"/>
-        <a:font script="Beng" typeface="Vrinda"/>
-        <a:font script="Gujr" typeface="Shruti"/>
-        <a:font script="Khmr" typeface="DaunPenh"/>
-        <a:font script="Knda" typeface="Tunga"/>
-        <a:font script="Guru" typeface="Raavi"/>
-        <a:font script="Cans" typeface="Euphemia"/>
-        <a:font script="Cher" typeface="Plantagenet Cherokee"/>
-        <a:font script="Yiii" typeface="Microsoft Yi Baiti"/>
-        <a:font script="Tibt" typeface="Microsoft Himalaya"/>
-        <a:font script="Thaa" typeface="MV Boli"/>
-        <a:font script="Deva" typeface="Mangal"/>
-        <a:font script="Telu" typeface="Gautami"/>
-        <a:font script="Taml" typeface="Latha"/>
-        <a:font script="Syrc" typeface="Estrangelo Edessa"/>
-        <a:font script="Orya" typeface="Kalinga"/>
-        <a:font script="Mlym" typeface="Kartika"/>
-        <a:font script="Laoo" typeface="DokChampa"/>
-        <a:font script="Sinh" typeface="Iskoola Pota"/>
-        <a:font script="Mong" typeface="Mongolian Baiti"/>
-        <a:font script="Viet" typeface="Arial"/>
-        <a:font script="Uigh" typeface="Microsoft Uighur"/>
-        <a:font script="Geor" typeface="Sylfaen"/>
-      </a:minorFont>
-    </a:fontScheme>
-    <a:fmtScheme name="Office">
-      <a:fillStyleLst>
-        <a:solidFill>
-          <a:schemeClr val="phClr"/>
-        </a:solidFill>
-        <a:gradFill rotWithShape="1">
-          <a:gsLst>
-            <a:gs pos="0">
-              <a:schemeClr val="phClr">
-                <a:tint val="50000"/>
-                <a:satMod val="300000"/>
-              </a:schemeClr>
-            </a:gs>
-            <a:gs pos="35000">
-              <a:schemeClr val="phClr">
-                <a:tint val="37000"/>
-                <a:satMod val="300000"/>
-              </a:schemeClr>
-            </a:gs>
-            <a:gs pos="100000">
-              <a:schemeClr val="phClr">
-                <a:tint val="15000"/>
-                <a:satMod val="350000"/>
-              </a:schemeClr>
-            </a:gs>
-          </a:gsLst>
-          <a:lin ang="16200000" scaled="1"/>
-        </a:gradFill>
-        <a:gradFill rotWithShape="1">
-          <a:gsLst>
-            <a:gs pos="0">
-              <a:schemeClr val="phClr">
-                <a:tint val="100000"/>
-                <a:shade val="100000"/>
-                <a:satMod val="130000"/>
-              </a:schemeClr>
-            </a:gs>
-            <a:gs pos="100000">
-              <a:schemeClr val="phClr">
-                <a:tint val="50000"/>
-                <a:shade val="100000"/>
-                <a:satMod val="350000"/>
-              </a:schemeClr>
-            </a:gs>
-          </a:gsLst>
-          <a:lin ang="16200000" scaled="0"/>
-        </a:gradFill>
-      </a:fillStyleLst>
-      <a:lnStyleLst>
-        <a:ln w="9525" cap="flat" cmpd="sng" algn="ctr">
-          <a:solidFill>
-            <a:schemeClr val="phClr">
-              <a:shade val="95000"/>
-              <a:satMod val="105000"/>
-            </a:schemeClr>
-          </a:solidFill>
-          <a:prstDash val="solid"/>
-        </a:ln>
-        <a:ln w="25400" cap="flat" cmpd="sng" algn="ctr">
-          <a:solidFill>
-            <a:schemeClr val="phClr"/>
-          </a:solidFill>
-          <a:prstDash val="solid"/>
-        </a:ln>
-        <a:ln w="38100" cap="flat" cmpd="sng" algn="ctr">
-          <a:solidFill>
-            <a:schemeClr val="phClr"/>
-          </a:solidFill>
-          <a:prstDash val="solid"/>
-        </a:ln>
-      </a:lnStyleLst>
-      <a:effectStyleLst>
-        <a:effectStyle>
-          <a:effectLst>
-            <a:outerShdw blurRad="40000" dist="20000" dir="5400000" rotWithShape="0">
-              <a:srgbClr val="000000">
-                <a:alpha val="38000"/>
-              </a:srgbClr>
-            </a:outerShdw>
-          </a:effectLst>
-        </a:effectStyle>
-        <a:effectStyle>
-          <a:effectLst>
-            <a:outerShdw blurRad="40000" dist="23000" dir="5400000" rotWithShape="0">
-              <a:srgbClr val="000000">
-                <a:alpha val="35000"/>
-              </a:srgbClr>
-            </a:outerShdw>
-          </a:effectLst>
-        </a:effectStyle>
-        <a:effectStyle>
-          <a:effectLst>
-            <a:outerShdw blurRad="40000" dist="23000" dir="5400000" rotWithShape="0">
-              <a:srgbClr val="000000">
-                <a:alpha val="35000"/>
-              </a:srgbClr>
-            </a:outerShdw>
-          </a:effectLst>
-          <a:scene3d>
-            <a:camera prst="orthographicFront">
-              <a:rot lat="0" lon="0" rev="0"/>
-            </a:camera>
-            <a:lightRig rig="threePt" dir="t">
-              <a:rot lat="0" lon="0" rev="1200000"/>
-            </a:lightRig>
-          </a:scene3d>
-          <a:sp3d>
-            <a:bevelT w="63500" h="25400"/>
-          </a:sp3d>
-        </a:effectStyle>
-      </a:effectStyleLst>
-      <a:bgFillStyleLst>
-        <a:solidFill>
-          <a:schemeClr val="phClr"/>
-        </a:solidFill>
-        <a:gradFill rotWithShape="1">
-          <a:gsLst>
-            <a:gs pos="0">
-              <a:schemeClr val="phClr">
-                <a:tint val="40000"/>
-                <a:satMod val="350000"/>
-              </a:schemeClr>
-            </a:gs>
-            <a:gs pos="40000">
-              <a:schemeClr val="phClr">
-                <a:tint val="45000"/>
-                <a:shade val="99000"/>
-                <a:satMod val="350000"/>
-              </a:schemeClr>
-            </a:gs>
-            <a:gs pos="100000">
-              <a:schemeClr val="phClr">
-                <a:shade val="20000"/>
-                <a:satMod val="255000"/>
-              </a:schemeClr>
-            </a:gs>
-          </a:gsLst>
-          <a:path path="circle">
-            <a:fillToRect l="50000" t="-80000" r="50000" b="180000"/>
-          </a:path>
-        </a:gradFill>
-        <a:gradFill rotWithShape="1">
-          <a:gsLst>
-            <a:gs pos="0">
-              <a:schemeClr val="phClr">
-                <a:tint val="80000"/>
-                <a:satMod val="300000"/>
-              </a:schemeClr>
-            </a:gs>
-            <a:gs pos="100000">
-              <a:schemeClr val="phClr">
-                <a:shade val="30000"/>
-                <a:satMod val="200000"/>
-              </a:schemeClr>
-            </a:gs>
-          </a:gsLst>
-          <a:path path="circle">
-            <a:fillToRect l="50000" t="50000" r="50000" b="50000"/>
-          </a:path>
-        </a:gradFill>
-      </a:bgFillStyleLst>
-    </a:fmtScheme>
-  </a:themeElements>
+  <a:objectDefaults/>
+  <a:extraClrSchemeLst/>
 </a:theme>
 </file>